--- a/PPT/每次课PPT/02 面向对象（上）.pptx
+++ b/PPT/每次课PPT/02 面向对象（上）.pptx
@@ -5,10 +5,10 @@
     <p:sldMasterId id="2147483672" r:id="rId1"/>
   </p:sldMasterIdLst>
   <p:notesMasterIdLst>
-    <p:notesMasterId r:id="rId14"/>
+    <p:notesMasterId r:id="rId15"/>
   </p:notesMasterIdLst>
   <p:handoutMasterIdLst>
-    <p:handoutMasterId r:id="rId15"/>
+    <p:handoutMasterId r:id="rId16"/>
   </p:handoutMasterIdLst>
   <p:sldIdLst>
     <p:sldId id="642" r:id="rId2"/>
@@ -19,10 +19,11 @@
     <p:sldId id="664" r:id="rId7"/>
     <p:sldId id="619" r:id="rId8"/>
     <p:sldId id="665" r:id="rId9"/>
-    <p:sldId id="621" r:id="rId10"/>
-    <p:sldId id="622" r:id="rId11"/>
-    <p:sldId id="666" r:id="rId12"/>
-    <p:sldId id="667" r:id="rId13"/>
+    <p:sldId id="668" r:id="rId10"/>
+    <p:sldId id="621" r:id="rId11"/>
+    <p:sldId id="622" r:id="rId12"/>
+    <p:sldId id="666" r:id="rId13"/>
+    <p:sldId id="667" r:id="rId14"/>
   </p:sldIdLst>
   <p:sldSz cx="12196763" cy="6858000"/>
   <p:notesSz cx="6858000" cy="9144000"/>
@@ -242,7 +243,7 @@
             <a:fld id="{1AA66804-583B-42BE-962B-441699487C40}" type="datetimeFigureOut">
               <a:rPr lang="zh-CN" altLang="en-US" smtClean="0"/>
               <a:pPr/>
-              <a:t>2017-09-08</a:t>
+              <a:t>2018/9/10</a:t>
             </a:fld>
             <a:endParaRPr lang="zh-CN" altLang="en-US"/>
           </a:p>
@@ -486,7 +487,7 @@
             <a:fld id="{B9EEDA17-7CE7-49CA-897E-A1888A19DA62}" type="datetimeFigureOut">
               <a:rPr lang="zh-CN" altLang="en-US"/>
               <a:pPr/>
-              <a:t>2017-09-08</a:t>
+              <a:t>2018/9/10</a:t>
             </a:fld>
             <a:endParaRPr lang="en-US"/>
           </a:p>
@@ -1172,19 +1173,11 @@
           <a:lstStyle/>
           <a:p>
             <a:fld id="{CE1689F0-D8FB-450F-A36F-553F26501FEE}" type="slidenum">
-              <a:rPr lang="zh-CN" altLang="en-US" smtClean="0">
-                <a:solidFill>
-                  <a:prstClr val="black"/>
-                </a:solidFill>
-              </a:rPr>
+              <a:rPr lang="zh-CN" altLang="en-US" smtClean="0"/>
               <a:pPr/>
               <a:t>11</a:t>
             </a:fld>
-            <a:endParaRPr lang="en-US">
-              <a:solidFill>
-                <a:prstClr val="black"/>
-              </a:solidFill>
-            </a:endParaRPr>
+            <a:endParaRPr lang="en-US"/>
           </a:p>
         </p:txBody>
       </p:sp>
@@ -1277,6 +1270,104 @@
               </a:rPr>
               <a:pPr/>
               <a:t>12</a:t>
+            </a:fld>
+            <a:endParaRPr lang="en-US">
+              <a:solidFill>
+                <a:prstClr val="black"/>
+              </a:solidFill>
+            </a:endParaRPr>
+          </a:p>
+        </p:txBody>
+      </p:sp>
+    </p:spTree>
+    <p:extLst>
+      <p:ext uri="{BB962C8B-B14F-4D97-AF65-F5344CB8AC3E}">
+        <p14:creationId xmlns:p14="http://schemas.microsoft.com/office/powerpoint/2010/main" val="2292324362"/>
+      </p:ext>
+    </p:extLst>
+  </p:cSld>
+  <p:clrMapOvr>
+    <a:masterClrMapping/>
+  </p:clrMapOvr>
+</p:notes>
+</file>
+
+<file path=ppt/notesSlides/notesSlide13.xml><?xml version="1.0" encoding="utf-8"?>
+<p:notes xmlns:a="http://schemas.openxmlformats.org/drawingml/2006/main" xmlns:r="http://schemas.openxmlformats.org/officeDocument/2006/relationships" xmlns:p="http://schemas.openxmlformats.org/presentationml/2006/main">
+  <p:cSld>
+    <p:spTree>
+      <p:nvGrpSpPr>
+        <p:cNvPr id="1" name=""/>
+        <p:cNvGrpSpPr/>
+        <p:nvPr/>
+      </p:nvGrpSpPr>
+      <p:grpSpPr>
+        <a:xfrm>
+          <a:off x="0" y="0"/>
+          <a:ext cx="0" cy="0"/>
+          <a:chOff x="0" y="0"/>
+          <a:chExt cx="0" cy="0"/>
+        </a:xfrm>
+      </p:grpSpPr>
+      <p:sp>
+        <p:nvSpPr>
+          <p:cNvPr id="2" name="幻灯片图像占位符 1"/>
+          <p:cNvSpPr>
+            <a:spLocks noGrp="1" noRot="1" noChangeAspect="1"/>
+          </p:cNvSpPr>
+          <p:nvPr>
+            <p:ph type="sldImg"/>
+          </p:nvPr>
+        </p:nvSpPr>
+        <p:spPr>
+          <a:xfrm>
+            <a:off x="381000" y="685800"/>
+            <a:ext cx="6096000" cy="3429000"/>
+          </a:xfrm>
+        </p:spPr>
+      </p:sp>
+      <p:sp>
+        <p:nvSpPr>
+          <p:cNvPr id="3" name="备注占位符 2"/>
+          <p:cNvSpPr>
+            <a:spLocks noGrp="1"/>
+          </p:cNvSpPr>
+          <p:nvPr>
+            <p:ph type="body" idx="1"/>
+          </p:nvPr>
+        </p:nvSpPr>
+        <p:spPr/>
+        <p:txBody>
+          <a:bodyPr/>
+          <a:lstStyle/>
+          <a:p>
+            <a:endParaRPr lang="zh-CN" altLang="en-US"/>
+          </a:p>
+        </p:txBody>
+      </p:sp>
+      <p:sp>
+        <p:nvSpPr>
+          <p:cNvPr id="4" name="灯片编号占位符 3"/>
+          <p:cNvSpPr>
+            <a:spLocks noGrp="1"/>
+          </p:cNvSpPr>
+          <p:nvPr>
+            <p:ph type="sldNum" sz="quarter" idx="10"/>
+          </p:nvPr>
+        </p:nvSpPr>
+        <p:spPr/>
+        <p:txBody>
+          <a:bodyPr/>
+          <a:lstStyle/>
+          <a:p>
+            <a:fld id="{CE1689F0-D8FB-450F-A36F-553F26501FEE}" type="slidenum">
+              <a:rPr lang="zh-CN" altLang="en-US" smtClean="0">
+                <a:solidFill>
+                  <a:prstClr val="black"/>
+                </a:solidFill>
+              </a:rPr>
+              <a:pPr/>
+              <a:t>13</a:t>
             </a:fld>
             <a:endParaRPr lang="en-US">
               <a:solidFill>
@@ -2046,11 +2137,19 @@
           <a:lstStyle/>
           <a:p>
             <a:fld id="{CE1689F0-D8FB-450F-A36F-553F26501FEE}" type="slidenum">
-              <a:rPr lang="zh-CN" altLang="en-US" smtClean="0"/>
+              <a:rPr lang="zh-CN" altLang="en-US" smtClean="0">
+                <a:solidFill>
+                  <a:prstClr val="black"/>
+                </a:solidFill>
+              </a:rPr>
               <a:pPr/>
               <a:t>9</a:t>
             </a:fld>
-            <a:endParaRPr lang="en-US"/>
+            <a:endParaRPr lang="en-US">
+              <a:solidFill>
+                <a:prstClr val="black"/>
+              </a:solidFill>
+            </a:endParaRPr>
           </a:p>
         </p:txBody>
       </p:sp>
@@ -9160,6 +9259,2079 @@
       </p:grpSpPr>
       <p:sp>
         <p:nvSpPr>
+          <p:cNvPr id="83" name="Freeform 6"/>
+          <p:cNvSpPr>
+            <a:spLocks/>
+          </p:cNvSpPr>
+          <p:nvPr/>
+        </p:nvSpPr>
+        <p:spPr bwMode="auto">
+          <a:xfrm flipH="1">
+            <a:off x="0" y="666517"/>
+            <a:ext cx="266892" cy="6074851"/>
+          </a:xfrm>
+          <a:custGeom>
+            <a:avLst/>
+            <a:gdLst/>
+            <a:ahLst/>
+            <a:cxnLst/>
+            <a:rect l="l" t="t" r="r" b="b"/>
+            <a:pathLst>
+              <a:path w="621232" h="2527151">
+                <a:moveTo>
+                  <a:pt x="621232" y="0"/>
+                </a:moveTo>
+                <a:lnTo>
+                  <a:pt x="0" y="0"/>
+                </a:lnTo>
+                <a:lnTo>
+                  <a:pt x="0" y="2527151"/>
+                </a:lnTo>
+                <a:lnTo>
+                  <a:pt x="621232" y="2527151"/>
+                </a:lnTo>
+                <a:close/>
+              </a:path>
+            </a:pathLst>
+          </a:custGeom>
+          <a:solidFill>
+            <a:schemeClr val="tx2"/>
+          </a:solidFill>
+          <a:ln>
+            <a:noFill/>
+          </a:ln>
+        </p:spPr>
+        <p:txBody>
+          <a:bodyPr vert="horz" wrap="square" lIns="91440" tIns="45720" rIns="91440" bIns="45720" numCol="1" anchor="t" anchorCtr="0" compatLnSpc="1">
+            <a:prstTxWarp prst="textNoShape">
+              <a:avLst/>
+            </a:prstTxWarp>
+          </a:bodyPr>
+          <a:lstStyle/>
+          <a:p>
+            <a:endParaRPr lang="zh-CN" altLang="en-US" dirty="0"/>
+          </a:p>
+        </p:txBody>
+      </p:sp>
+      <p:sp>
+        <p:nvSpPr>
+          <p:cNvPr id="77" name="TextBox 76"/>
+          <p:cNvSpPr txBox="1"/>
+          <p:nvPr/>
+        </p:nvSpPr>
+        <p:spPr>
+          <a:xfrm>
+            <a:off x="477741" y="159023"/>
+            <a:ext cx="1107996" cy="461665"/>
+          </a:xfrm>
+          <a:prstGeom prst="rect">
+            <a:avLst/>
+          </a:prstGeom>
+          <a:noFill/>
+        </p:spPr>
+        <p:txBody>
+          <a:bodyPr wrap="none" rtlCol="0">
+            <a:spAutoFit/>
+          </a:bodyPr>
+          <a:lstStyle/>
+          <a:p>
+            <a:r>
+              <a:rPr lang="zh-CN" altLang="en-US" sz="2400" dirty="0" smtClean="0">
+                <a:solidFill>
+                  <a:schemeClr val="accent2"/>
+                </a:solidFill>
+                <a:latin typeface="微软雅黑"/>
+                <a:ea typeface="微软雅黑"/>
+              </a:rPr>
+              <a:t>内部类</a:t>
+            </a:r>
+            <a:endParaRPr lang="zh-CN" altLang="en-US" sz="2400" dirty="0">
+              <a:solidFill>
+                <a:schemeClr val="accent2"/>
+              </a:solidFill>
+              <a:latin typeface="微软雅黑"/>
+              <a:ea typeface="微软雅黑"/>
+            </a:endParaRPr>
+          </a:p>
+        </p:txBody>
+      </p:sp>
+      <p:sp>
+        <p:nvSpPr>
+          <p:cNvPr id="84" name="Freeform 6"/>
+          <p:cNvSpPr>
+            <a:spLocks/>
+          </p:cNvSpPr>
+          <p:nvPr/>
+        </p:nvSpPr>
+        <p:spPr bwMode="auto">
+          <a:xfrm flipH="1">
+            <a:off x="11929871" y="666517"/>
+            <a:ext cx="266892" cy="6074851"/>
+          </a:xfrm>
+          <a:custGeom>
+            <a:avLst/>
+            <a:gdLst/>
+            <a:ahLst/>
+            <a:cxnLst/>
+            <a:rect l="l" t="t" r="r" b="b"/>
+            <a:pathLst>
+              <a:path w="621232" h="2527151">
+                <a:moveTo>
+                  <a:pt x="621232" y="0"/>
+                </a:moveTo>
+                <a:lnTo>
+                  <a:pt x="0" y="0"/>
+                </a:lnTo>
+                <a:lnTo>
+                  <a:pt x="0" y="2527151"/>
+                </a:lnTo>
+                <a:lnTo>
+                  <a:pt x="621232" y="2527151"/>
+                </a:lnTo>
+                <a:close/>
+              </a:path>
+            </a:pathLst>
+          </a:custGeom>
+          <a:solidFill>
+            <a:schemeClr val="tx1"/>
+          </a:solidFill>
+          <a:ln>
+            <a:noFill/>
+          </a:ln>
+        </p:spPr>
+        <p:txBody>
+          <a:bodyPr vert="horz" wrap="square" lIns="91440" tIns="45720" rIns="91440" bIns="45720" numCol="1" anchor="t" anchorCtr="0" compatLnSpc="1">
+            <a:prstTxWarp prst="textNoShape">
+              <a:avLst/>
+            </a:prstTxWarp>
+          </a:bodyPr>
+          <a:lstStyle/>
+          <a:p>
+            <a:endParaRPr lang="zh-CN" altLang="en-US" dirty="0"/>
+          </a:p>
+        </p:txBody>
+      </p:sp>
+      <p:sp>
+        <p:nvSpPr>
+          <p:cNvPr id="4" name="矩形 3"/>
+          <p:cNvSpPr/>
+          <p:nvPr/>
+        </p:nvSpPr>
+        <p:spPr bwMode="auto">
+          <a:xfrm>
+            <a:off x="0" y="238581"/>
+            <a:ext cx="409749" cy="333328"/>
+          </a:xfrm>
+          <a:prstGeom prst="rect">
+            <a:avLst/>
+          </a:prstGeom>
+          <a:solidFill>
+            <a:schemeClr val="tx1"/>
+          </a:solidFill>
+          <a:ln w="9525" cap="flat" cmpd="sng" algn="ctr">
+            <a:noFill/>
+            <a:prstDash val="solid"/>
+            <a:round/>
+            <a:headEnd type="none" w="med" len="med"/>
+            <a:tailEnd type="none" w="med" len="med"/>
+          </a:ln>
+          <a:effectLst/>
+          <a:extLst/>
+        </p:spPr>
+        <p:txBody>
+          <a:bodyPr vert="horz" wrap="square" lIns="91440" tIns="45720" rIns="91440" bIns="45720" numCol="1" rtlCol="0" anchor="t" anchorCtr="0" compatLnSpc="1">
+            <a:prstTxWarp prst="textNoShape">
+              <a:avLst/>
+            </a:prstTxWarp>
+          </a:bodyPr>
+          <a:lstStyle/>
+          <a:p>
+            <a:pPr marL="0" marR="0" indent="0" algn="l" defTabSz="914400" rtl="0" eaLnBrk="1" fontAlgn="base" latinLnBrk="0" hangingPunct="1">
+              <a:lnSpc>
+                <a:spcPct val="100000"/>
+              </a:lnSpc>
+              <a:spcBef>
+                <a:spcPct val="0"/>
+              </a:spcBef>
+              <a:spcAft>
+                <a:spcPct val="0"/>
+              </a:spcAft>
+              <a:buClrTx/>
+              <a:buSzTx/>
+              <a:buFont typeface="Arial" pitchFamily="34" charset="0"/>
+              <a:buNone/>
+              <a:tabLst/>
+            </a:pPr>
+            <a:endParaRPr kumimoji="0" lang="zh-CN" altLang="en-US" sz="1800" b="0" i="0" u="none" strike="noStrike" cap="none" normalizeH="0" baseline="0" smtClean="0">
+              <a:ln>
+                <a:noFill/>
+              </a:ln>
+              <a:solidFill>
+                <a:schemeClr val="tx1"/>
+              </a:solidFill>
+              <a:effectLst/>
+              <a:latin typeface="Arial" pitchFamily="34" charset="0"/>
+              <a:ea typeface="宋体" pitchFamily="2" charset="-122"/>
+            </a:endParaRPr>
+          </a:p>
+        </p:txBody>
+      </p:sp>
+      <p:sp>
+        <p:nvSpPr>
+          <p:cNvPr id="22" name="椭圆 21"/>
+          <p:cNvSpPr/>
+          <p:nvPr/>
+        </p:nvSpPr>
+        <p:spPr bwMode="auto">
+          <a:xfrm>
+            <a:off x="1029502" y="2390840"/>
+            <a:ext cx="2952328" cy="2952328"/>
+          </a:xfrm>
+          <a:prstGeom prst="ellipse">
+            <a:avLst/>
+          </a:prstGeom>
+          <a:solidFill>
+            <a:schemeClr val="tx1"/>
+          </a:solidFill>
+          <a:ln w="9525" cap="flat" cmpd="sng" algn="ctr">
+            <a:noFill/>
+            <a:prstDash val="solid"/>
+            <a:round/>
+            <a:headEnd type="none" w="med" len="med"/>
+            <a:tailEnd type="none" w="med" len="med"/>
+          </a:ln>
+          <a:effectLst/>
+          <a:extLst/>
+        </p:spPr>
+        <p:txBody>
+          <a:bodyPr vert="horz" wrap="square" lIns="91440" tIns="45720" rIns="91440" bIns="45720" numCol="1" rtlCol="0" anchor="t" anchorCtr="0" compatLnSpc="1">
+            <a:prstTxWarp prst="textNoShape">
+              <a:avLst/>
+            </a:prstTxWarp>
+          </a:bodyPr>
+          <a:lstStyle/>
+          <a:p>
+            <a:pPr marL="0" marR="0" indent="0" algn="l" defTabSz="914400" rtl="0" eaLnBrk="1" fontAlgn="base" latinLnBrk="0" hangingPunct="1">
+              <a:lnSpc>
+                <a:spcPct val="100000"/>
+              </a:lnSpc>
+              <a:spcBef>
+                <a:spcPct val="0"/>
+              </a:spcBef>
+              <a:spcAft>
+                <a:spcPct val="0"/>
+              </a:spcAft>
+              <a:buClrTx/>
+              <a:buSzTx/>
+              <a:buFont typeface="Arial" pitchFamily="34" charset="0"/>
+              <a:buNone/>
+              <a:tabLst/>
+            </a:pPr>
+            <a:endParaRPr kumimoji="0" lang="zh-CN" altLang="en-US" sz="1800" b="0" i="0" u="none" strike="noStrike" cap="none" normalizeH="0" baseline="0" dirty="0" smtClean="0">
+              <a:ln>
+                <a:noFill/>
+              </a:ln>
+              <a:solidFill>
+                <a:schemeClr val="tx1"/>
+              </a:solidFill>
+              <a:effectLst/>
+              <a:latin typeface="Arial" pitchFamily="34" charset="0"/>
+              <a:ea typeface="宋体" pitchFamily="2" charset="-122"/>
+            </a:endParaRPr>
+          </a:p>
+        </p:txBody>
+      </p:sp>
+      <p:sp>
+        <p:nvSpPr>
+          <p:cNvPr id="27" name="TextBox 26"/>
+          <p:cNvSpPr txBox="1"/>
+          <p:nvPr/>
+        </p:nvSpPr>
+        <p:spPr>
+          <a:xfrm>
+            <a:off x="5378301" y="1475872"/>
+            <a:ext cx="1016625" cy="369332"/>
+          </a:xfrm>
+          <a:prstGeom prst="rect">
+            <a:avLst/>
+          </a:prstGeom>
+          <a:noFill/>
+        </p:spPr>
+        <p:txBody>
+          <a:bodyPr wrap="none" rtlCol="0">
+            <a:spAutoFit/>
+          </a:bodyPr>
+          <a:lstStyle/>
+          <a:p>
+            <a:r>
+              <a:rPr lang="en-US" altLang="zh-CN" b="1" dirty="0" smtClean="0">
+                <a:solidFill>
+                  <a:schemeClr val="tx2"/>
+                </a:solidFill>
+                <a:latin typeface="+mj-ea"/>
+                <a:ea typeface="+mj-ea"/>
+              </a:rPr>
+              <a:t>■</a:t>
+            </a:r>
+            <a:r>
+              <a:rPr lang="zh-CN" altLang="en-US" b="1" dirty="0" smtClean="0">
+                <a:solidFill>
+                  <a:schemeClr val="tx2"/>
+                </a:solidFill>
+                <a:latin typeface="+mj-ea"/>
+                <a:ea typeface="+mj-ea"/>
+              </a:rPr>
+              <a:t>类中类</a:t>
+            </a:r>
+            <a:endParaRPr lang="zh-CN" altLang="en-US" b="1" dirty="0">
+              <a:solidFill>
+                <a:schemeClr val="tx2"/>
+              </a:solidFill>
+              <a:latin typeface="+mj-ea"/>
+              <a:ea typeface="+mj-ea"/>
+            </a:endParaRPr>
+          </a:p>
+        </p:txBody>
+      </p:sp>
+      <p:sp>
+        <p:nvSpPr>
+          <p:cNvPr id="29" name="TextBox 28"/>
+          <p:cNvSpPr txBox="1"/>
+          <p:nvPr/>
+        </p:nvSpPr>
+        <p:spPr>
+          <a:xfrm>
+            <a:off x="5378301" y="3300686"/>
+            <a:ext cx="1478290" cy="369332"/>
+          </a:xfrm>
+          <a:prstGeom prst="rect">
+            <a:avLst/>
+          </a:prstGeom>
+          <a:noFill/>
+        </p:spPr>
+        <p:txBody>
+          <a:bodyPr wrap="none" rtlCol="0">
+            <a:spAutoFit/>
+          </a:bodyPr>
+          <a:lstStyle/>
+          <a:p>
+            <a:r>
+              <a:rPr lang="en-US" altLang="zh-CN" b="1" dirty="0" smtClean="0">
+                <a:solidFill>
+                  <a:schemeClr val="tx2"/>
+                </a:solidFill>
+                <a:latin typeface="+mj-ea"/>
+                <a:ea typeface="+mj-ea"/>
+              </a:rPr>
+              <a:t>■</a:t>
+            </a:r>
+            <a:r>
+              <a:rPr lang="zh-CN" altLang="en-US" b="1" dirty="0" smtClean="0">
+                <a:solidFill>
+                  <a:schemeClr val="tx2"/>
+                </a:solidFill>
+                <a:latin typeface="+mj-ea"/>
+                <a:ea typeface="+mj-ea"/>
+              </a:rPr>
+              <a:t>静态内部类</a:t>
+            </a:r>
+            <a:endParaRPr lang="zh-CN" altLang="en-US" b="1" dirty="0">
+              <a:solidFill>
+                <a:schemeClr val="tx2"/>
+              </a:solidFill>
+              <a:latin typeface="+mj-ea"/>
+              <a:ea typeface="+mj-ea"/>
+            </a:endParaRPr>
+          </a:p>
+        </p:txBody>
+      </p:sp>
+      <p:sp>
+        <p:nvSpPr>
+          <p:cNvPr id="31" name="TextBox 30"/>
+          <p:cNvSpPr txBox="1"/>
+          <p:nvPr/>
+        </p:nvSpPr>
+        <p:spPr>
+          <a:xfrm>
+            <a:off x="5306293" y="5158502"/>
+            <a:ext cx="1478290" cy="369332"/>
+          </a:xfrm>
+          <a:prstGeom prst="rect">
+            <a:avLst/>
+          </a:prstGeom>
+          <a:noFill/>
+        </p:spPr>
+        <p:txBody>
+          <a:bodyPr wrap="none" rtlCol="0">
+            <a:spAutoFit/>
+          </a:bodyPr>
+          <a:lstStyle/>
+          <a:p>
+            <a:r>
+              <a:rPr lang="en-US" altLang="zh-CN" b="1" dirty="0" smtClean="0">
+                <a:solidFill>
+                  <a:schemeClr val="tx2"/>
+                </a:solidFill>
+                <a:latin typeface="+mj-ea"/>
+                <a:ea typeface="+mj-ea"/>
+              </a:rPr>
+              <a:t>■</a:t>
+            </a:r>
+            <a:r>
+              <a:rPr lang="zh-CN" altLang="en-US" b="1" dirty="0" smtClean="0">
+                <a:solidFill>
+                  <a:schemeClr val="tx2"/>
+                </a:solidFill>
+                <a:latin typeface="+mj-ea"/>
+                <a:ea typeface="+mj-ea"/>
+              </a:rPr>
+              <a:t>方法内部类</a:t>
+            </a:r>
+            <a:endParaRPr lang="zh-CN" altLang="en-US" b="1" dirty="0">
+              <a:solidFill>
+                <a:schemeClr val="tx2"/>
+              </a:solidFill>
+              <a:latin typeface="+mj-ea"/>
+              <a:ea typeface="+mj-ea"/>
+            </a:endParaRPr>
+          </a:p>
+        </p:txBody>
+      </p:sp>
+      <p:sp>
+        <p:nvSpPr>
+          <p:cNvPr id="35" name="TextBox 34"/>
+          <p:cNvSpPr txBox="1"/>
+          <p:nvPr/>
+        </p:nvSpPr>
+        <p:spPr>
+          <a:xfrm>
+            <a:off x="1845419" y="3513061"/>
+            <a:ext cx="1300195" cy="707886"/>
+          </a:xfrm>
+          <a:prstGeom prst="rect">
+            <a:avLst/>
+          </a:prstGeom>
+          <a:noFill/>
+        </p:spPr>
+        <p:txBody>
+          <a:bodyPr wrap="square" rtlCol="0">
+            <a:spAutoFit/>
+          </a:bodyPr>
+          <a:lstStyle/>
+          <a:p>
+            <a:pPr algn="ctr"/>
+            <a:r>
+              <a:rPr lang="zh-CN" altLang="en-US" sz="4000" dirty="0" smtClean="0">
+                <a:solidFill>
+                  <a:srgbClr val="F8F8F8"/>
+                </a:solidFill>
+                <a:latin typeface="+mn-ea"/>
+                <a:ea typeface="+mn-ea"/>
+              </a:rPr>
+              <a:t>封装！</a:t>
+            </a:r>
+            <a:endParaRPr lang="zh-CN" altLang="en-US" sz="4000" dirty="0">
+              <a:solidFill>
+                <a:srgbClr val="F8F8F8"/>
+              </a:solidFill>
+              <a:latin typeface="+mn-ea"/>
+              <a:ea typeface="+mn-ea"/>
+            </a:endParaRPr>
+          </a:p>
+        </p:txBody>
+      </p:sp>
+      <p:grpSp>
+        <p:nvGrpSpPr>
+          <p:cNvPr id="2" name="组合 1"/>
+          <p:cNvGrpSpPr/>
+          <p:nvPr/>
+        </p:nvGrpSpPr>
+        <p:grpSpPr>
+          <a:xfrm>
+            <a:off x="2505666" y="1765071"/>
+            <a:ext cx="864096" cy="864096"/>
+            <a:chOff x="2505666" y="1765071"/>
+            <a:chExt cx="864096" cy="864096"/>
+          </a:xfrm>
+        </p:grpSpPr>
+        <p:sp>
+          <p:nvSpPr>
+            <p:cNvPr id="23" name="椭圆 22"/>
+            <p:cNvSpPr/>
+            <p:nvPr/>
+          </p:nvSpPr>
+          <p:spPr bwMode="auto">
+            <a:xfrm>
+              <a:off x="2505666" y="1765071"/>
+              <a:ext cx="864096" cy="864096"/>
+            </a:xfrm>
+            <a:prstGeom prst="ellipse">
+              <a:avLst/>
+            </a:prstGeom>
+            <a:solidFill>
+              <a:schemeClr val="tx2"/>
+            </a:solidFill>
+            <a:ln w="9525" cap="flat" cmpd="sng" algn="ctr">
+              <a:noFill/>
+              <a:prstDash val="solid"/>
+              <a:round/>
+              <a:headEnd type="none" w="med" len="med"/>
+              <a:tailEnd type="none" w="med" len="med"/>
+            </a:ln>
+            <a:effectLst/>
+            <a:extLst/>
+          </p:spPr>
+          <p:txBody>
+            <a:bodyPr vert="horz" wrap="square" lIns="91440" tIns="45720" rIns="91440" bIns="45720" numCol="1" rtlCol="0" anchor="t" anchorCtr="0" compatLnSpc="1">
+              <a:prstTxWarp prst="textNoShape">
+                <a:avLst/>
+              </a:prstTxWarp>
+            </a:bodyPr>
+            <a:lstStyle/>
+            <a:p>
+              <a:pPr marL="0" marR="0" indent="0" algn="l" defTabSz="914400" rtl="0" eaLnBrk="1" fontAlgn="base" latinLnBrk="0" hangingPunct="1">
+                <a:lnSpc>
+                  <a:spcPct val="100000"/>
+                </a:lnSpc>
+                <a:spcBef>
+                  <a:spcPct val="0"/>
+                </a:spcBef>
+                <a:spcAft>
+                  <a:spcPct val="0"/>
+                </a:spcAft>
+                <a:buClrTx/>
+                <a:buSzTx/>
+                <a:buFont typeface="Arial" pitchFamily="34" charset="0"/>
+                <a:buNone/>
+                <a:tabLst/>
+              </a:pPr>
+              <a:endParaRPr kumimoji="0" lang="zh-CN" altLang="en-US" sz="1800" b="0" i="0" u="none" strike="noStrike" cap="none" normalizeH="0" baseline="0" smtClean="0">
+                <a:ln>
+                  <a:noFill/>
+                </a:ln>
+                <a:solidFill>
+                  <a:schemeClr val="tx1"/>
+                </a:solidFill>
+                <a:effectLst/>
+                <a:latin typeface="Arial" pitchFamily="34" charset="0"/>
+                <a:ea typeface="宋体" pitchFamily="2" charset="-122"/>
+              </a:endParaRPr>
+            </a:p>
+          </p:txBody>
+        </p:sp>
+        <p:sp>
+          <p:nvSpPr>
+            <p:cNvPr id="36" name="TextBox 35"/>
+            <p:cNvSpPr txBox="1"/>
+            <p:nvPr/>
+          </p:nvSpPr>
+          <p:spPr>
+            <a:xfrm>
+              <a:off x="2563333" y="1845204"/>
+              <a:ext cx="755335" cy="646331"/>
+            </a:xfrm>
+            <a:prstGeom prst="rect">
+              <a:avLst/>
+            </a:prstGeom>
+            <a:noFill/>
+          </p:spPr>
+          <p:txBody>
+            <a:bodyPr wrap="none" rtlCol="0">
+              <a:spAutoFit/>
+            </a:bodyPr>
+            <a:lstStyle/>
+            <a:p>
+              <a:r>
+                <a:rPr lang="en-US" altLang="zh-CN" sz="3600" dirty="0" smtClean="0">
+                  <a:solidFill>
+                    <a:srgbClr val="F8F8F8"/>
+                  </a:solidFill>
+                  <a:latin typeface="+mn-ea"/>
+                  <a:ea typeface="+mn-ea"/>
+                </a:rPr>
+                <a:t>01</a:t>
+              </a:r>
+              <a:endParaRPr lang="zh-CN" altLang="en-US" sz="3600" dirty="0">
+                <a:solidFill>
+                  <a:srgbClr val="F8F8F8"/>
+                </a:solidFill>
+                <a:latin typeface="+mn-ea"/>
+                <a:ea typeface="+mn-ea"/>
+              </a:endParaRPr>
+            </a:p>
+          </p:txBody>
+        </p:sp>
+      </p:grpSp>
+      <p:grpSp>
+        <p:nvGrpSpPr>
+          <p:cNvPr id="3" name="组合 2"/>
+          <p:cNvGrpSpPr/>
+          <p:nvPr/>
+        </p:nvGrpSpPr>
+        <p:grpSpPr>
+          <a:xfrm>
+            <a:off x="3405766" y="2600174"/>
+            <a:ext cx="864096" cy="864096"/>
+            <a:chOff x="3405766" y="2600174"/>
+            <a:chExt cx="864096" cy="864096"/>
+          </a:xfrm>
+        </p:grpSpPr>
+        <p:sp>
+          <p:nvSpPr>
+            <p:cNvPr id="24" name="椭圆 23"/>
+            <p:cNvSpPr/>
+            <p:nvPr/>
+          </p:nvSpPr>
+          <p:spPr bwMode="auto">
+            <a:xfrm>
+              <a:off x="3405766" y="2600174"/>
+              <a:ext cx="864096" cy="864096"/>
+            </a:xfrm>
+            <a:prstGeom prst="ellipse">
+              <a:avLst/>
+            </a:prstGeom>
+            <a:solidFill>
+              <a:schemeClr val="tx2"/>
+            </a:solidFill>
+            <a:ln w="9525" cap="flat" cmpd="sng" algn="ctr">
+              <a:noFill/>
+              <a:prstDash val="solid"/>
+              <a:round/>
+              <a:headEnd type="none" w="med" len="med"/>
+              <a:tailEnd type="none" w="med" len="med"/>
+            </a:ln>
+            <a:effectLst/>
+            <a:extLst/>
+          </p:spPr>
+          <p:txBody>
+            <a:bodyPr vert="horz" wrap="square" lIns="91440" tIns="45720" rIns="91440" bIns="45720" numCol="1" rtlCol="0" anchor="t" anchorCtr="0" compatLnSpc="1">
+              <a:prstTxWarp prst="textNoShape">
+                <a:avLst/>
+              </a:prstTxWarp>
+            </a:bodyPr>
+            <a:lstStyle/>
+            <a:p>
+              <a:pPr marL="0" marR="0" indent="0" algn="l" defTabSz="914400" rtl="0" eaLnBrk="1" fontAlgn="base" latinLnBrk="0" hangingPunct="1">
+                <a:lnSpc>
+                  <a:spcPct val="100000"/>
+                </a:lnSpc>
+                <a:spcBef>
+                  <a:spcPct val="0"/>
+                </a:spcBef>
+                <a:spcAft>
+                  <a:spcPct val="0"/>
+                </a:spcAft>
+                <a:buClrTx/>
+                <a:buSzTx/>
+                <a:buFont typeface="Arial" pitchFamily="34" charset="0"/>
+                <a:buNone/>
+                <a:tabLst/>
+              </a:pPr>
+              <a:endParaRPr kumimoji="0" lang="zh-CN" altLang="en-US" sz="1800" b="0" i="0" u="none" strike="noStrike" cap="none" normalizeH="0" baseline="0" smtClean="0">
+                <a:ln>
+                  <a:noFill/>
+                </a:ln>
+                <a:solidFill>
+                  <a:schemeClr val="tx1"/>
+                </a:solidFill>
+                <a:effectLst/>
+                <a:latin typeface="Arial" pitchFamily="34" charset="0"/>
+                <a:ea typeface="宋体" pitchFamily="2" charset="-122"/>
+              </a:endParaRPr>
+            </a:p>
+          </p:txBody>
+        </p:sp>
+        <p:sp>
+          <p:nvSpPr>
+            <p:cNvPr id="37" name="TextBox 36"/>
+            <p:cNvSpPr txBox="1"/>
+            <p:nvPr/>
+          </p:nvSpPr>
+          <p:spPr>
+            <a:xfrm>
+              <a:off x="3452333" y="2708804"/>
+              <a:ext cx="726481" cy="646331"/>
+            </a:xfrm>
+            <a:prstGeom prst="rect">
+              <a:avLst/>
+            </a:prstGeom>
+            <a:noFill/>
+          </p:spPr>
+          <p:txBody>
+            <a:bodyPr wrap="none" rtlCol="0">
+              <a:spAutoFit/>
+            </a:bodyPr>
+            <a:lstStyle/>
+            <a:p>
+              <a:r>
+                <a:rPr lang="en-US" altLang="zh-CN" sz="3600" dirty="0" smtClean="0">
+                  <a:solidFill>
+                    <a:srgbClr val="F8F8F8"/>
+                  </a:solidFill>
+                  <a:latin typeface="+mn-ea"/>
+                  <a:ea typeface="+mn-ea"/>
+                </a:rPr>
+                <a:t>02</a:t>
+              </a:r>
+              <a:endParaRPr lang="zh-CN" altLang="en-US" sz="3600" dirty="0">
+                <a:solidFill>
+                  <a:srgbClr val="F8F8F8"/>
+                </a:solidFill>
+                <a:latin typeface="+mn-ea"/>
+                <a:ea typeface="+mn-ea"/>
+              </a:endParaRPr>
+            </a:p>
+          </p:txBody>
+        </p:sp>
+      </p:grpSp>
+      <p:grpSp>
+        <p:nvGrpSpPr>
+          <p:cNvPr id="5" name="组合 4"/>
+          <p:cNvGrpSpPr/>
+          <p:nvPr/>
+        </p:nvGrpSpPr>
+        <p:grpSpPr>
+          <a:xfrm>
+            <a:off x="3593471" y="3855820"/>
+            <a:ext cx="864096" cy="864096"/>
+            <a:chOff x="3593471" y="3855820"/>
+            <a:chExt cx="864096" cy="864096"/>
+          </a:xfrm>
+        </p:grpSpPr>
+        <p:sp>
+          <p:nvSpPr>
+            <p:cNvPr id="25" name="椭圆 24"/>
+            <p:cNvSpPr/>
+            <p:nvPr/>
+          </p:nvSpPr>
+          <p:spPr bwMode="auto">
+            <a:xfrm>
+              <a:off x="3593471" y="3855820"/>
+              <a:ext cx="864096" cy="864096"/>
+            </a:xfrm>
+            <a:prstGeom prst="ellipse">
+              <a:avLst/>
+            </a:prstGeom>
+            <a:solidFill>
+              <a:schemeClr val="tx2"/>
+            </a:solidFill>
+            <a:ln w="9525" cap="flat" cmpd="sng" algn="ctr">
+              <a:noFill/>
+              <a:prstDash val="solid"/>
+              <a:round/>
+              <a:headEnd type="none" w="med" len="med"/>
+              <a:tailEnd type="none" w="med" len="med"/>
+            </a:ln>
+            <a:effectLst/>
+            <a:extLst/>
+          </p:spPr>
+          <p:txBody>
+            <a:bodyPr vert="horz" wrap="square" lIns="91440" tIns="45720" rIns="91440" bIns="45720" numCol="1" rtlCol="0" anchor="t" anchorCtr="0" compatLnSpc="1">
+              <a:prstTxWarp prst="textNoShape">
+                <a:avLst/>
+              </a:prstTxWarp>
+            </a:bodyPr>
+            <a:lstStyle/>
+            <a:p>
+              <a:pPr marL="0" marR="0" indent="0" algn="l" defTabSz="914400" rtl="0" eaLnBrk="1" fontAlgn="base" latinLnBrk="0" hangingPunct="1">
+                <a:lnSpc>
+                  <a:spcPct val="100000"/>
+                </a:lnSpc>
+                <a:spcBef>
+                  <a:spcPct val="0"/>
+                </a:spcBef>
+                <a:spcAft>
+                  <a:spcPct val="0"/>
+                </a:spcAft>
+                <a:buClrTx/>
+                <a:buSzTx/>
+                <a:buFont typeface="Arial" pitchFamily="34" charset="0"/>
+                <a:buNone/>
+                <a:tabLst/>
+              </a:pPr>
+              <a:endParaRPr kumimoji="0" lang="zh-CN" altLang="en-US" sz="1800" b="0" i="0" u="none" strike="noStrike" cap="none" normalizeH="0" baseline="0" smtClean="0">
+                <a:ln>
+                  <a:noFill/>
+                </a:ln>
+                <a:solidFill>
+                  <a:schemeClr val="tx1"/>
+                </a:solidFill>
+                <a:effectLst/>
+                <a:latin typeface="Arial" pitchFamily="34" charset="0"/>
+                <a:ea typeface="宋体" pitchFamily="2" charset="-122"/>
+              </a:endParaRPr>
+            </a:p>
+          </p:txBody>
+        </p:sp>
+        <p:sp>
+          <p:nvSpPr>
+            <p:cNvPr id="38" name="TextBox 37"/>
+            <p:cNvSpPr txBox="1"/>
+            <p:nvPr/>
+          </p:nvSpPr>
+          <p:spPr>
+            <a:xfrm>
+              <a:off x="3655533" y="3978804"/>
+              <a:ext cx="755335" cy="646331"/>
+            </a:xfrm>
+            <a:prstGeom prst="rect">
+              <a:avLst/>
+            </a:prstGeom>
+            <a:noFill/>
+          </p:spPr>
+          <p:txBody>
+            <a:bodyPr wrap="none" rtlCol="0">
+              <a:spAutoFit/>
+            </a:bodyPr>
+            <a:lstStyle/>
+            <a:p>
+              <a:r>
+                <a:rPr lang="en-US" altLang="zh-CN" sz="3600" dirty="0" smtClean="0">
+                  <a:solidFill>
+                    <a:srgbClr val="F8F8F8"/>
+                  </a:solidFill>
+                  <a:latin typeface="+mn-ea"/>
+                  <a:ea typeface="+mn-ea"/>
+                </a:rPr>
+                <a:t>03</a:t>
+              </a:r>
+              <a:endParaRPr lang="zh-CN" altLang="en-US" sz="3600" dirty="0">
+                <a:solidFill>
+                  <a:srgbClr val="F8F8F8"/>
+                </a:solidFill>
+                <a:latin typeface="+mn-ea"/>
+                <a:ea typeface="+mn-ea"/>
+              </a:endParaRPr>
+            </a:p>
+          </p:txBody>
+        </p:sp>
+      </p:grpSp>
+      <p:grpSp>
+        <p:nvGrpSpPr>
+          <p:cNvPr id="6" name="组合 5"/>
+          <p:cNvGrpSpPr/>
+          <p:nvPr/>
+        </p:nvGrpSpPr>
+        <p:grpSpPr>
+          <a:xfrm>
+            <a:off x="2937714" y="4809209"/>
+            <a:ext cx="864096" cy="864096"/>
+            <a:chOff x="2937714" y="4911120"/>
+            <a:chExt cx="864096" cy="864096"/>
+          </a:xfrm>
+        </p:grpSpPr>
+        <p:sp>
+          <p:nvSpPr>
+            <p:cNvPr id="26" name="椭圆 25"/>
+            <p:cNvSpPr/>
+            <p:nvPr/>
+          </p:nvSpPr>
+          <p:spPr bwMode="auto">
+            <a:xfrm>
+              <a:off x="2937714" y="4911120"/>
+              <a:ext cx="864096" cy="864096"/>
+            </a:xfrm>
+            <a:prstGeom prst="ellipse">
+              <a:avLst/>
+            </a:prstGeom>
+            <a:solidFill>
+              <a:schemeClr val="tx2"/>
+            </a:solidFill>
+            <a:ln w="9525" cap="flat" cmpd="sng" algn="ctr">
+              <a:noFill/>
+              <a:prstDash val="solid"/>
+              <a:round/>
+              <a:headEnd type="none" w="med" len="med"/>
+              <a:tailEnd type="none" w="med" len="med"/>
+            </a:ln>
+            <a:effectLst/>
+            <a:extLst/>
+          </p:spPr>
+          <p:txBody>
+            <a:bodyPr vert="horz" wrap="square" lIns="91440" tIns="45720" rIns="91440" bIns="45720" numCol="1" rtlCol="0" anchor="t" anchorCtr="0" compatLnSpc="1">
+              <a:prstTxWarp prst="textNoShape">
+                <a:avLst/>
+              </a:prstTxWarp>
+            </a:bodyPr>
+            <a:lstStyle/>
+            <a:p>
+              <a:pPr marL="0" marR="0" indent="0" algn="l" defTabSz="914400" rtl="0" eaLnBrk="1" fontAlgn="base" latinLnBrk="0" hangingPunct="1">
+                <a:lnSpc>
+                  <a:spcPct val="100000"/>
+                </a:lnSpc>
+                <a:spcBef>
+                  <a:spcPct val="0"/>
+                </a:spcBef>
+                <a:spcAft>
+                  <a:spcPct val="0"/>
+                </a:spcAft>
+                <a:buClrTx/>
+                <a:buSzTx/>
+                <a:buFont typeface="Arial" pitchFamily="34" charset="0"/>
+                <a:buNone/>
+                <a:tabLst/>
+              </a:pPr>
+              <a:endParaRPr kumimoji="0" lang="zh-CN" altLang="en-US" sz="1800" b="0" i="0" u="none" strike="noStrike" cap="none" normalizeH="0" baseline="0" smtClean="0">
+                <a:ln>
+                  <a:noFill/>
+                </a:ln>
+                <a:solidFill>
+                  <a:schemeClr val="tx1"/>
+                </a:solidFill>
+                <a:effectLst/>
+                <a:latin typeface="Arial" pitchFamily="34" charset="0"/>
+                <a:ea typeface="宋体" pitchFamily="2" charset="-122"/>
+              </a:endParaRPr>
+            </a:p>
+          </p:txBody>
+        </p:sp>
+        <p:sp>
+          <p:nvSpPr>
+            <p:cNvPr id="39" name="TextBox 38"/>
+            <p:cNvSpPr txBox="1"/>
+            <p:nvPr/>
+          </p:nvSpPr>
+          <p:spPr>
+            <a:xfrm>
+              <a:off x="2982433" y="5020204"/>
+              <a:ext cx="726481" cy="646331"/>
+            </a:xfrm>
+            <a:prstGeom prst="rect">
+              <a:avLst/>
+            </a:prstGeom>
+            <a:noFill/>
+          </p:spPr>
+          <p:txBody>
+            <a:bodyPr wrap="none" rtlCol="0">
+              <a:spAutoFit/>
+            </a:bodyPr>
+            <a:lstStyle/>
+            <a:p>
+              <a:r>
+                <a:rPr lang="en-US" altLang="zh-CN" sz="3600" dirty="0" smtClean="0">
+                  <a:solidFill>
+                    <a:srgbClr val="F8F8F8"/>
+                  </a:solidFill>
+                  <a:latin typeface="+mn-ea"/>
+                  <a:ea typeface="+mn-ea"/>
+                </a:rPr>
+                <a:t>04</a:t>
+              </a:r>
+              <a:endParaRPr lang="zh-CN" altLang="en-US" sz="3600" dirty="0">
+                <a:solidFill>
+                  <a:srgbClr val="F8F8F8"/>
+                </a:solidFill>
+                <a:latin typeface="+mn-ea"/>
+                <a:ea typeface="+mn-ea"/>
+              </a:endParaRPr>
+            </a:p>
+          </p:txBody>
+        </p:sp>
+      </p:grpSp>
+      <p:pic>
+        <p:nvPicPr>
+          <p:cNvPr id="1026" name="Picture 2"/>
+          <p:cNvPicPr>
+            <a:picLocks noChangeAspect="1" noChangeArrowheads="1"/>
+          </p:cNvPicPr>
+          <p:nvPr/>
+        </p:nvPicPr>
+        <p:blipFill>
+          <a:blip r:embed="rId3">
+            <a:extLst>
+              <a:ext uri="{28A0092B-C50C-407E-A947-70E740481C1C}">
+                <a14:useLocalDpi xmlns:a14="http://schemas.microsoft.com/office/drawing/2010/main" val="0"/>
+              </a:ext>
+            </a:extLst>
+          </a:blip>
+          <a:srcRect/>
+          <a:stretch>
+            <a:fillRect/>
+          </a:stretch>
+        </p:blipFill>
+        <p:spPr bwMode="auto">
+          <a:xfrm>
+            <a:off x="6962477" y="1211017"/>
+            <a:ext cx="4842982" cy="4548670"/>
+          </a:xfrm>
+          <a:prstGeom prst="rect">
+            <a:avLst/>
+          </a:prstGeom>
+          <a:noFill/>
+          <a:ln>
+            <a:noFill/>
+          </a:ln>
+          <a:extLst>
+            <a:ext uri="{909E8E84-426E-40DD-AFC4-6F175D3DCCD1}">
+              <a14:hiddenFill xmlns:a14="http://schemas.microsoft.com/office/drawing/2010/main">
+                <a:solidFill>
+                  <a:schemeClr val="accent1"/>
+                </a:solidFill>
+              </a14:hiddenFill>
+            </a:ext>
+            <a:ext uri="{91240B29-F687-4F45-9708-019B960494DF}">
+              <a14:hiddenLine xmlns:a14="http://schemas.microsoft.com/office/drawing/2010/main" w="9525">
+                <a:solidFill>
+                  <a:schemeClr val="tx1"/>
+                </a:solidFill>
+                <a:miter lim="800000"/>
+                <a:headEnd/>
+                <a:tailEnd/>
+              </a14:hiddenLine>
+            </a:ext>
+          </a:extLst>
+        </p:spPr>
+      </p:pic>
+    </p:spTree>
+    <p:extLst>
+      <p:ext uri="{BB962C8B-B14F-4D97-AF65-F5344CB8AC3E}">
+        <p14:creationId xmlns:p14="http://schemas.microsoft.com/office/powerpoint/2010/main" val="2674115449"/>
+      </p:ext>
+    </p:extLst>
+  </p:cSld>
+  <p:clrMapOvr>
+    <a:masterClrMapping/>
+  </p:clrMapOvr>
+  <p:transition spd="slow" advTm="5761">
+    <p:push/>
+  </p:transition>
+  <p:timing>
+    <p:tnLst>
+      <p:par>
+        <p:cTn id="1" dur="indefinite" restart="never" nodeType="tmRoot">
+          <p:childTnLst>
+            <p:seq concurrent="1" nextAc="seek">
+              <p:cTn id="2" dur="indefinite" nodeType="mainSeq">
+                <p:childTnLst>
+                  <p:par>
+                    <p:cTn id="3" fill="hold">
+                      <p:stCondLst>
+                        <p:cond delay="indefinite"/>
+                        <p:cond evt="onBegin" delay="0">
+                          <p:tn val="2"/>
+                        </p:cond>
+                      </p:stCondLst>
+                      <p:childTnLst>
+                        <p:par>
+                          <p:cTn id="4" fill="hold">
+                            <p:stCondLst>
+                              <p:cond delay="0"/>
+                            </p:stCondLst>
+                            <p:childTnLst>
+                              <p:par>
+                                <p:cTn id="5" presetID="1" presetClass="entr" presetSubtype="0" fill="hold" grpId="0" nodeType="afterEffect">
+                                  <p:stCondLst>
+                                    <p:cond delay="0"/>
+                                  </p:stCondLst>
+                                  <p:childTnLst>
+                                    <p:set>
+                                      <p:cBhvr>
+                                        <p:cTn id="6" dur="1" fill="hold">
+                                          <p:stCondLst>
+                                            <p:cond delay="0"/>
+                                          </p:stCondLst>
+                                        </p:cTn>
+                                        <p:tgtEl>
+                                          <p:spTgt spid="84"/>
+                                        </p:tgtEl>
+                                        <p:attrNameLst>
+                                          <p:attrName>style.visibility</p:attrName>
+                                        </p:attrNameLst>
+                                      </p:cBhvr>
+                                      <p:to>
+                                        <p:strVal val="visible"/>
+                                      </p:to>
+                                    </p:set>
+                                  </p:childTnLst>
+                                </p:cTn>
+                              </p:par>
+                              <p:par>
+                                <p:cTn id="7" presetID="63" presetClass="path" presetSubtype="0" accel="50000" decel="50000" fill="hold" grpId="1" nodeType="withEffect">
+                                  <p:stCondLst>
+                                    <p:cond delay="0"/>
+                                  </p:stCondLst>
+                                  <p:childTnLst>
+                                    <p:animMotion origin="layout" path="M -0.98855 3.7037E-6 L -2.10095E-6 3.7037E-6 " pathEditMode="relative" rAng="0" ptsTypes="AA">
+                                      <p:cBhvr>
+                                        <p:cTn id="8" dur="1000" fill="hold"/>
+                                        <p:tgtEl>
+                                          <p:spTgt spid="84"/>
+                                        </p:tgtEl>
+                                        <p:attrNameLst>
+                                          <p:attrName>ppt_x</p:attrName>
+                                          <p:attrName>ppt_y</p:attrName>
+                                        </p:attrNameLst>
+                                      </p:cBhvr>
+                                      <p:rCtr x="49421" y="0"/>
+                                    </p:animMotion>
+                                  </p:childTnLst>
+                                </p:cTn>
+                              </p:par>
+                            </p:childTnLst>
+                          </p:cTn>
+                        </p:par>
+                        <p:par>
+                          <p:cTn id="9" fill="hold">
+                            <p:stCondLst>
+                              <p:cond delay="1000"/>
+                            </p:stCondLst>
+                            <p:childTnLst>
+                              <p:par>
+                                <p:cTn id="10" presetID="2" presetClass="entr" presetSubtype="8" fill="hold" grpId="0" nodeType="afterEffect">
+                                  <p:stCondLst>
+                                    <p:cond delay="0"/>
+                                  </p:stCondLst>
+                                  <p:childTnLst>
+                                    <p:set>
+                                      <p:cBhvr>
+                                        <p:cTn id="11" dur="1" fill="hold">
+                                          <p:stCondLst>
+                                            <p:cond delay="0"/>
+                                          </p:stCondLst>
+                                        </p:cTn>
+                                        <p:tgtEl>
+                                          <p:spTgt spid="4"/>
+                                        </p:tgtEl>
+                                        <p:attrNameLst>
+                                          <p:attrName>style.visibility</p:attrName>
+                                        </p:attrNameLst>
+                                      </p:cBhvr>
+                                      <p:to>
+                                        <p:strVal val="visible"/>
+                                      </p:to>
+                                    </p:set>
+                                    <p:anim calcmode="lin" valueType="num">
+                                      <p:cBhvr additive="base">
+                                        <p:cTn id="12" dur="300" fill="hold"/>
+                                        <p:tgtEl>
+                                          <p:spTgt spid="4"/>
+                                        </p:tgtEl>
+                                        <p:attrNameLst>
+                                          <p:attrName>ppt_x</p:attrName>
+                                        </p:attrNameLst>
+                                      </p:cBhvr>
+                                      <p:tavLst>
+                                        <p:tav tm="0">
+                                          <p:val>
+                                            <p:strVal val="0-#ppt_w/2"/>
+                                          </p:val>
+                                        </p:tav>
+                                        <p:tav tm="100000">
+                                          <p:val>
+                                            <p:strVal val="#ppt_x"/>
+                                          </p:val>
+                                        </p:tav>
+                                      </p:tavLst>
+                                    </p:anim>
+                                    <p:anim calcmode="lin" valueType="num">
+                                      <p:cBhvr additive="base">
+                                        <p:cTn id="13" dur="300" fill="hold"/>
+                                        <p:tgtEl>
+                                          <p:spTgt spid="4"/>
+                                        </p:tgtEl>
+                                        <p:attrNameLst>
+                                          <p:attrName>ppt_y</p:attrName>
+                                        </p:attrNameLst>
+                                      </p:cBhvr>
+                                      <p:tavLst>
+                                        <p:tav tm="0">
+                                          <p:val>
+                                            <p:strVal val="#ppt_y"/>
+                                          </p:val>
+                                        </p:tav>
+                                        <p:tav tm="100000">
+                                          <p:val>
+                                            <p:strVal val="#ppt_y"/>
+                                          </p:val>
+                                        </p:tav>
+                                      </p:tavLst>
+                                    </p:anim>
+                                  </p:childTnLst>
+                                </p:cTn>
+                              </p:par>
+                            </p:childTnLst>
+                          </p:cTn>
+                        </p:par>
+                        <p:par>
+                          <p:cTn id="14" fill="hold">
+                            <p:stCondLst>
+                              <p:cond delay="1300"/>
+                            </p:stCondLst>
+                            <p:childTnLst>
+                              <p:par>
+                                <p:cTn id="15" presetID="41" presetClass="entr" presetSubtype="0" fill="hold" grpId="0" nodeType="afterEffect">
+                                  <p:stCondLst>
+                                    <p:cond delay="0"/>
+                                  </p:stCondLst>
+                                  <p:iterate type="lt">
+                                    <p:tmPct val="10000"/>
+                                  </p:iterate>
+                                  <p:childTnLst>
+                                    <p:set>
+                                      <p:cBhvr>
+                                        <p:cTn id="16" dur="1" fill="hold">
+                                          <p:stCondLst>
+                                            <p:cond delay="0"/>
+                                          </p:stCondLst>
+                                        </p:cTn>
+                                        <p:tgtEl>
+                                          <p:spTgt spid="77"/>
+                                        </p:tgtEl>
+                                        <p:attrNameLst>
+                                          <p:attrName>style.visibility</p:attrName>
+                                        </p:attrNameLst>
+                                      </p:cBhvr>
+                                      <p:to>
+                                        <p:strVal val="visible"/>
+                                      </p:to>
+                                    </p:set>
+                                    <p:anim calcmode="lin" valueType="num">
+                                      <p:cBhvr>
+                                        <p:cTn id="17" dur="400" fill="hold"/>
+                                        <p:tgtEl>
+                                          <p:spTgt spid="77"/>
+                                        </p:tgtEl>
+                                        <p:attrNameLst>
+                                          <p:attrName>ppt_x</p:attrName>
+                                        </p:attrNameLst>
+                                      </p:cBhvr>
+                                      <p:tavLst>
+                                        <p:tav tm="0">
+                                          <p:val>
+                                            <p:strVal val="#ppt_x"/>
+                                          </p:val>
+                                        </p:tav>
+                                        <p:tav tm="50000">
+                                          <p:val>
+                                            <p:strVal val="#ppt_x+.1"/>
+                                          </p:val>
+                                        </p:tav>
+                                        <p:tav tm="100000">
+                                          <p:val>
+                                            <p:strVal val="#ppt_x"/>
+                                          </p:val>
+                                        </p:tav>
+                                      </p:tavLst>
+                                    </p:anim>
+                                    <p:anim calcmode="lin" valueType="num">
+                                      <p:cBhvr>
+                                        <p:cTn id="18" dur="400" fill="hold"/>
+                                        <p:tgtEl>
+                                          <p:spTgt spid="77"/>
+                                        </p:tgtEl>
+                                        <p:attrNameLst>
+                                          <p:attrName>ppt_y</p:attrName>
+                                        </p:attrNameLst>
+                                      </p:cBhvr>
+                                      <p:tavLst>
+                                        <p:tav tm="0">
+                                          <p:val>
+                                            <p:strVal val="#ppt_y"/>
+                                          </p:val>
+                                        </p:tav>
+                                        <p:tav tm="100000">
+                                          <p:val>
+                                            <p:strVal val="#ppt_y"/>
+                                          </p:val>
+                                        </p:tav>
+                                      </p:tavLst>
+                                    </p:anim>
+                                    <p:anim calcmode="lin" valueType="num">
+                                      <p:cBhvr>
+                                        <p:cTn id="19" dur="400" fill="hold"/>
+                                        <p:tgtEl>
+                                          <p:spTgt spid="77"/>
+                                        </p:tgtEl>
+                                        <p:attrNameLst>
+                                          <p:attrName>ppt_h</p:attrName>
+                                        </p:attrNameLst>
+                                      </p:cBhvr>
+                                      <p:tavLst>
+                                        <p:tav tm="0">
+                                          <p:val>
+                                            <p:strVal val="#ppt_h/10"/>
+                                          </p:val>
+                                        </p:tav>
+                                        <p:tav tm="50000">
+                                          <p:val>
+                                            <p:strVal val="#ppt_h+.01"/>
+                                          </p:val>
+                                        </p:tav>
+                                        <p:tav tm="100000">
+                                          <p:val>
+                                            <p:strVal val="#ppt_h"/>
+                                          </p:val>
+                                        </p:tav>
+                                      </p:tavLst>
+                                    </p:anim>
+                                    <p:anim calcmode="lin" valueType="num">
+                                      <p:cBhvr>
+                                        <p:cTn id="20" dur="400" fill="hold"/>
+                                        <p:tgtEl>
+                                          <p:spTgt spid="77"/>
+                                        </p:tgtEl>
+                                        <p:attrNameLst>
+                                          <p:attrName>ppt_w</p:attrName>
+                                        </p:attrNameLst>
+                                      </p:cBhvr>
+                                      <p:tavLst>
+                                        <p:tav tm="0">
+                                          <p:val>
+                                            <p:strVal val="#ppt_w/10"/>
+                                          </p:val>
+                                        </p:tav>
+                                        <p:tav tm="50000">
+                                          <p:val>
+                                            <p:strVal val="#ppt_w+.01"/>
+                                          </p:val>
+                                        </p:tav>
+                                        <p:tav tm="100000">
+                                          <p:val>
+                                            <p:strVal val="#ppt_w"/>
+                                          </p:val>
+                                        </p:tav>
+                                      </p:tavLst>
+                                    </p:anim>
+                                    <p:animEffect transition="in" filter="fade">
+                                      <p:cBhvr>
+                                        <p:cTn id="21" dur="400" tmFilter="0,0; .5, 1; 1, 1"/>
+                                        <p:tgtEl>
+                                          <p:spTgt spid="77"/>
+                                        </p:tgtEl>
+                                      </p:cBhvr>
+                                    </p:animEffect>
+                                  </p:childTnLst>
+                                </p:cTn>
+                              </p:par>
+                            </p:childTnLst>
+                          </p:cTn>
+                        </p:par>
+                        <p:par>
+                          <p:cTn id="22" fill="hold">
+                            <p:stCondLst>
+                              <p:cond delay="1780"/>
+                            </p:stCondLst>
+                            <p:childTnLst>
+                              <p:par>
+                                <p:cTn id="23" presetID="53" presetClass="entr" presetSubtype="16" fill="hold" grpId="0" nodeType="afterEffect">
+                                  <p:stCondLst>
+                                    <p:cond delay="0"/>
+                                  </p:stCondLst>
+                                  <p:childTnLst>
+                                    <p:set>
+                                      <p:cBhvr>
+                                        <p:cTn id="24" dur="1" fill="hold">
+                                          <p:stCondLst>
+                                            <p:cond delay="0"/>
+                                          </p:stCondLst>
+                                        </p:cTn>
+                                        <p:tgtEl>
+                                          <p:spTgt spid="35"/>
+                                        </p:tgtEl>
+                                        <p:attrNameLst>
+                                          <p:attrName>style.visibility</p:attrName>
+                                        </p:attrNameLst>
+                                      </p:cBhvr>
+                                      <p:to>
+                                        <p:strVal val="visible"/>
+                                      </p:to>
+                                    </p:set>
+                                    <p:anim calcmode="lin" valueType="num">
+                                      <p:cBhvr>
+                                        <p:cTn id="25" dur="500" fill="hold"/>
+                                        <p:tgtEl>
+                                          <p:spTgt spid="35"/>
+                                        </p:tgtEl>
+                                        <p:attrNameLst>
+                                          <p:attrName>ppt_w</p:attrName>
+                                        </p:attrNameLst>
+                                      </p:cBhvr>
+                                      <p:tavLst>
+                                        <p:tav tm="0">
+                                          <p:val>
+                                            <p:fltVal val="0"/>
+                                          </p:val>
+                                        </p:tav>
+                                        <p:tav tm="100000">
+                                          <p:val>
+                                            <p:strVal val="#ppt_w"/>
+                                          </p:val>
+                                        </p:tav>
+                                      </p:tavLst>
+                                    </p:anim>
+                                    <p:anim calcmode="lin" valueType="num">
+                                      <p:cBhvr>
+                                        <p:cTn id="26" dur="500" fill="hold"/>
+                                        <p:tgtEl>
+                                          <p:spTgt spid="35"/>
+                                        </p:tgtEl>
+                                        <p:attrNameLst>
+                                          <p:attrName>ppt_h</p:attrName>
+                                        </p:attrNameLst>
+                                      </p:cBhvr>
+                                      <p:tavLst>
+                                        <p:tav tm="0">
+                                          <p:val>
+                                            <p:fltVal val="0"/>
+                                          </p:val>
+                                        </p:tav>
+                                        <p:tav tm="100000">
+                                          <p:val>
+                                            <p:strVal val="#ppt_h"/>
+                                          </p:val>
+                                        </p:tav>
+                                      </p:tavLst>
+                                    </p:anim>
+                                    <p:animEffect transition="in" filter="fade">
+                                      <p:cBhvr>
+                                        <p:cTn id="27" dur="500"/>
+                                        <p:tgtEl>
+                                          <p:spTgt spid="35"/>
+                                        </p:tgtEl>
+                                      </p:cBhvr>
+                                    </p:animEffect>
+                                  </p:childTnLst>
+                                </p:cTn>
+                              </p:par>
+                              <p:par>
+                                <p:cTn id="28" presetID="53" presetClass="entr" presetSubtype="16" fill="hold" grpId="0" nodeType="withEffect">
+                                  <p:stCondLst>
+                                    <p:cond delay="0"/>
+                                  </p:stCondLst>
+                                  <p:childTnLst>
+                                    <p:set>
+                                      <p:cBhvr>
+                                        <p:cTn id="29" dur="1" fill="hold">
+                                          <p:stCondLst>
+                                            <p:cond delay="0"/>
+                                          </p:stCondLst>
+                                        </p:cTn>
+                                        <p:tgtEl>
+                                          <p:spTgt spid="22"/>
+                                        </p:tgtEl>
+                                        <p:attrNameLst>
+                                          <p:attrName>style.visibility</p:attrName>
+                                        </p:attrNameLst>
+                                      </p:cBhvr>
+                                      <p:to>
+                                        <p:strVal val="visible"/>
+                                      </p:to>
+                                    </p:set>
+                                    <p:anim calcmode="lin" valueType="num">
+                                      <p:cBhvr>
+                                        <p:cTn id="30" dur="500" fill="hold"/>
+                                        <p:tgtEl>
+                                          <p:spTgt spid="22"/>
+                                        </p:tgtEl>
+                                        <p:attrNameLst>
+                                          <p:attrName>ppt_w</p:attrName>
+                                        </p:attrNameLst>
+                                      </p:cBhvr>
+                                      <p:tavLst>
+                                        <p:tav tm="0">
+                                          <p:val>
+                                            <p:fltVal val="0"/>
+                                          </p:val>
+                                        </p:tav>
+                                        <p:tav tm="100000">
+                                          <p:val>
+                                            <p:strVal val="#ppt_w"/>
+                                          </p:val>
+                                        </p:tav>
+                                      </p:tavLst>
+                                    </p:anim>
+                                    <p:anim calcmode="lin" valueType="num">
+                                      <p:cBhvr>
+                                        <p:cTn id="31" dur="500" fill="hold"/>
+                                        <p:tgtEl>
+                                          <p:spTgt spid="22"/>
+                                        </p:tgtEl>
+                                        <p:attrNameLst>
+                                          <p:attrName>ppt_h</p:attrName>
+                                        </p:attrNameLst>
+                                      </p:cBhvr>
+                                      <p:tavLst>
+                                        <p:tav tm="0">
+                                          <p:val>
+                                            <p:fltVal val="0"/>
+                                          </p:val>
+                                        </p:tav>
+                                        <p:tav tm="100000">
+                                          <p:val>
+                                            <p:strVal val="#ppt_h"/>
+                                          </p:val>
+                                        </p:tav>
+                                      </p:tavLst>
+                                    </p:anim>
+                                    <p:animEffect transition="in" filter="fade">
+                                      <p:cBhvr>
+                                        <p:cTn id="32" dur="500"/>
+                                        <p:tgtEl>
+                                          <p:spTgt spid="22"/>
+                                        </p:tgtEl>
+                                      </p:cBhvr>
+                                    </p:animEffect>
+                                  </p:childTnLst>
+                                </p:cTn>
+                              </p:par>
+                            </p:childTnLst>
+                          </p:cTn>
+                        </p:par>
+                        <p:par>
+                          <p:cTn id="33" fill="hold">
+                            <p:stCondLst>
+                              <p:cond delay="2280"/>
+                            </p:stCondLst>
+                            <p:childTnLst>
+                              <p:par>
+                                <p:cTn id="34" presetID="52" presetClass="entr" presetSubtype="0" fill="hold" nodeType="afterEffect">
+                                  <p:stCondLst>
+                                    <p:cond delay="0"/>
+                                  </p:stCondLst>
+                                  <p:childTnLst>
+                                    <p:set>
+                                      <p:cBhvr>
+                                        <p:cTn id="35" dur="1" fill="hold">
+                                          <p:stCondLst>
+                                            <p:cond delay="0"/>
+                                          </p:stCondLst>
+                                        </p:cTn>
+                                        <p:tgtEl>
+                                          <p:spTgt spid="2"/>
+                                        </p:tgtEl>
+                                        <p:attrNameLst>
+                                          <p:attrName>style.visibility</p:attrName>
+                                        </p:attrNameLst>
+                                      </p:cBhvr>
+                                      <p:to>
+                                        <p:strVal val="visible"/>
+                                      </p:to>
+                                    </p:set>
+                                    <p:animScale>
+                                      <p:cBhvr>
+                                        <p:cTn id="36" dur="1000" decel="50000" fill="hold">
+                                          <p:stCondLst>
+                                            <p:cond delay="0"/>
+                                          </p:stCondLst>
+                                        </p:cTn>
+                                        <p:tgtEl>
+                                          <p:spTgt spid="2"/>
+                                        </p:tgtEl>
+                                      </p:cBhvr>
+                                      <p:from x="250000" y="250000"/>
+                                      <p:to x="100000" y="100000"/>
+                                    </p:animScale>
+                                    <p:animMotion origin="layout" path="M -0.46736 0.92887  C -0.37517 0.88508  -0.02552 0.75279  0.0908 0.66613  C  0.20747 0.57948  0.21649 0.50394  0.23177 0.40825  C 0.24705 0.31256  0.22118 0.15964   0.18264 0.09152  C 0.1441 0.02341  0.03802 0.0  0.0 0.0  " pathEditMode="relative" ptsTypes="">
+                                      <p:cBhvr>
+                                        <p:cTn id="37" dur="1000" decel="50000" fill="hold">
+                                          <p:stCondLst>
+                                            <p:cond delay="0"/>
+                                          </p:stCondLst>
+                                        </p:cTn>
+                                        <p:tgtEl>
+                                          <p:spTgt spid="2"/>
+                                        </p:tgtEl>
+                                        <p:attrNameLst>
+                                          <p:attrName>ppt_x</p:attrName>
+                                          <p:attrName>ppt_y</p:attrName>
+                                        </p:attrNameLst>
+                                      </p:cBhvr>
+                                    </p:animMotion>
+                                    <p:animEffect transition="in" filter="fade">
+                                      <p:cBhvr>
+                                        <p:cTn id="38" dur="1000"/>
+                                        <p:tgtEl>
+                                          <p:spTgt spid="2"/>
+                                        </p:tgtEl>
+                                      </p:cBhvr>
+                                    </p:animEffect>
+                                  </p:childTnLst>
+                                </p:cTn>
+                              </p:par>
+                              <p:par>
+                                <p:cTn id="39" presetID="52" presetClass="entr" presetSubtype="0" fill="hold" nodeType="withEffect">
+                                  <p:stCondLst>
+                                    <p:cond delay="200"/>
+                                  </p:stCondLst>
+                                  <p:childTnLst>
+                                    <p:set>
+                                      <p:cBhvr>
+                                        <p:cTn id="40" dur="1" fill="hold">
+                                          <p:stCondLst>
+                                            <p:cond delay="0"/>
+                                          </p:stCondLst>
+                                        </p:cTn>
+                                        <p:tgtEl>
+                                          <p:spTgt spid="3"/>
+                                        </p:tgtEl>
+                                        <p:attrNameLst>
+                                          <p:attrName>style.visibility</p:attrName>
+                                        </p:attrNameLst>
+                                      </p:cBhvr>
+                                      <p:to>
+                                        <p:strVal val="visible"/>
+                                      </p:to>
+                                    </p:set>
+                                    <p:animScale>
+                                      <p:cBhvr>
+                                        <p:cTn id="41" dur="1000" decel="50000" fill="hold">
+                                          <p:stCondLst>
+                                            <p:cond delay="0"/>
+                                          </p:stCondLst>
+                                        </p:cTn>
+                                        <p:tgtEl>
+                                          <p:spTgt spid="3"/>
+                                        </p:tgtEl>
+                                      </p:cBhvr>
+                                      <p:from x="250000" y="250000"/>
+                                      <p:to x="100000" y="100000"/>
+                                    </p:animScale>
+                                    <p:animMotion origin="layout" path="M -0.46736 0.92887  C -0.37517 0.88508  -0.02552 0.75279  0.0908 0.66613  C  0.20747 0.57948  0.21649 0.50394  0.23177 0.40825  C 0.24705 0.31256  0.22118 0.15964   0.18264 0.09152  C 0.1441 0.02341  0.03802 0.0  0.0 0.0  " pathEditMode="relative" ptsTypes="">
+                                      <p:cBhvr>
+                                        <p:cTn id="42" dur="1000" decel="50000" fill="hold">
+                                          <p:stCondLst>
+                                            <p:cond delay="0"/>
+                                          </p:stCondLst>
+                                        </p:cTn>
+                                        <p:tgtEl>
+                                          <p:spTgt spid="3"/>
+                                        </p:tgtEl>
+                                        <p:attrNameLst>
+                                          <p:attrName>ppt_x</p:attrName>
+                                          <p:attrName>ppt_y</p:attrName>
+                                        </p:attrNameLst>
+                                      </p:cBhvr>
+                                    </p:animMotion>
+                                    <p:animEffect transition="in" filter="fade">
+                                      <p:cBhvr>
+                                        <p:cTn id="43" dur="1000"/>
+                                        <p:tgtEl>
+                                          <p:spTgt spid="3"/>
+                                        </p:tgtEl>
+                                      </p:cBhvr>
+                                    </p:animEffect>
+                                  </p:childTnLst>
+                                </p:cTn>
+                              </p:par>
+                              <p:par>
+                                <p:cTn id="44" presetID="52" presetClass="entr" presetSubtype="0" fill="hold" nodeType="withEffect">
+                                  <p:stCondLst>
+                                    <p:cond delay="400"/>
+                                  </p:stCondLst>
+                                  <p:childTnLst>
+                                    <p:set>
+                                      <p:cBhvr>
+                                        <p:cTn id="45" dur="1" fill="hold">
+                                          <p:stCondLst>
+                                            <p:cond delay="0"/>
+                                          </p:stCondLst>
+                                        </p:cTn>
+                                        <p:tgtEl>
+                                          <p:spTgt spid="5"/>
+                                        </p:tgtEl>
+                                        <p:attrNameLst>
+                                          <p:attrName>style.visibility</p:attrName>
+                                        </p:attrNameLst>
+                                      </p:cBhvr>
+                                      <p:to>
+                                        <p:strVal val="visible"/>
+                                      </p:to>
+                                    </p:set>
+                                    <p:animScale>
+                                      <p:cBhvr>
+                                        <p:cTn id="46" dur="1000" decel="50000" fill="hold">
+                                          <p:stCondLst>
+                                            <p:cond delay="0"/>
+                                          </p:stCondLst>
+                                        </p:cTn>
+                                        <p:tgtEl>
+                                          <p:spTgt spid="5"/>
+                                        </p:tgtEl>
+                                      </p:cBhvr>
+                                      <p:from x="250000" y="250000"/>
+                                      <p:to x="100000" y="100000"/>
+                                    </p:animScale>
+                                    <p:animMotion origin="layout" path="M -0.46736 0.92887  C -0.37517 0.88508  -0.02552 0.75279  0.0908 0.66613  C  0.20747 0.57948  0.21649 0.50394  0.23177 0.40825  C 0.24705 0.31256  0.22118 0.15964   0.18264 0.09152  C 0.1441 0.02341  0.03802 0.0  0.0 0.0  " pathEditMode="relative" ptsTypes="">
+                                      <p:cBhvr>
+                                        <p:cTn id="47" dur="1000" decel="50000" fill="hold">
+                                          <p:stCondLst>
+                                            <p:cond delay="0"/>
+                                          </p:stCondLst>
+                                        </p:cTn>
+                                        <p:tgtEl>
+                                          <p:spTgt spid="5"/>
+                                        </p:tgtEl>
+                                        <p:attrNameLst>
+                                          <p:attrName>ppt_x</p:attrName>
+                                          <p:attrName>ppt_y</p:attrName>
+                                        </p:attrNameLst>
+                                      </p:cBhvr>
+                                    </p:animMotion>
+                                    <p:animEffect transition="in" filter="fade">
+                                      <p:cBhvr>
+                                        <p:cTn id="48" dur="1000"/>
+                                        <p:tgtEl>
+                                          <p:spTgt spid="5"/>
+                                        </p:tgtEl>
+                                      </p:cBhvr>
+                                    </p:animEffect>
+                                  </p:childTnLst>
+                                </p:cTn>
+                              </p:par>
+                              <p:par>
+                                <p:cTn id="49" presetID="52" presetClass="entr" presetSubtype="0" fill="hold" nodeType="withEffect">
+                                  <p:stCondLst>
+                                    <p:cond delay="600"/>
+                                  </p:stCondLst>
+                                  <p:childTnLst>
+                                    <p:set>
+                                      <p:cBhvr>
+                                        <p:cTn id="50" dur="1" fill="hold">
+                                          <p:stCondLst>
+                                            <p:cond delay="0"/>
+                                          </p:stCondLst>
+                                        </p:cTn>
+                                        <p:tgtEl>
+                                          <p:spTgt spid="6"/>
+                                        </p:tgtEl>
+                                        <p:attrNameLst>
+                                          <p:attrName>style.visibility</p:attrName>
+                                        </p:attrNameLst>
+                                      </p:cBhvr>
+                                      <p:to>
+                                        <p:strVal val="visible"/>
+                                      </p:to>
+                                    </p:set>
+                                    <p:animScale>
+                                      <p:cBhvr>
+                                        <p:cTn id="51" dur="1000" decel="50000" fill="hold">
+                                          <p:stCondLst>
+                                            <p:cond delay="0"/>
+                                          </p:stCondLst>
+                                        </p:cTn>
+                                        <p:tgtEl>
+                                          <p:spTgt spid="6"/>
+                                        </p:tgtEl>
+                                      </p:cBhvr>
+                                      <p:from x="250000" y="250000"/>
+                                      <p:to x="100000" y="100000"/>
+                                    </p:animScale>
+                                    <p:animMotion origin="layout" path="M -0.46736 0.92887  C -0.37517 0.88508  -0.02552 0.75279  0.0908 0.66613  C  0.20747 0.57948  0.21649 0.50394  0.23177 0.40825  C 0.24705 0.31256  0.22118 0.15964   0.18264 0.09152  C 0.1441 0.02341  0.03802 0.0  0.0 0.0  " pathEditMode="relative" ptsTypes="">
+                                      <p:cBhvr>
+                                        <p:cTn id="52" dur="1000" decel="50000" fill="hold">
+                                          <p:stCondLst>
+                                            <p:cond delay="0"/>
+                                          </p:stCondLst>
+                                        </p:cTn>
+                                        <p:tgtEl>
+                                          <p:spTgt spid="6"/>
+                                        </p:tgtEl>
+                                        <p:attrNameLst>
+                                          <p:attrName>ppt_x</p:attrName>
+                                          <p:attrName>ppt_y</p:attrName>
+                                        </p:attrNameLst>
+                                      </p:cBhvr>
+                                    </p:animMotion>
+                                    <p:animEffect transition="in" filter="fade">
+                                      <p:cBhvr>
+                                        <p:cTn id="53" dur="1000"/>
+                                        <p:tgtEl>
+                                          <p:spTgt spid="6"/>
+                                        </p:tgtEl>
+                                      </p:cBhvr>
+                                    </p:animEffect>
+                                  </p:childTnLst>
+                                </p:cTn>
+                              </p:par>
+                            </p:childTnLst>
+                          </p:cTn>
+                        </p:par>
+                        <p:par>
+                          <p:cTn id="54" fill="hold">
+                            <p:stCondLst>
+                              <p:cond delay="3880"/>
+                            </p:stCondLst>
+                            <p:childTnLst>
+                              <p:par>
+                                <p:cTn id="55" presetID="2" presetClass="entr" presetSubtype="6" fill="hold" grpId="0" nodeType="afterEffect">
+                                  <p:stCondLst>
+                                    <p:cond delay="0"/>
+                                  </p:stCondLst>
+                                  <p:childTnLst>
+                                    <p:set>
+                                      <p:cBhvr>
+                                        <p:cTn id="56" dur="1" fill="hold">
+                                          <p:stCondLst>
+                                            <p:cond delay="0"/>
+                                          </p:stCondLst>
+                                        </p:cTn>
+                                        <p:tgtEl>
+                                          <p:spTgt spid="27"/>
+                                        </p:tgtEl>
+                                        <p:attrNameLst>
+                                          <p:attrName>style.visibility</p:attrName>
+                                        </p:attrNameLst>
+                                      </p:cBhvr>
+                                      <p:to>
+                                        <p:strVal val="visible"/>
+                                      </p:to>
+                                    </p:set>
+                                    <p:anim calcmode="lin" valueType="num">
+                                      <p:cBhvr additive="base">
+                                        <p:cTn id="57" dur="500" fill="hold"/>
+                                        <p:tgtEl>
+                                          <p:spTgt spid="27"/>
+                                        </p:tgtEl>
+                                        <p:attrNameLst>
+                                          <p:attrName>ppt_x</p:attrName>
+                                        </p:attrNameLst>
+                                      </p:cBhvr>
+                                      <p:tavLst>
+                                        <p:tav tm="0">
+                                          <p:val>
+                                            <p:strVal val="1+#ppt_w/2"/>
+                                          </p:val>
+                                        </p:tav>
+                                        <p:tav tm="100000">
+                                          <p:val>
+                                            <p:strVal val="#ppt_x"/>
+                                          </p:val>
+                                        </p:tav>
+                                      </p:tavLst>
+                                    </p:anim>
+                                    <p:anim calcmode="lin" valueType="num">
+                                      <p:cBhvr additive="base">
+                                        <p:cTn id="58" dur="500" fill="hold"/>
+                                        <p:tgtEl>
+                                          <p:spTgt spid="27"/>
+                                        </p:tgtEl>
+                                        <p:attrNameLst>
+                                          <p:attrName>ppt_y</p:attrName>
+                                        </p:attrNameLst>
+                                      </p:cBhvr>
+                                      <p:tavLst>
+                                        <p:tav tm="0">
+                                          <p:val>
+                                            <p:strVal val="1+#ppt_h/2"/>
+                                          </p:val>
+                                        </p:tav>
+                                        <p:tav tm="100000">
+                                          <p:val>
+                                            <p:strVal val="#ppt_y"/>
+                                          </p:val>
+                                        </p:tav>
+                                      </p:tavLst>
+                                    </p:anim>
+                                  </p:childTnLst>
+                                </p:cTn>
+                              </p:par>
+                              <p:par>
+                                <p:cTn id="59" presetID="2" presetClass="entr" presetSubtype="6" fill="hold" grpId="0" nodeType="withEffect">
+                                  <p:stCondLst>
+                                    <p:cond delay="0"/>
+                                  </p:stCondLst>
+                                  <p:childTnLst>
+                                    <p:set>
+                                      <p:cBhvr>
+                                        <p:cTn id="60" dur="1" fill="hold">
+                                          <p:stCondLst>
+                                            <p:cond delay="0"/>
+                                          </p:stCondLst>
+                                        </p:cTn>
+                                        <p:tgtEl>
+                                          <p:spTgt spid="29"/>
+                                        </p:tgtEl>
+                                        <p:attrNameLst>
+                                          <p:attrName>style.visibility</p:attrName>
+                                        </p:attrNameLst>
+                                      </p:cBhvr>
+                                      <p:to>
+                                        <p:strVal val="visible"/>
+                                      </p:to>
+                                    </p:set>
+                                    <p:anim calcmode="lin" valueType="num">
+                                      <p:cBhvr additive="base">
+                                        <p:cTn id="61" dur="500" fill="hold"/>
+                                        <p:tgtEl>
+                                          <p:spTgt spid="29"/>
+                                        </p:tgtEl>
+                                        <p:attrNameLst>
+                                          <p:attrName>ppt_x</p:attrName>
+                                        </p:attrNameLst>
+                                      </p:cBhvr>
+                                      <p:tavLst>
+                                        <p:tav tm="0">
+                                          <p:val>
+                                            <p:strVal val="1+#ppt_w/2"/>
+                                          </p:val>
+                                        </p:tav>
+                                        <p:tav tm="100000">
+                                          <p:val>
+                                            <p:strVal val="#ppt_x"/>
+                                          </p:val>
+                                        </p:tav>
+                                      </p:tavLst>
+                                    </p:anim>
+                                    <p:anim calcmode="lin" valueType="num">
+                                      <p:cBhvr additive="base">
+                                        <p:cTn id="62" dur="500" fill="hold"/>
+                                        <p:tgtEl>
+                                          <p:spTgt spid="29"/>
+                                        </p:tgtEl>
+                                        <p:attrNameLst>
+                                          <p:attrName>ppt_y</p:attrName>
+                                        </p:attrNameLst>
+                                      </p:cBhvr>
+                                      <p:tavLst>
+                                        <p:tav tm="0">
+                                          <p:val>
+                                            <p:strVal val="1+#ppt_h/2"/>
+                                          </p:val>
+                                        </p:tav>
+                                        <p:tav tm="100000">
+                                          <p:val>
+                                            <p:strVal val="#ppt_y"/>
+                                          </p:val>
+                                        </p:tav>
+                                      </p:tavLst>
+                                    </p:anim>
+                                  </p:childTnLst>
+                                </p:cTn>
+                              </p:par>
+                              <p:par>
+                                <p:cTn id="63" presetID="2" presetClass="entr" presetSubtype="6" fill="hold" grpId="0" nodeType="withEffect">
+                                  <p:stCondLst>
+                                    <p:cond delay="0"/>
+                                  </p:stCondLst>
+                                  <p:childTnLst>
+                                    <p:set>
+                                      <p:cBhvr>
+                                        <p:cTn id="64" dur="1" fill="hold">
+                                          <p:stCondLst>
+                                            <p:cond delay="0"/>
+                                          </p:stCondLst>
+                                        </p:cTn>
+                                        <p:tgtEl>
+                                          <p:spTgt spid="31"/>
+                                        </p:tgtEl>
+                                        <p:attrNameLst>
+                                          <p:attrName>style.visibility</p:attrName>
+                                        </p:attrNameLst>
+                                      </p:cBhvr>
+                                      <p:to>
+                                        <p:strVal val="visible"/>
+                                      </p:to>
+                                    </p:set>
+                                    <p:anim calcmode="lin" valueType="num">
+                                      <p:cBhvr additive="base">
+                                        <p:cTn id="65" dur="500" fill="hold"/>
+                                        <p:tgtEl>
+                                          <p:spTgt spid="31"/>
+                                        </p:tgtEl>
+                                        <p:attrNameLst>
+                                          <p:attrName>ppt_x</p:attrName>
+                                        </p:attrNameLst>
+                                      </p:cBhvr>
+                                      <p:tavLst>
+                                        <p:tav tm="0">
+                                          <p:val>
+                                            <p:strVal val="1+#ppt_w/2"/>
+                                          </p:val>
+                                        </p:tav>
+                                        <p:tav tm="100000">
+                                          <p:val>
+                                            <p:strVal val="#ppt_x"/>
+                                          </p:val>
+                                        </p:tav>
+                                      </p:tavLst>
+                                    </p:anim>
+                                    <p:anim calcmode="lin" valueType="num">
+                                      <p:cBhvr additive="base">
+                                        <p:cTn id="66" dur="500" fill="hold"/>
+                                        <p:tgtEl>
+                                          <p:spTgt spid="31"/>
+                                        </p:tgtEl>
+                                        <p:attrNameLst>
+                                          <p:attrName>ppt_y</p:attrName>
+                                        </p:attrNameLst>
+                                      </p:cBhvr>
+                                      <p:tavLst>
+                                        <p:tav tm="0">
+                                          <p:val>
+                                            <p:strVal val="1+#ppt_h/2"/>
+                                          </p:val>
+                                        </p:tav>
+                                        <p:tav tm="100000">
+                                          <p:val>
+                                            <p:strVal val="#ppt_y"/>
+                                          </p:val>
+                                        </p:tav>
+                                      </p:tavLst>
+                                    </p:anim>
+                                  </p:childTnLst>
+                                </p:cTn>
+                              </p:par>
+                            </p:childTnLst>
+                          </p:cTn>
+                        </p:par>
+                      </p:childTnLst>
+                    </p:cTn>
+                  </p:par>
+                </p:childTnLst>
+              </p:cTn>
+              <p:prevCondLst>
+                <p:cond evt="onPrev" delay="0">
+                  <p:tgtEl>
+                    <p:sldTgt/>
+                  </p:tgtEl>
+                </p:cond>
+              </p:prevCondLst>
+              <p:nextCondLst>
+                <p:cond evt="onNext" delay="0">
+                  <p:tgtEl>
+                    <p:sldTgt/>
+                  </p:tgtEl>
+                </p:cond>
+              </p:nextCondLst>
+            </p:seq>
+          </p:childTnLst>
+        </p:cTn>
+      </p:par>
+    </p:tnLst>
+    <p:bldLst>
+      <p:bldP spid="77" grpId="0"/>
+      <p:bldP spid="84" grpId="0" animBg="1"/>
+      <p:bldP spid="84" grpId="1" animBg="1"/>
+      <p:bldP spid="4" grpId="0" animBg="1"/>
+      <p:bldP spid="22" grpId="0" animBg="1"/>
+      <p:bldP spid="27" grpId="0"/>
+      <p:bldP spid="29" grpId="0"/>
+      <p:bldP spid="31" grpId="0"/>
+      <p:bldP spid="35" grpId="0"/>
+    </p:bldLst>
+  </p:timing>
+</p:sld>
+</file>
+
+<file path=ppt/slides/slide11.xml><?xml version="1.0" encoding="utf-8"?>
+<p:sld xmlns:a="http://schemas.openxmlformats.org/drawingml/2006/main" xmlns:r="http://schemas.openxmlformats.org/officeDocument/2006/relationships" xmlns:p="http://schemas.openxmlformats.org/presentationml/2006/main">
+  <p:cSld>
+    <p:spTree>
+      <p:nvGrpSpPr>
+        <p:cNvPr id="1" name=""/>
+        <p:cNvGrpSpPr/>
+        <p:nvPr/>
+      </p:nvGrpSpPr>
+      <p:grpSpPr>
+        <a:xfrm>
+          <a:off x="0" y="0"/>
+          <a:ext cx="0" cy="0"/>
+          <a:chOff x="0" y="0"/>
+          <a:chExt cx="0" cy="0"/>
+        </a:xfrm>
+      </p:grpSpPr>
+      <p:sp>
+        <p:nvSpPr>
           <p:cNvPr id="84" name="Freeform 6"/>
           <p:cNvSpPr>
             <a:spLocks/>
@@ -12986,7 +15158,7 @@
 </p:sld>
 </file>
 
-<file path=ppt/slides/slide11.xml><?xml version="1.0" encoding="utf-8"?>
+<file path=ppt/slides/slide12.xml><?xml version="1.0" encoding="utf-8"?>
 <p:sld xmlns:a="http://schemas.openxmlformats.org/drawingml/2006/main" xmlns:r="http://schemas.openxmlformats.org/officeDocument/2006/relationships" xmlns:p="http://schemas.openxmlformats.org/presentationml/2006/main">
   <p:cSld>
     <p:bg>
@@ -13509,13 +15681,6 @@
               </a:rPr>
               <a:t>代码块</a:t>
             </a:r>
-            <a:endParaRPr lang="zh-CN" altLang="en-US" dirty="0" smtClean="0">
-              <a:solidFill>
-                <a:srgbClr val="080808"/>
-              </a:solidFill>
-              <a:latin typeface="微软雅黑" pitchFamily="34" charset="-122"/>
-              <a:ea typeface="微软雅黑" pitchFamily="34" charset="-122"/>
-            </a:endParaRPr>
           </a:p>
         </p:txBody>
       </p:sp>
@@ -13773,13 +15938,6 @@
               </a:rPr>
               <a:t>构造方法</a:t>
             </a:r>
-            <a:endParaRPr lang="zh-CN" altLang="en-US" dirty="0" smtClean="0">
-              <a:solidFill>
-                <a:srgbClr val="080808"/>
-              </a:solidFill>
-              <a:latin typeface="微软雅黑" pitchFamily="34" charset="-122"/>
-              <a:ea typeface="微软雅黑" pitchFamily="34" charset="-122"/>
-            </a:endParaRPr>
           </a:p>
         </p:txBody>
       </p:sp>
@@ -14378,13 +16536,6 @@
               </a:rPr>
               <a:t>学会使用文档</a:t>
             </a:r>
-            <a:endParaRPr lang="zh-CN" altLang="en-US" dirty="0" smtClean="0">
-              <a:solidFill>
-                <a:srgbClr val="080808"/>
-              </a:solidFill>
-              <a:latin typeface="微软雅黑" pitchFamily="34" charset="-122"/>
-              <a:ea typeface="微软雅黑" pitchFamily="34" charset="-122"/>
-            </a:endParaRPr>
           </a:p>
         </p:txBody>
       </p:sp>
@@ -14458,17 +16609,7 @@
                 <a:latin typeface="微软雅黑" pitchFamily="34" charset="-122"/>
                 <a:ea typeface="微软雅黑" pitchFamily="34" charset="-122"/>
               </a:rPr>
-              <a:t>第二次</a:t>
-            </a:r>
-            <a:r>
-              <a:rPr lang="zh-CN" altLang="en-US" sz="2400" dirty="0" smtClean="0">
-                <a:solidFill>
-                  <a:srgbClr val="4D4D4D"/>
-                </a:solidFill>
-                <a:latin typeface="微软雅黑" pitchFamily="34" charset="-122"/>
-                <a:ea typeface="微软雅黑" pitchFamily="34" charset="-122"/>
-              </a:rPr>
-              <a:t>课的内容</a:t>
+              <a:t>第二次课的内容</a:t>
             </a:r>
             <a:endParaRPr lang="zh-CN" altLang="en-US" sz="2400" dirty="0">
               <a:solidFill>
@@ -15711,7 +17852,7 @@
 </p:sld>
 </file>
 
-<file path=ppt/slides/slide12.xml><?xml version="1.0" encoding="utf-8"?>
+<file path=ppt/slides/slide13.xml><?xml version="1.0" encoding="utf-8"?>
 <p:sld xmlns:a="http://schemas.openxmlformats.org/drawingml/2006/main" xmlns:r="http://schemas.openxmlformats.org/officeDocument/2006/relationships" xmlns:p="http://schemas.openxmlformats.org/presentationml/2006/main">
   <p:cSld>
     <p:bg>
@@ -28171,6 +30312,14 @@
 <file path=ppt/slides/slide9.xml><?xml version="1.0" encoding="utf-8"?>
 <p:sld xmlns:a="http://schemas.openxmlformats.org/drawingml/2006/main" xmlns:r="http://schemas.openxmlformats.org/officeDocument/2006/relationships" xmlns:p="http://schemas.openxmlformats.org/presentationml/2006/main">
   <p:cSld>
+    <p:bg>
+      <p:bgPr>
+        <a:solidFill>
+          <a:srgbClr val="AF2019"/>
+        </a:solidFill>
+        <a:effectLst/>
+      </p:bgPr>
+    </p:bg>
     <p:spTree>
       <p:nvGrpSpPr>
         <p:cNvPr id="1" name=""/>
@@ -28187,161 +30336,53 @@
       </p:grpSpPr>
       <p:sp>
         <p:nvSpPr>
-          <p:cNvPr id="83" name="Freeform 6"/>
-          <p:cNvSpPr>
-            <a:spLocks/>
-          </p:cNvSpPr>
+          <p:cNvPr id="22" name="矩形 21"/>
+          <p:cNvSpPr/>
           <p:nvPr/>
         </p:nvSpPr>
         <p:spPr bwMode="auto">
-          <a:xfrm flipH="1">
+          <a:xfrm>
             <a:off x="0" y="666517"/>
-            <a:ext cx="266892" cy="6074851"/>
+            <a:ext cx="12196763" cy="6002843"/>
           </a:xfrm>
-          <a:custGeom>
+          <a:prstGeom prst="rect">
             <a:avLst/>
-            <a:gdLst/>
-            <a:ahLst/>
-            <a:cxnLst/>
-            <a:rect l="l" t="t" r="r" b="b"/>
-            <a:pathLst>
-              <a:path w="621232" h="2527151">
-                <a:moveTo>
-                  <a:pt x="621232" y="0"/>
-                </a:moveTo>
-                <a:lnTo>
-                  <a:pt x="0" y="0"/>
-                </a:lnTo>
-                <a:lnTo>
-                  <a:pt x="0" y="2527151"/>
-                </a:lnTo>
-                <a:lnTo>
-                  <a:pt x="621232" y="2527151"/>
-                </a:lnTo>
-                <a:close/>
-              </a:path>
-            </a:pathLst>
-          </a:custGeom>
+          </a:prstGeom>
           <a:solidFill>
-            <a:schemeClr val="tx2"/>
+            <a:schemeClr val="bg2">
+              <a:lumMod val="20000"/>
+              <a:lumOff val="80000"/>
+            </a:schemeClr>
           </a:solidFill>
-          <a:ln>
+          <a:ln w="9525" cap="flat" cmpd="sng" algn="ctr">
             <a:noFill/>
+            <a:prstDash val="solid"/>
+            <a:round/>
+            <a:headEnd type="none" w="med" len="med"/>
+            <a:tailEnd type="none" w="med" len="med"/>
           </a:ln>
+          <a:effectLst/>
+          <a:extLst/>
         </p:spPr>
         <p:txBody>
-          <a:bodyPr vert="horz" wrap="square" lIns="91440" tIns="45720" rIns="91440" bIns="45720" numCol="1" anchor="t" anchorCtr="0" compatLnSpc="1">
+          <a:bodyPr vert="horz" wrap="square" lIns="91440" tIns="45720" rIns="91440" bIns="45720" numCol="1" rtlCol="0" anchor="t" anchorCtr="0" compatLnSpc="1">
             <a:prstTxWarp prst="textNoShape">
               <a:avLst/>
             </a:prstTxWarp>
           </a:bodyPr>
           <a:lstStyle/>
           <a:p>
-            <a:endParaRPr lang="zh-CN" altLang="en-US" dirty="0"/>
-          </a:p>
-        </p:txBody>
-      </p:sp>
-      <p:sp>
-        <p:nvSpPr>
-          <p:cNvPr id="77" name="TextBox 76"/>
-          <p:cNvSpPr txBox="1"/>
-          <p:nvPr/>
-        </p:nvSpPr>
-        <p:spPr>
-          <a:xfrm>
-            <a:off x="477741" y="159023"/>
-            <a:ext cx="1107996" cy="461665"/>
-          </a:xfrm>
-          <a:prstGeom prst="rect">
-            <a:avLst/>
-          </a:prstGeom>
-          <a:noFill/>
-        </p:spPr>
-        <p:txBody>
-          <a:bodyPr wrap="none" rtlCol="0">
-            <a:spAutoFit/>
-          </a:bodyPr>
-          <a:lstStyle/>
-          <a:p>
-            <a:r>
-              <a:rPr lang="zh-CN" altLang="en-US" sz="2400" dirty="0" smtClean="0">
-                <a:solidFill>
-                  <a:schemeClr val="accent2"/>
-                </a:solidFill>
-                <a:latin typeface="微软雅黑"/>
-                <a:ea typeface="微软雅黑"/>
-              </a:rPr>
-              <a:t>内部类</a:t>
-            </a:r>
-            <a:endParaRPr lang="zh-CN" altLang="en-US" sz="2400" dirty="0">
+            <a:endParaRPr lang="zh-CN" altLang="en-US" dirty="0" smtClean="0">
               <a:solidFill>
-                <a:schemeClr val="accent2"/>
+                <a:srgbClr val="C4261D"/>
               </a:solidFill>
-              <a:latin typeface="微软雅黑"/>
-              <a:ea typeface="微软雅黑"/>
             </a:endParaRPr>
           </a:p>
         </p:txBody>
       </p:sp>
       <p:sp>
         <p:nvSpPr>
-          <p:cNvPr id="84" name="Freeform 6"/>
-          <p:cNvSpPr>
-            <a:spLocks/>
-          </p:cNvSpPr>
-          <p:nvPr/>
-        </p:nvSpPr>
-        <p:spPr bwMode="auto">
-          <a:xfrm flipH="1">
-            <a:off x="11929871" y="666517"/>
-            <a:ext cx="266892" cy="6074851"/>
-          </a:xfrm>
-          <a:custGeom>
-            <a:avLst/>
-            <a:gdLst/>
-            <a:ahLst/>
-            <a:cxnLst/>
-            <a:rect l="l" t="t" r="r" b="b"/>
-            <a:pathLst>
-              <a:path w="621232" h="2527151">
-                <a:moveTo>
-                  <a:pt x="621232" y="0"/>
-                </a:moveTo>
-                <a:lnTo>
-                  <a:pt x="0" y="0"/>
-                </a:lnTo>
-                <a:lnTo>
-                  <a:pt x="0" y="2527151"/>
-                </a:lnTo>
-                <a:lnTo>
-                  <a:pt x="621232" y="2527151"/>
-                </a:lnTo>
-                <a:close/>
-              </a:path>
-            </a:pathLst>
-          </a:custGeom>
-          <a:solidFill>
-            <a:schemeClr val="tx1"/>
-          </a:solidFill>
-          <a:ln>
-            <a:noFill/>
-          </a:ln>
-        </p:spPr>
-        <p:txBody>
-          <a:bodyPr vert="horz" wrap="square" lIns="91440" tIns="45720" rIns="91440" bIns="45720" numCol="1" anchor="t" anchorCtr="0" compatLnSpc="1">
-            <a:prstTxWarp prst="textNoShape">
-              <a:avLst/>
-            </a:prstTxWarp>
-          </a:bodyPr>
-          <a:lstStyle/>
-          <a:p>
-            <a:endParaRPr lang="zh-CN" altLang="en-US" dirty="0"/>
-          </a:p>
-        </p:txBody>
-      </p:sp>
-      <p:sp>
-        <p:nvSpPr>
-          <p:cNvPr id="4" name="矩形 3"/>
+          <p:cNvPr id="27" name="矩形 26"/>
           <p:cNvSpPr/>
           <p:nvPr/>
         </p:nvSpPr>
@@ -28349,6 +30390,49 @@
           <a:xfrm>
             <a:off x="0" y="238581"/>
             <a:ext cx="409749" cy="333328"/>
+          </a:xfrm>
+          <a:prstGeom prst="rect">
+            <a:avLst/>
+          </a:prstGeom>
+          <a:solidFill>
+            <a:schemeClr val="bg1"/>
+          </a:solidFill>
+          <a:ln w="9525" cap="flat" cmpd="sng" algn="ctr">
+            <a:noFill/>
+            <a:prstDash val="solid"/>
+            <a:round/>
+            <a:headEnd type="none" w="med" len="med"/>
+            <a:tailEnd type="none" w="med" len="med"/>
+          </a:ln>
+          <a:effectLst/>
+          <a:extLst/>
+        </p:spPr>
+        <p:txBody>
+          <a:bodyPr vert="horz" wrap="square" lIns="91440" tIns="45720" rIns="91440" bIns="45720" numCol="1" rtlCol="0" anchor="t" anchorCtr="0" compatLnSpc="1">
+            <a:prstTxWarp prst="textNoShape">
+              <a:avLst/>
+            </a:prstTxWarp>
+          </a:bodyPr>
+          <a:lstStyle/>
+          <a:p>
+            <a:endParaRPr lang="zh-CN" altLang="en-US" smtClean="0">
+              <a:solidFill>
+                <a:srgbClr val="C4261D"/>
+              </a:solidFill>
+            </a:endParaRPr>
+          </a:p>
+        </p:txBody>
+      </p:sp>
+      <p:sp>
+        <p:nvSpPr>
+          <p:cNvPr id="6" name="矩形 5"/>
+          <p:cNvSpPr/>
+          <p:nvPr/>
+        </p:nvSpPr>
+        <p:spPr bwMode="auto">
+          <a:xfrm>
+            <a:off x="204874" y="2780928"/>
+            <a:ext cx="11798163" cy="1008112"/>
           </a:xfrm>
           <a:prstGeom prst="rect">
             <a:avLst/>
@@ -28374,854 +30458,89 @@
           </a:bodyPr>
           <a:lstStyle/>
           <a:p>
-            <a:pPr marL="0" marR="0" indent="0" algn="l" defTabSz="914400" rtl="0" eaLnBrk="1" fontAlgn="base" latinLnBrk="0" hangingPunct="1">
-              <a:lnSpc>
-                <a:spcPct val="100000"/>
-              </a:lnSpc>
-              <a:spcBef>
-                <a:spcPct val="0"/>
-              </a:spcBef>
-              <a:spcAft>
-                <a:spcPct val="0"/>
-              </a:spcAft>
-              <a:buClrTx/>
-              <a:buSzTx/>
-              <a:buFont typeface="Arial" pitchFamily="34" charset="0"/>
-              <a:buNone/>
-              <a:tabLst/>
-            </a:pPr>
-            <a:endParaRPr kumimoji="0" lang="zh-CN" altLang="en-US" sz="1800" b="0" i="0" u="none" strike="noStrike" cap="none" normalizeH="0" baseline="0" smtClean="0">
-              <a:ln>
-                <a:noFill/>
-              </a:ln>
+            <a:pPr algn="ctr"/>
+            <a:r>
+              <a:rPr lang="zh-CN" altLang="en-US" sz="2800" dirty="0" smtClean="0">
+                <a:solidFill>
+                  <a:srgbClr val="F8F8F8"/>
+                </a:solidFill>
+                <a:latin typeface="微软雅黑"/>
+                <a:ea typeface="微软雅黑"/>
+              </a:rPr>
+              <a:t>单例模式有很多种</a:t>
+            </a:r>
+            <a:r>
+              <a:rPr lang="zh-CN" altLang="en-US" sz="2800" dirty="0" smtClean="0">
+                <a:solidFill>
+                  <a:srgbClr val="F8F8F8"/>
+                </a:solidFill>
+                <a:latin typeface="微软雅黑"/>
+                <a:ea typeface="微软雅黑"/>
+              </a:rPr>
+              <a:t>写法：懒汉式、饿汉式、线程安全的、不安全的</a:t>
+            </a:r>
+            <a:r>
+              <a:rPr lang="en-US" altLang="zh-CN" sz="2800" dirty="0" smtClean="0">
+                <a:solidFill>
+                  <a:srgbClr val="F8F8F8"/>
+                </a:solidFill>
+                <a:latin typeface="微软雅黑"/>
+                <a:ea typeface="微软雅黑"/>
+              </a:rPr>
+              <a:t>……</a:t>
+            </a:r>
+            <a:r>
+              <a:rPr lang="zh-CN" altLang="en-US" sz="2800" dirty="0" smtClean="0">
+                <a:solidFill>
+                  <a:srgbClr val="F8F8F8"/>
+                </a:solidFill>
+                <a:latin typeface="微软雅黑"/>
+                <a:ea typeface="微软雅黑"/>
+              </a:rPr>
+              <a:t>，</a:t>
+            </a:r>
+            <a:r>
+              <a:rPr lang="zh-CN" altLang="en-US" sz="2800" dirty="0" smtClean="0">
+                <a:solidFill>
+                  <a:srgbClr val="F8F8F8"/>
+                </a:solidFill>
+                <a:latin typeface="微软雅黑"/>
+                <a:ea typeface="微软雅黑"/>
+              </a:rPr>
+              <a:t>可否在网上查</a:t>
+            </a:r>
+            <a:r>
+              <a:rPr lang="zh-CN" altLang="en-US" sz="2800" dirty="0" smtClean="0">
+                <a:solidFill>
+                  <a:srgbClr val="F8F8F8"/>
+                </a:solidFill>
+                <a:latin typeface="微软雅黑"/>
+                <a:ea typeface="微软雅黑"/>
+              </a:rPr>
+              <a:t>一下、学一下呢？（暂时不懂也没关系）</a:t>
+            </a:r>
+            <a:endParaRPr lang="zh-CN" altLang="en-US" sz="2800" dirty="0" smtClean="0">
               <a:solidFill>
-                <a:schemeClr val="tx1"/>
+                <a:srgbClr val="F8F8F8"/>
               </a:solidFill>
-              <a:effectLst/>
-              <a:latin typeface="Arial" pitchFamily="34" charset="0"/>
-              <a:ea typeface="宋体" pitchFamily="2" charset="-122"/>
+              <a:latin typeface="微软雅黑"/>
+              <a:ea typeface="微软雅黑"/>
             </a:endParaRPr>
           </a:p>
         </p:txBody>
       </p:sp>
-      <p:sp>
-        <p:nvSpPr>
-          <p:cNvPr id="22" name="椭圆 21"/>
-          <p:cNvSpPr/>
-          <p:nvPr/>
-        </p:nvSpPr>
-        <p:spPr bwMode="auto">
-          <a:xfrm>
-            <a:off x="1029502" y="2390840"/>
-            <a:ext cx="2952328" cy="2952328"/>
-          </a:xfrm>
-          <a:prstGeom prst="ellipse">
-            <a:avLst/>
-          </a:prstGeom>
-          <a:solidFill>
-            <a:schemeClr val="tx1"/>
-          </a:solidFill>
-          <a:ln w="9525" cap="flat" cmpd="sng" algn="ctr">
-            <a:noFill/>
-            <a:prstDash val="solid"/>
-            <a:round/>
-            <a:headEnd type="none" w="med" len="med"/>
-            <a:tailEnd type="none" w="med" len="med"/>
-          </a:ln>
-          <a:effectLst/>
-          <a:extLst/>
-        </p:spPr>
-        <p:txBody>
-          <a:bodyPr vert="horz" wrap="square" lIns="91440" tIns="45720" rIns="91440" bIns="45720" numCol="1" rtlCol="0" anchor="t" anchorCtr="0" compatLnSpc="1">
-            <a:prstTxWarp prst="textNoShape">
-              <a:avLst/>
-            </a:prstTxWarp>
-          </a:bodyPr>
-          <a:lstStyle/>
-          <a:p>
-            <a:pPr marL="0" marR="0" indent="0" algn="l" defTabSz="914400" rtl="0" eaLnBrk="1" fontAlgn="base" latinLnBrk="0" hangingPunct="1">
-              <a:lnSpc>
-                <a:spcPct val="100000"/>
-              </a:lnSpc>
-              <a:spcBef>
-                <a:spcPct val="0"/>
-              </a:spcBef>
-              <a:spcAft>
-                <a:spcPct val="0"/>
-              </a:spcAft>
-              <a:buClrTx/>
-              <a:buSzTx/>
-              <a:buFont typeface="Arial" pitchFamily="34" charset="0"/>
-              <a:buNone/>
-              <a:tabLst/>
-            </a:pPr>
-            <a:endParaRPr kumimoji="0" lang="zh-CN" altLang="en-US" sz="1800" b="0" i="0" u="none" strike="noStrike" cap="none" normalizeH="0" baseline="0" dirty="0" smtClean="0">
-              <a:ln>
-                <a:noFill/>
-              </a:ln>
-              <a:solidFill>
-                <a:schemeClr val="tx1"/>
-              </a:solidFill>
-              <a:effectLst/>
-              <a:latin typeface="Arial" pitchFamily="34" charset="0"/>
-              <a:ea typeface="宋体" pitchFamily="2" charset="-122"/>
-            </a:endParaRPr>
-          </a:p>
-        </p:txBody>
-      </p:sp>
-      <p:sp>
-        <p:nvSpPr>
-          <p:cNvPr id="27" name="TextBox 26"/>
-          <p:cNvSpPr txBox="1"/>
-          <p:nvPr/>
-        </p:nvSpPr>
-        <p:spPr>
-          <a:xfrm>
-            <a:off x="5378301" y="1475872"/>
-            <a:ext cx="1016625" cy="369332"/>
-          </a:xfrm>
-          <a:prstGeom prst="rect">
-            <a:avLst/>
-          </a:prstGeom>
-          <a:noFill/>
-        </p:spPr>
-        <p:txBody>
-          <a:bodyPr wrap="none" rtlCol="0">
-            <a:spAutoFit/>
-          </a:bodyPr>
-          <a:lstStyle/>
-          <a:p>
-            <a:r>
-              <a:rPr lang="en-US" altLang="zh-CN" b="1" dirty="0" smtClean="0">
-                <a:solidFill>
-                  <a:schemeClr val="tx2"/>
-                </a:solidFill>
-                <a:latin typeface="+mj-ea"/>
-                <a:ea typeface="+mj-ea"/>
-              </a:rPr>
-              <a:t>■</a:t>
-            </a:r>
-            <a:r>
-              <a:rPr lang="zh-CN" altLang="en-US" b="1" dirty="0" smtClean="0">
-                <a:solidFill>
-                  <a:schemeClr val="tx2"/>
-                </a:solidFill>
-                <a:latin typeface="+mj-ea"/>
-                <a:ea typeface="+mj-ea"/>
-              </a:rPr>
-              <a:t>类中类</a:t>
-            </a:r>
-            <a:endParaRPr lang="zh-CN" altLang="en-US" b="1" dirty="0">
-              <a:solidFill>
-                <a:schemeClr val="tx2"/>
-              </a:solidFill>
-              <a:latin typeface="+mj-ea"/>
-              <a:ea typeface="+mj-ea"/>
-            </a:endParaRPr>
-          </a:p>
-        </p:txBody>
-      </p:sp>
-      <p:sp>
-        <p:nvSpPr>
-          <p:cNvPr id="29" name="TextBox 28"/>
-          <p:cNvSpPr txBox="1"/>
-          <p:nvPr/>
-        </p:nvSpPr>
-        <p:spPr>
-          <a:xfrm>
-            <a:off x="5378301" y="3300686"/>
-            <a:ext cx="1478290" cy="369332"/>
-          </a:xfrm>
-          <a:prstGeom prst="rect">
-            <a:avLst/>
-          </a:prstGeom>
-          <a:noFill/>
-        </p:spPr>
-        <p:txBody>
-          <a:bodyPr wrap="none" rtlCol="0">
-            <a:spAutoFit/>
-          </a:bodyPr>
-          <a:lstStyle/>
-          <a:p>
-            <a:r>
-              <a:rPr lang="en-US" altLang="zh-CN" b="1" dirty="0" smtClean="0">
-                <a:solidFill>
-                  <a:schemeClr val="tx2"/>
-                </a:solidFill>
-                <a:latin typeface="+mj-ea"/>
-                <a:ea typeface="+mj-ea"/>
-              </a:rPr>
-              <a:t>■</a:t>
-            </a:r>
-            <a:r>
-              <a:rPr lang="zh-CN" altLang="en-US" b="1" dirty="0" smtClean="0">
-                <a:solidFill>
-                  <a:schemeClr val="tx2"/>
-                </a:solidFill>
-                <a:latin typeface="+mj-ea"/>
-                <a:ea typeface="+mj-ea"/>
-              </a:rPr>
-              <a:t>静态内部类</a:t>
-            </a:r>
-            <a:endParaRPr lang="zh-CN" altLang="en-US" b="1" dirty="0">
-              <a:solidFill>
-                <a:schemeClr val="tx2"/>
-              </a:solidFill>
-              <a:latin typeface="+mj-ea"/>
-              <a:ea typeface="+mj-ea"/>
-            </a:endParaRPr>
-          </a:p>
-        </p:txBody>
-      </p:sp>
-      <p:sp>
-        <p:nvSpPr>
-          <p:cNvPr id="31" name="TextBox 30"/>
-          <p:cNvSpPr txBox="1"/>
-          <p:nvPr/>
-        </p:nvSpPr>
-        <p:spPr>
-          <a:xfrm>
-            <a:off x="5306293" y="5158502"/>
-            <a:ext cx="1478290" cy="369332"/>
-          </a:xfrm>
-          <a:prstGeom prst="rect">
-            <a:avLst/>
-          </a:prstGeom>
-          <a:noFill/>
-        </p:spPr>
-        <p:txBody>
-          <a:bodyPr wrap="none" rtlCol="0">
-            <a:spAutoFit/>
-          </a:bodyPr>
-          <a:lstStyle/>
-          <a:p>
-            <a:r>
-              <a:rPr lang="en-US" altLang="zh-CN" b="1" dirty="0" smtClean="0">
-                <a:solidFill>
-                  <a:schemeClr val="tx2"/>
-                </a:solidFill>
-                <a:latin typeface="+mj-ea"/>
-                <a:ea typeface="+mj-ea"/>
-              </a:rPr>
-              <a:t>■</a:t>
-            </a:r>
-            <a:r>
-              <a:rPr lang="zh-CN" altLang="en-US" b="1" dirty="0" smtClean="0">
-                <a:solidFill>
-                  <a:schemeClr val="tx2"/>
-                </a:solidFill>
-                <a:latin typeface="+mj-ea"/>
-                <a:ea typeface="+mj-ea"/>
-              </a:rPr>
-              <a:t>方法内部类</a:t>
-            </a:r>
-            <a:endParaRPr lang="zh-CN" altLang="en-US" b="1" dirty="0">
-              <a:solidFill>
-                <a:schemeClr val="tx2"/>
-              </a:solidFill>
-              <a:latin typeface="+mj-ea"/>
-              <a:ea typeface="+mj-ea"/>
-            </a:endParaRPr>
-          </a:p>
-        </p:txBody>
-      </p:sp>
-      <p:sp>
-        <p:nvSpPr>
-          <p:cNvPr id="35" name="TextBox 34"/>
-          <p:cNvSpPr txBox="1"/>
-          <p:nvPr/>
-        </p:nvSpPr>
-        <p:spPr>
-          <a:xfrm>
-            <a:off x="1845419" y="3513061"/>
-            <a:ext cx="1300195" cy="707886"/>
-          </a:xfrm>
-          <a:prstGeom prst="rect">
-            <a:avLst/>
-          </a:prstGeom>
-          <a:noFill/>
-        </p:spPr>
-        <p:txBody>
-          <a:bodyPr wrap="square" rtlCol="0">
-            <a:spAutoFit/>
-          </a:bodyPr>
-          <a:lstStyle/>
-          <a:p>
-            <a:pPr algn="ctr"/>
-            <a:r>
-              <a:rPr lang="zh-CN" altLang="en-US" sz="4000" dirty="0" smtClean="0">
-                <a:solidFill>
-                  <a:srgbClr val="F8F8F8"/>
-                </a:solidFill>
-                <a:latin typeface="+mn-ea"/>
-                <a:ea typeface="+mn-ea"/>
-              </a:rPr>
-              <a:t>封装！</a:t>
-            </a:r>
-            <a:endParaRPr lang="zh-CN" altLang="en-US" sz="4000" dirty="0">
-              <a:solidFill>
-                <a:srgbClr val="F8F8F8"/>
-              </a:solidFill>
-              <a:latin typeface="+mn-ea"/>
-              <a:ea typeface="+mn-ea"/>
-            </a:endParaRPr>
-          </a:p>
-        </p:txBody>
-      </p:sp>
-      <p:grpSp>
-        <p:nvGrpSpPr>
-          <p:cNvPr id="2" name="组合 1"/>
-          <p:cNvGrpSpPr/>
-          <p:nvPr/>
-        </p:nvGrpSpPr>
-        <p:grpSpPr>
-          <a:xfrm>
-            <a:off x="2505666" y="1765071"/>
-            <a:ext cx="864096" cy="864096"/>
-            <a:chOff x="2505666" y="1765071"/>
-            <a:chExt cx="864096" cy="864096"/>
-          </a:xfrm>
-        </p:grpSpPr>
-        <p:sp>
-          <p:nvSpPr>
-            <p:cNvPr id="23" name="椭圆 22"/>
-            <p:cNvSpPr/>
-            <p:nvPr/>
-          </p:nvSpPr>
-          <p:spPr bwMode="auto">
-            <a:xfrm>
-              <a:off x="2505666" y="1765071"/>
-              <a:ext cx="864096" cy="864096"/>
-            </a:xfrm>
-            <a:prstGeom prst="ellipse">
-              <a:avLst/>
-            </a:prstGeom>
-            <a:solidFill>
-              <a:schemeClr val="tx2"/>
-            </a:solidFill>
-            <a:ln w="9525" cap="flat" cmpd="sng" algn="ctr">
-              <a:noFill/>
-              <a:prstDash val="solid"/>
-              <a:round/>
-              <a:headEnd type="none" w="med" len="med"/>
-              <a:tailEnd type="none" w="med" len="med"/>
-            </a:ln>
-            <a:effectLst/>
-            <a:extLst/>
-          </p:spPr>
-          <p:txBody>
-            <a:bodyPr vert="horz" wrap="square" lIns="91440" tIns="45720" rIns="91440" bIns="45720" numCol="1" rtlCol="0" anchor="t" anchorCtr="0" compatLnSpc="1">
-              <a:prstTxWarp prst="textNoShape">
-                <a:avLst/>
-              </a:prstTxWarp>
-            </a:bodyPr>
-            <a:lstStyle/>
-            <a:p>
-              <a:pPr marL="0" marR="0" indent="0" algn="l" defTabSz="914400" rtl="0" eaLnBrk="1" fontAlgn="base" latinLnBrk="0" hangingPunct="1">
-                <a:lnSpc>
-                  <a:spcPct val="100000"/>
-                </a:lnSpc>
-                <a:spcBef>
-                  <a:spcPct val="0"/>
-                </a:spcBef>
-                <a:spcAft>
-                  <a:spcPct val="0"/>
-                </a:spcAft>
-                <a:buClrTx/>
-                <a:buSzTx/>
-                <a:buFont typeface="Arial" pitchFamily="34" charset="0"/>
-                <a:buNone/>
-                <a:tabLst/>
-              </a:pPr>
-              <a:endParaRPr kumimoji="0" lang="zh-CN" altLang="en-US" sz="1800" b="0" i="0" u="none" strike="noStrike" cap="none" normalizeH="0" baseline="0" smtClean="0">
-                <a:ln>
-                  <a:noFill/>
-                </a:ln>
-                <a:solidFill>
-                  <a:schemeClr val="tx1"/>
-                </a:solidFill>
-                <a:effectLst/>
-                <a:latin typeface="Arial" pitchFamily="34" charset="0"/>
-                <a:ea typeface="宋体" pitchFamily="2" charset="-122"/>
-              </a:endParaRPr>
-            </a:p>
-          </p:txBody>
-        </p:sp>
-        <p:sp>
-          <p:nvSpPr>
-            <p:cNvPr id="36" name="TextBox 35"/>
-            <p:cNvSpPr txBox="1"/>
-            <p:nvPr/>
-          </p:nvSpPr>
-          <p:spPr>
-            <a:xfrm>
-              <a:off x="2563333" y="1845204"/>
-              <a:ext cx="755335" cy="646331"/>
-            </a:xfrm>
-            <a:prstGeom prst="rect">
-              <a:avLst/>
-            </a:prstGeom>
-            <a:noFill/>
-          </p:spPr>
-          <p:txBody>
-            <a:bodyPr wrap="none" rtlCol="0">
-              <a:spAutoFit/>
-            </a:bodyPr>
-            <a:lstStyle/>
-            <a:p>
-              <a:r>
-                <a:rPr lang="en-US" altLang="zh-CN" sz="3600" dirty="0" smtClean="0">
-                  <a:solidFill>
-                    <a:srgbClr val="F8F8F8"/>
-                  </a:solidFill>
-                  <a:latin typeface="+mn-ea"/>
-                  <a:ea typeface="+mn-ea"/>
-                </a:rPr>
-                <a:t>01</a:t>
-              </a:r>
-              <a:endParaRPr lang="zh-CN" altLang="en-US" sz="3600" dirty="0">
-                <a:solidFill>
-                  <a:srgbClr val="F8F8F8"/>
-                </a:solidFill>
-                <a:latin typeface="+mn-ea"/>
-                <a:ea typeface="+mn-ea"/>
-              </a:endParaRPr>
-            </a:p>
-          </p:txBody>
-        </p:sp>
-      </p:grpSp>
-      <p:grpSp>
-        <p:nvGrpSpPr>
-          <p:cNvPr id="3" name="组合 2"/>
-          <p:cNvGrpSpPr/>
-          <p:nvPr/>
-        </p:nvGrpSpPr>
-        <p:grpSpPr>
-          <a:xfrm>
-            <a:off x="3405766" y="2600174"/>
-            <a:ext cx="864096" cy="864096"/>
-            <a:chOff x="3405766" y="2600174"/>
-            <a:chExt cx="864096" cy="864096"/>
-          </a:xfrm>
-        </p:grpSpPr>
-        <p:sp>
-          <p:nvSpPr>
-            <p:cNvPr id="24" name="椭圆 23"/>
-            <p:cNvSpPr/>
-            <p:nvPr/>
-          </p:nvSpPr>
-          <p:spPr bwMode="auto">
-            <a:xfrm>
-              <a:off x="3405766" y="2600174"/>
-              <a:ext cx="864096" cy="864096"/>
-            </a:xfrm>
-            <a:prstGeom prst="ellipse">
-              <a:avLst/>
-            </a:prstGeom>
-            <a:solidFill>
-              <a:schemeClr val="tx2"/>
-            </a:solidFill>
-            <a:ln w="9525" cap="flat" cmpd="sng" algn="ctr">
-              <a:noFill/>
-              <a:prstDash val="solid"/>
-              <a:round/>
-              <a:headEnd type="none" w="med" len="med"/>
-              <a:tailEnd type="none" w="med" len="med"/>
-            </a:ln>
-            <a:effectLst/>
-            <a:extLst/>
-          </p:spPr>
-          <p:txBody>
-            <a:bodyPr vert="horz" wrap="square" lIns="91440" tIns="45720" rIns="91440" bIns="45720" numCol="1" rtlCol="0" anchor="t" anchorCtr="0" compatLnSpc="1">
-              <a:prstTxWarp prst="textNoShape">
-                <a:avLst/>
-              </a:prstTxWarp>
-            </a:bodyPr>
-            <a:lstStyle/>
-            <a:p>
-              <a:pPr marL="0" marR="0" indent="0" algn="l" defTabSz="914400" rtl="0" eaLnBrk="1" fontAlgn="base" latinLnBrk="0" hangingPunct="1">
-                <a:lnSpc>
-                  <a:spcPct val="100000"/>
-                </a:lnSpc>
-                <a:spcBef>
-                  <a:spcPct val="0"/>
-                </a:spcBef>
-                <a:spcAft>
-                  <a:spcPct val="0"/>
-                </a:spcAft>
-                <a:buClrTx/>
-                <a:buSzTx/>
-                <a:buFont typeface="Arial" pitchFamily="34" charset="0"/>
-                <a:buNone/>
-                <a:tabLst/>
-              </a:pPr>
-              <a:endParaRPr kumimoji="0" lang="zh-CN" altLang="en-US" sz="1800" b="0" i="0" u="none" strike="noStrike" cap="none" normalizeH="0" baseline="0" smtClean="0">
-                <a:ln>
-                  <a:noFill/>
-                </a:ln>
-                <a:solidFill>
-                  <a:schemeClr val="tx1"/>
-                </a:solidFill>
-                <a:effectLst/>
-                <a:latin typeface="Arial" pitchFamily="34" charset="0"/>
-                <a:ea typeface="宋体" pitchFamily="2" charset="-122"/>
-              </a:endParaRPr>
-            </a:p>
-          </p:txBody>
-        </p:sp>
-        <p:sp>
-          <p:nvSpPr>
-            <p:cNvPr id="37" name="TextBox 36"/>
-            <p:cNvSpPr txBox="1"/>
-            <p:nvPr/>
-          </p:nvSpPr>
-          <p:spPr>
-            <a:xfrm>
-              <a:off x="3452333" y="2708804"/>
-              <a:ext cx="726481" cy="646331"/>
-            </a:xfrm>
-            <a:prstGeom prst="rect">
-              <a:avLst/>
-            </a:prstGeom>
-            <a:noFill/>
-          </p:spPr>
-          <p:txBody>
-            <a:bodyPr wrap="none" rtlCol="0">
-              <a:spAutoFit/>
-            </a:bodyPr>
-            <a:lstStyle/>
-            <a:p>
-              <a:r>
-                <a:rPr lang="en-US" altLang="zh-CN" sz="3600" dirty="0" smtClean="0">
-                  <a:solidFill>
-                    <a:srgbClr val="F8F8F8"/>
-                  </a:solidFill>
-                  <a:latin typeface="+mn-ea"/>
-                  <a:ea typeface="+mn-ea"/>
-                </a:rPr>
-                <a:t>02</a:t>
-              </a:r>
-              <a:endParaRPr lang="zh-CN" altLang="en-US" sz="3600" dirty="0">
-                <a:solidFill>
-                  <a:srgbClr val="F8F8F8"/>
-                </a:solidFill>
-                <a:latin typeface="+mn-ea"/>
-                <a:ea typeface="+mn-ea"/>
-              </a:endParaRPr>
-            </a:p>
-          </p:txBody>
-        </p:sp>
-      </p:grpSp>
-      <p:grpSp>
-        <p:nvGrpSpPr>
-          <p:cNvPr id="5" name="组合 4"/>
-          <p:cNvGrpSpPr/>
-          <p:nvPr/>
-        </p:nvGrpSpPr>
-        <p:grpSpPr>
-          <a:xfrm>
-            <a:off x="3593471" y="3855820"/>
-            <a:ext cx="864096" cy="864096"/>
-            <a:chOff x="3593471" y="3855820"/>
-            <a:chExt cx="864096" cy="864096"/>
-          </a:xfrm>
-        </p:grpSpPr>
-        <p:sp>
-          <p:nvSpPr>
-            <p:cNvPr id="25" name="椭圆 24"/>
-            <p:cNvSpPr/>
-            <p:nvPr/>
-          </p:nvSpPr>
-          <p:spPr bwMode="auto">
-            <a:xfrm>
-              <a:off x="3593471" y="3855820"/>
-              <a:ext cx="864096" cy="864096"/>
-            </a:xfrm>
-            <a:prstGeom prst="ellipse">
-              <a:avLst/>
-            </a:prstGeom>
-            <a:solidFill>
-              <a:schemeClr val="tx2"/>
-            </a:solidFill>
-            <a:ln w="9525" cap="flat" cmpd="sng" algn="ctr">
-              <a:noFill/>
-              <a:prstDash val="solid"/>
-              <a:round/>
-              <a:headEnd type="none" w="med" len="med"/>
-              <a:tailEnd type="none" w="med" len="med"/>
-            </a:ln>
-            <a:effectLst/>
-            <a:extLst/>
-          </p:spPr>
-          <p:txBody>
-            <a:bodyPr vert="horz" wrap="square" lIns="91440" tIns="45720" rIns="91440" bIns="45720" numCol="1" rtlCol="0" anchor="t" anchorCtr="0" compatLnSpc="1">
-              <a:prstTxWarp prst="textNoShape">
-                <a:avLst/>
-              </a:prstTxWarp>
-            </a:bodyPr>
-            <a:lstStyle/>
-            <a:p>
-              <a:pPr marL="0" marR="0" indent="0" algn="l" defTabSz="914400" rtl="0" eaLnBrk="1" fontAlgn="base" latinLnBrk="0" hangingPunct="1">
-                <a:lnSpc>
-                  <a:spcPct val="100000"/>
-                </a:lnSpc>
-                <a:spcBef>
-                  <a:spcPct val="0"/>
-                </a:spcBef>
-                <a:spcAft>
-                  <a:spcPct val="0"/>
-                </a:spcAft>
-                <a:buClrTx/>
-                <a:buSzTx/>
-                <a:buFont typeface="Arial" pitchFamily="34" charset="0"/>
-                <a:buNone/>
-                <a:tabLst/>
-              </a:pPr>
-              <a:endParaRPr kumimoji="0" lang="zh-CN" altLang="en-US" sz="1800" b="0" i="0" u="none" strike="noStrike" cap="none" normalizeH="0" baseline="0" smtClean="0">
-                <a:ln>
-                  <a:noFill/>
-                </a:ln>
-                <a:solidFill>
-                  <a:schemeClr val="tx1"/>
-                </a:solidFill>
-                <a:effectLst/>
-                <a:latin typeface="Arial" pitchFamily="34" charset="0"/>
-                <a:ea typeface="宋体" pitchFamily="2" charset="-122"/>
-              </a:endParaRPr>
-            </a:p>
-          </p:txBody>
-        </p:sp>
-        <p:sp>
-          <p:nvSpPr>
-            <p:cNvPr id="38" name="TextBox 37"/>
-            <p:cNvSpPr txBox="1"/>
-            <p:nvPr/>
-          </p:nvSpPr>
-          <p:spPr>
-            <a:xfrm>
-              <a:off x="3655533" y="3978804"/>
-              <a:ext cx="755335" cy="646331"/>
-            </a:xfrm>
-            <a:prstGeom prst="rect">
-              <a:avLst/>
-            </a:prstGeom>
-            <a:noFill/>
-          </p:spPr>
-          <p:txBody>
-            <a:bodyPr wrap="none" rtlCol="0">
-              <a:spAutoFit/>
-            </a:bodyPr>
-            <a:lstStyle/>
-            <a:p>
-              <a:r>
-                <a:rPr lang="en-US" altLang="zh-CN" sz="3600" dirty="0" smtClean="0">
-                  <a:solidFill>
-                    <a:srgbClr val="F8F8F8"/>
-                  </a:solidFill>
-                  <a:latin typeface="+mn-ea"/>
-                  <a:ea typeface="+mn-ea"/>
-                </a:rPr>
-                <a:t>03</a:t>
-              </a:r>
-              <a:endParaRPr lang="zh-CN" altLang="en-US" sz="3600" dirty="0">
-                <a:solidFill>
-                  <a:srgbClr val="F8F8F8"/>
-                </a:solidFill>
-                <a:latin typeface="+mn-ea"/>
-                <a:ea typeface="+mn-ea"/>
-              </a:endParaRPr>
-            </a:p>
-          </p:txBody>
-        </p:sp>
-      </p:grpSp>
-      <p:grpSp>
-        <p:nvGrpSpPr>
-          <p:cNvPr id="6" name="组合 5"/>
-          <p:cNvGrpSpPr/>
-          <p:nvPr/>
-        </p:nvGrpSpPr>
-        <p:grpSpPr>
-          <a:xfrm>
-            <a:off x="2937714" y="4809209"/>
-            <a:ext cx="864096" cy="864096"/>
-            <a:chOff x="2937714" y="4911120"/>
-            <a:chExt cx="864096" cy="864096"/>
-          </a:xfrm>
-        </p:grpSpPr>
-        <p:sp>
-          <p:nvSpPr>
-            <p:cNvPr id="26" name="椭圆 25"/>
-            <p:cNvSpPr/>
-            <p:nvPr/>
-          </p:nvSpPr>
-          <p:spPr bwMode="auto">
-            <a:xfrm>
-              <a:off x="2937714" y="4911120"/>
-              <a:ext cx="864096" cy="864096"/>
-            </a:xfrm>
-            <a:prstGeom prst="ellipse">
-              <a:avLst/>
-            </a:prstGeom>
-            <a:solidFill>
-              <a:schemeClr val="tx2"/>
-            </a:solidFill>
-            <a:ln w="9525" cap="flat" cmpd="sng" algn="ctr">
-              <a:noFill/>
-              <a:prstDash val="solid"/>
-              <a:round/>
-              <a:headEnd type="none" w="med" len="med"/>
-              <a:tailEnd type="none" w="med" len="med"/>
-            </a:ln>
-            <a:effectLst/>
-            <a:extLst/>
-          </p:spPr>
-          <p:txBody>
-            <a:bodyPr vert="horz" wrap="square" lIns="91440" tIns="45720" rIns="91440" bIns="45720" numCol="1" rtlCol="0" anchor="t" anchorCtr="0" compatLnSpc="1">
-              <a:prstTxWarp prst="textNoShape">
-                <a:avLst/>
-              </a:prstTxWarp>
-            </a:bodyPr>
-            <a:lstStyle/>
-            <a:p>
-              <a:pPr marL="0" marR="0" indent="0" algn="l" defTabSz="914400" rtl="0" eaLnBrk="1" fontAlgn="base" latinLnBrk="0" hangingPunct="1">
-                <a:lnSpc>
-                  <a:spcPct val="100000"/>
-                </a:lnSpc>
-                <a:spcBef>
-                  <a:spcPct val="0"/>
-                </a:spcBef>
-                <a:spcAft>
-                  <a:spcPct val="0"/>
-                </a:spcAft>
-                <a:buClrTx/>
-                <a:buSzTx/>
-                <a:buFont typeface="Arial" pitchFamily="34" charset="0"/>
-                <a:buNone/>
-                <a:tabLst/>
-              </a:pPr>
-              <a:endParaRPr kumimoji="0" lang="zh-CN" altLang="en-US" sz="1800" b="0" i="0" u="none" strike="noStrike" cap="none" normalizeH="0" baseline="0" smtClean="0">
-                <a:ln>
-                  <a:noFill/>
-                </a:ln>
-                <a:solidFill>
-                  <a:schemeClr val="tx1"/>
-                </a:solidFill>
-                <a:effectLst/>
-                <a:latin typeface="Arial" pitchFamily="34" charset="0"/>
-                <a:ea typeface="宋体" pitchFamily="2" charset="-122"/>
-              </a:endParaRPr>
-            </a:p>
-          </p:txBody>
-        </p:sp>
-        <p:sp>
-          <p:nvSpPr>
-            <p:cNvPr id="39" name="TextBox 38"/>
-            <p:cNvSpPr txBox="1"/>
-            <p:nvPr/>
-          </p:nvSpPr>
-          <p:spPr>
-            <a:xfrm>
-              <a:off x="2982433" y="5020204"/>
-              <a:ext cx="726481" cy="646331"/>
-            </a:xfrm>
-            <a:prstGeom prst="rect">
-              <a:avLst/>
-            </a:prstGeom>
-            <a:noFill/>
-          </p:spPr>
-          <p:txBody>
-            <a:bodyPr wrap="none" rtlCol="0">
-              <a:spAutoFit/>
-            </a:bodyPr>
-            <a:lstStyle/>
-            <a:p>
-              <a:r>
-                <a:rPr lang="en-US" altLang="zh-CN" sz="3600" dirty="0" smtClean="0">
-                  <a:solidFill>
-                    <a:srgbClr val="F8F8F8"/>
-                  </a:solidFill>
-                  <a:latin typeface="+mn-ea"/>
-                  <a:ea typeface="+mn-ea"/>
-                </a:rPr>
-                <a:t>04</a:t>
-              </a:r>
-              <a:endParaRPr lang="zh-CN" altLang="en-US" sz="3600" dirty="0">
-                <a:solidFill>
-                  <a:srgbClr val="F8F8F8"/>
-                </a:solidFill>
-                <a:latin typeface="+mn-ea"/>
-                <a:ea typeface="+mn-ea"/>
-              </a:endParaRPr>
-            </a:p>
-          </p:txBody>
-        </p:sp>
-      </p:grpSp>
-      <p:pic>
-        <p:nvPicPr>
-          <p:cNvPr id="1026" name="Picture 2"/>
-          <p:cNvPicPr>
-            <a:picLocks noChangeAspect="1" noChangeArrowheads="1"/>
-          </p:cNvPicPr>
-          <p:nvPr/>
-        </p:nvPicPr>
-        <p:blipFill>
-          <a:blip r:embed="rId3">
-            <a:extLst>
-              <a:ext uri="{28A0092B-C50C-407E-A947-70E740481C1C}">
-                <a14:useLocalDpi xmlns:a14="http://schemas.microsoft.com/office/drawing/2010/main" val="0"/>
-              </a:ext>
-            </a:extLst>
-          </a:blip>
-          <a:srcRect/>
-          <a:stretch>
-            <a:fillRect/>
-          </a:stretch>
-        </p:blipFill>
-        <p:spPr bwMode="auto">
-          <a:xfrm>
-            <a:off x="6962477" y="1211017"/>
-            <a:ext cx="4842982" cy="4548670"/>
-          </a:xfrm>
-          <a:prstGeom prst="rect">
-            <a:avLst/>
-          </a:prstGeom>
-          <a:noFill/>
-          <a:ln>
-            <a:noFill/>
-          </a:ln>
-          <a:extLst>
-            <a:ext uri="{909E8E84-426E-40DD-AFC4-6F175D3DCCD1}">
-              <a14:hiddenFill xmlns:a14="http://schemas.microsoft.com/office/drawing/2010/main">
-                <a:solidFill>
-                  <a:schemeClr val="accent1"/>
-                </a:solidFill>
-              </a14:hiddenFill>
-            </a:ext>
-            <a:ext uri="{91240B29-F687-4F45-9708-019B960494DF}">
-              <a14:hiddenLine xmlns:a14="http://schemas.microsoft.com/office/drawing/2010/main" w="9525">
-                <a:solidFill>
-                  <a:schemeClr val="tx1"/>
-                </a:solidFill>
-                <a:miter lim="800000"/>
-                <a:headEnd/>
-                <a:tailEnd/>
-              </a14:hiddenLine>
-            </a:ext>
-          </a:extLst>
-        </p:spPr>
-      </p:pic>
     </p:spTree>
     <p:extLst>
       <p:ext uri="{BB962C8B-B14F-4D97-AF65-F5344CB8AC3E}">
-        <p14:creationId xmlns:p14="http://schemas.microsoft.com/office/powerpoint/2010/main" val="2674115449"/>
+        <p14:creationId xmlns:p14="http://schemas.microsoft.com/office/powerpoint/2010/main" val="2821904345"/>
       </p:ext>
     </p:extLst>
   </p:cSld>
   <p:clrMapOvr>
     <a:masterClrMapping/>
   </p:clrMapOvr>
-  <p:transition spd="slow" advTm="5761">
-    <p:push/>
+  <p:transition spd="slow" advTm="7876">
+    <p:wipe/>
   </p:transition>
   <p:timing>
     <p:tnLst>
@@ -29247,7 +30566,7 @@
                             </p:stCondLst>
                             <p:childTnLst>
                               <p:par>
-                                <p:cTn id="5" presetID="1" presetClass="entr" presetSubtype="0" fill="hold" grpId="0" nodeType="afterEffect">
+                                <p:cTn id="5" presetID="2" presetClass="entr" presetSubtype="8" fill="hold" grpId="0" nodeType="afterEffect">
                                   <p:stCondLst>
                                     <p:cond delay="0"/>
                                   </p:stCondLst>
@@ -29260,65 +30579,7 @@
                                           </p:stCondLst>
                                         </p:cTn>
                                         <p:tgtEl>
-                                          <p:spTgt spid="84"/>
-                                        </p:tgtEl>
-                                        <p:attrNameLst>
-                                          <p:attrName>style.visibility</p:attrName>
-                                        </p:attrNameLst>
-                                      </p:cBhvr>
-                                      <p:to>
-                                        <p:strVal val="visible"/>
-                                      </p:to>
-                                    </p:set>
-                                  </p:childTnLst>
-                                </p:cTn>
-                              </p:par>
-                              <p:par>
-                                <p:cTn id="7" presetID="63" presetClass="path" presetSubtype="0" accel="50000" decel="50000" fill="hold" grpId="1" nodeType="withEffect">
-                                  <p:stCondLst>
-                                    <p:cond delay="0"/>
-                                  </p:stCondLst>
-                                  <p:childTnLst>
-                                    <p:animMotion origin="layout" path="M -0.98855 3.7037E-6 L -2.10095E-6 3.7037E-6 " pathEditMode="relative" rAng="0" ptsTypes="AA">
-                                      <p:cBhvr>
-                                        <p:cTn id="8" dur="1000" fill="hold"/>
-                                        <p:tgtEl>
-                                          <p:spTgt spid="84"/>
-                                        </p:tgtEl>
-                                        <p:attrNameLst>
-                                          <p:attrName>ppt_x</p:attrName>
-                                          <p:attrName>ppt_y</p:attrName>
-                                        </p:attrNameLst>
-                                      </p:cBhvr>
-                                      <p:rCtr x="49421" y="0"/>
-                                    </p:animMotion>
-                                  </p:childTnLst>
-                                </p:cTn>
-                              </p:par>
-                            </p:childTnLst>
-                          </p:cTn>
-                        </p:par>
-                        <p:par>
-                          <p:cTn id="9" fill="hold">
-                            <p:stCondLst>
-                              <p:cond delay="1000"/>
-                            </p:stCondLst>
-                            <p:childTnLst>
-                              <p:par>
-                                <p:cTn id="10" presetID="2" presetClass="entr" presetSubtype="8" fill="hold" grpId="0" nodeType="afterEffect">
-                                  <p:stCondLst>
-                                    <p:cond delay="0"/>
-                                  </p:stCondLst>
-                                  <p:childTnLst>
-                                    <p:set>
-                                      <p:cBhvr>
-                                        <p:cTn id="11" dur="1" fill="hold">
-                                          <p:stCondLst>
-                                            <p:cond delay="0"/>
-                                          </p:stCondLst>
-                                        </p:cTn>
-                                        <p:tgtEl>
-                                          <p:spTgt spid="4"/>
+                                          <p:spTgt spid="27"/>
                                         </p:tgtEl>
                                         <p:attrNameLst>
                                           <p:attrName>style.visibility</p:attrName>
@@ -29330,9 +30591,9 @@
                                     </p:set>
                                     <p:anim calcmode="lin" valueType="num">
                                       <p:cBhvr additive="base">
-                                        <p:cTn id="12" dur="300" fill="hold"/>
-                                        <p:tgtEl>
-                                          <p:spTgt spid="4"/>
+                                        <p:cTn id="7" dur="300" fill="hold"/>
+                                        <p:tgtEl>
+                                          <p:spTgt spid="27"/>
                                         </p:tgtEl>
                                         <p:attrNameLst>
                                           <p:attrName>ppt_x</p:attrName>
@@ -29353,9 +30614,9 @@
                                     </p:anim>
                                     <p:anim calcmode="lin" valueType="num">
                                       <p:cBhvr additive="base">
-                                        <p:cTn id="13" dur="300" fill="hold"/>
-                                        <p:tgtEl>
-                                          <p:spTgt spid="4"/>
+                                        <p:cTn id="8" dur="300" fill="hold"/>
+                                        <p:tgtEl>
+                                          <p:spTgt spid="27"/>
                                         </p:tgtEl>
                                         <p:attrNameLst>
                                           <p:attrName>ppt_y</p:attrName>
@@ -29381,180 +30642,26 @@
                           </p:cTn>
                         </p:par>
                         <p:par>
-                          <p:cTn id="14" fill="hold">
+                          <p:cTn id="9" fill="hold">
                             <p:stCondLst>
-                              <p:cond delay="1300"/>
+                              <p:cond delay="300"/>
                             </p:stCondLst>
                             <p:childTnLst>
                               <p:par>
-                                <p:cTn id="15" presetID="41" presetClass="entr" presetSubtype="0" fill="hold" grpId="0" nodeType="afterEffect">
-                                  <p:stCondLst>
-                                    <p:cond delay="0"/>
-                                  </p:stCondLst>
-                                  <p:iterate type="lt">
-                                    <p:tmPct val="10000"/>
-                                  </p:iterate>
-                                  <p:childTnLst>
-                                    <p:set>
-                                      <p:cBhvr>
-                                        <p:cTn id="16" dur="1" fill="hold">
-                                          <p:stCondLst>
-                                            <p:cond delay="0"/>
-                                          </p:stCondLst>
-                                        </p:cTn>
-                                        <p:tgtEl>
-                                          <p:spTgt spid="77"/>
-                                        </p:tgtEl>
-                                        <p:attrNameLst>
-                                          <p:attrName>style.visibility</p:attrName>
-                                        </p:attrNameLst>
-                                      </p:cBhvr>
-                                      <p:to>
-                                        <p:strVal val="visible"/>
-                                      </p:to>
-                                    </p:set>
-                                    <p:anim calcmode="lin" valueType="num">
-                                      <p:cBhvr>
-                                        <p:cTn id="17" dur="400" fill="hold"/>
-                                        <p:tgtEl>
-                                          <p:spTgt spid="77"/>
-                                        </p:tgtEl>
-                                        <p:attrNameLst>
-                                          <p:attrName>ppt_x</p:attrName>
-                                        </p:attrNameLst>
-                                      </p:cBhvr>
-                                      <p:tavLst>
-                                        <p:tav tm="0">
-                                          <p:val>
-                                            <p:strVal val="#ppt_x"/>
-                                          </p:val>
-                                        </p:tav>
-                                        <p:tav tm="50000">
-                                          <p:val>
-                                            <p:strVal val="#ppt_x+.1"/>
-                                          </p:val>
-                                        </p:tav>
-                                        <p:tav tm="100000">
-                                          <p:val>
-                                            <p:strVal val="#ppt_x"/>
-                                          </p:val>
-                                        </p:tav>
-                                      </p:tavLst>
-                                    </p:anim>
-                                    <p:anim calcmode="lin" valueType="num">
-                                      <p:cBhvr>
-                                        <p:cTn id="18" dur="400" fill="hold"/>
-                                        <p:tgtEl>
-                                          <p:spTgt spid="77"/>
-                                        </p:tgtEl>
-                                        <p:attrNameLst>
-                                          <p:attrName>ppt_y</p:attrName>
-                                        </p:attrNameLst>
-                                      </p:cBhvr>
-                                      <p:tavLst>
-                                        <p:tav tm="0">
-                                          <p:val>
-                                            <p:strVal val="#ppt_y"/>
-                                          </p:val>
-                                        </p:tav>
-                                        <p:tav tm="100000">
-                                          <p:val>
-                                            <p:strVal val="#ppt_y"/>
-                                          </p:val>
-                                        </p:tav>
-                                      </p:tavLst>
-                                    </p:anim>
-                                    <p:anim calcmode="lin" valueType="num">
-                                      <p:cBhvr>
-                                        <p:cTn id="19" dur="400" fill="hold"/>
-                                        <p:tgtEl>
-                                          <p:spTgt spid="77"/>
-                                        </p:tgtEl>
-                                        <p:attrNameLst>
-                                          <p:attrName>ppt_h</p:attrName>
-                                        </p:attrNameLst>
-                                      </p:cBhvr>
-                                      <p:tavLst>
-                                        <p:tav tm="0">
-                                          <p:val>
-                                            <p:strVal val="#ppt_h/10"/>
-                                          </p:val>
-                                        </p:tav>
-                                        <p:tav tm="50000">
-                                          <p:val>
-                                            <p:strVal val="#ppt_h+.01"/>
-                                          </p:val>
-                                        </p:tav>
-                                        <p:tav tm="100000">
-                                          <p:val>
-                                            <p:strVal val="#ppt_h"/>
-                                          </p:val>
-                                        </p:tav>
-                                      </p:tavLst>
-                                    </p:anim>
-                                    <p:anim calcmode="lin" valueType="num">
-                                      <p:cBhvr>
-                                        <p:cTn id="20" dur="400" fill="hold"/>
-                                        <p:tgtEl>
-                                          <p:spTgt spid="77"/>
-                                        </p:tgtEl>
-                                        <p:attrNameLst>
-                                          <p:attrName>ppt_w</p:attrName>
-                                        </p:attrNameLst>
-                                      </p:cBhvr>
-                                      <p:tavLst>
-                                        <p:tav tm="0">
-                                          <p:val>
-                                            <p:strVal val="#ppt_w/10"/>
-                                          </p:val>
-                                        </p:tav>
-                                        <p:tav tm="50000">
-                                          <p:val>
-                                            <p:strVal val="#ppt_w+.01"/>
-                                          </p:val>
-                                        </p:tav>
-                                        <p:tav tm="100000">
-                                          <p:val>
-                                            <p:strVal val="#ppt_w"/>
-                                          </p:val>
-                                        </p:tav>
-                                      </p:tavLst>
-                                    </p:anim>
-                                    <p:animEffect transition="in" filter="fade">
-                                      <p:cBhvr>
-                                        <p:cTn id="21" dur="400" tmFilter="0,0; .5, 1; 1, 1"/>
-                                        <p:tgtEl>
-                                          <p:spTgt spid="77"/>
-                                        </p:tgtEl>
-                                      </p:cBhvr>
-                                    </p:animEffect>
-                                  </p:childTnLst>
-                                </p:cTn>
-                              </p:par>
-                            </p:childTnLst>
-                          </p:cTn>
-                        </p:par>
-                        <p:par>
-                          <p:cTn id="22" fill="hold">
-                            <p:stCondLst>
-                              <p:cond delay="1780"/>
-                            </p:stCondLst>
-                            <p:childTnLst>
-                              <p:par>
-                                <p:cTn id="23" presetID="53" presetClass="entr" presetSubtype="16" fill="hold" grpId="0" nodeType="afterEffect">
+                                <p:cTn id="10" presetID="22" presetClass="entr" presetSubtype="2" fill="hold" grpId="0" nodeType="afterEffect">
                                   <p:stCondLst>
                                     <p:cond delay="0"/>
                                   </p:stCondLst>
                                   <p:childTnLst>
                                     <p:set>
                                       <p:cBhvr>
-                                        <p:cTn id="24" dur="1" fill="hold">
+                                        <p:cTn id="11" dur="1" fill="hold">
                                           <p:stCondLst>
                                             <p:cond delay="0"/>
                                           </p:stCondLst>
                                         </p:cTn>
                                         <p:tgtEl>
-                                          <p:spTgt spid="35"/>
+                                          <p:spTgt spid="6"/>
                                         </p:tgtEl>
                                         <p:attrNameLst>
                                           <p:attrName>style.visibility</p:attrName>
@@ -29564,638 +30671,14 @@
                                         <p:strVal val="visible"/>
                                       </p:to>
                                     </p:set>
-                                    <p:anim calcmode="lin" valueType="num">
-                                      <p:cBhvr>
-                                        <p:cTn id="25" dur="500" fill="hold"/>
-                                        <p:tgtEl>
-                                          <p:spTgt spid="35"/>
-                                        </p:tgtEl>
-                                        <p:attrNameLst>
-                                          <p:attrName>ppt_w</p:attrName>
-                                        </p:attrNameLst>
-                                      </p:cBhvr>
-                                      <p:tavLst>
-                                        <p:tav tm="0">
-                                          <p:val>
-                                            <p:fltVal val="0"/>
-                                          </p:val>
-                                        </p:tav>
-                                        <p:tav tm="100000">
-                                          <p:val>
-                                            <p:strVal val="#ppt_w"/>
-                                          </p:val>
-                                        </p:tav>
-                                      </p:tavLst>
-                                    </p:anim>
-                                    <p:anim calcmode="lin" valueType="num">
-                                      <p:cBhvr>
-                                        <p:cTn id="26" dur="500" fill="hold"/>
-                                        <p:tgtEl>
-                                          <p:spTgt spid="35"/>
-                                        </p:tgtEl>
-                                        <p:attrNameLst>
-                                          <p:attrName>ppt_h</p:attrName>
-                                        </p:attrNameLst>
-                                      </p:cBhvr>
-                                      <p:tavLst>
-                                        <p:tav tm="0">
-                                          <p:val>
-                                            <p:fltVal val="0"/>
-                                          </p:val>
-                                        </p:tav>
-                                        <p:tav tm="100000">
-                                          <p:val>
-                                            <p:strVal val="#ppt_h"/>
-                                          </p:val>
-                                        </p:tav>
-                                      </p:tavLst>
-                                    </p:anim>
-                                    <p:animEffect transition="in" filter="fade">
-                                      <p:cBhvr>
-                                        <p:cTn id="27" dur="500"/>
-                                        <p:tgtEl>
-                                          <p:spTgt spid="35"/>
+                                    <p:animEffect transition="in" filter="wipe(right)">
+                                      <p:cBhvr>
+                                        <p:cTn id="12" dur="500"/>
+                                        <p:tgtEl>
+                                          <p:spTgt spid="6"/>
                                         </p:tgtEl>
                                       </p:cBhvr>
                                     </p:animEffect>
-                                  </p:childTnLst>
-                                </p:cTn>
-                              </p:par>
-                              <p:par>
-                                <p:cTn id="28" presetID="53" presetClass="entr" presetSubtype="16" fill="hold" grpId="0" nodeType="withEffect">
-                                  <p:stCondLst>
-                                    <p:cond delay="0"/>
-                                  </p:stCondLst>
-                                  <p:childTnLst>
-                                    <p:set>
-                                      <p:cBhvr>
-                                        <p:cTn id="29" dur="1" fill="hold">
-                                          <p:stCondLst>
-                                            <p:cond delay="0"/>
-                                          </p:stCondLst>
-                                        </p:cTn>
-                                        <p:tgtEl>
-                                          <p:spTgt spid="22"/>
-                                        </p:tgtEl>
-                                        <p:attrNameLst>
-                                          <p:attrName>style.visibility</p:attrName>
-                                        </p:attrNameLst>
-                                      </p:cBhvr>
-                                      <p:to>
-                                        <p:strVal val="visible"/>
-                                      </p:to>
-                                    </p:set>
-                                    <p:anim calcmode="lin" valueType="num">
-                                      <p:cBhvr>
-                                        <p:cTn id="30" dur="500" fill="hold"/>
-                                        <p:tgtEl>
-                                          <p:spTgt spid="22"/>
-                                        </p:tgtEl>
-                                        <p:attrNameLst>
-                                          <p:attrName>ppt_w</p:attrName>
-                                        </p:attrNameLst>
-                                      </p:cBhvr>
-                                      <p:tavLst>
-                                        <p:tav tm="0">
-                                          <p:val>
-                                            <p:fltVal val="0"/>
-                                          </p:val>
-                                        </p:tav>
-                                        <p:tav tm="100000">
-                                          <p:val>
-                                            <p:strVal val="#ppt_w"/>
-                                          </p:val>
-                                        </p:tav>
-                                      </p:tavLst>
-                                    </p:anim>
-                                    <p:anim calcmode="lin" valueType="num">
-                                      <p:cBhvr>
-                                        <p:cTn id="31" dur="500" fill="hold"/>
-                                        <p:tgtEl>
-                                          <p:spTgt spid="22"/>
-                                        </p:tgtEl>
-                                        <p:attrNameLst>
-                                          <p:attrName>ppt_h</p:attrName>
-                                        </p:attrNameLst>
-                                      </p:cBhvr>
-                                      <p:tavLst>
-                                        <p:tav tm="0">
-                                          <p:val>
-                                            <p:fltVal val="0"/>
-                                          </p:val>
-                                        </p:tav>
-                                        <p:tav tm="100000">
-                                          <p:val>
-                                            <p:strVal val="#ppt_h"/>
-                                          </p:val>
-                                        </p:tav>
-                                      </p:tavLst>
-                                    </p:anim>
-                                    <p:animEffect transition="in" filter="fade">
-                                      <p:cBhvr>
-                                        <p:cTn id="32" dur="500"/>
-                                        <p:tgtEl>
-                                          <p:spTgt spid="22"/>
-                                        </p:tgtEl>
-                                      </p:cBhvr>
-                                    </p:animEffect>
-                                  </p:childTnLst>
-                                </p:cTn>
-                              </p:par>
-                            </p:childTnLst>
-                          </p:cTn>
-                        </p:par>
-                        <p:par>
-                          <p:cTn id="33" fill="hold">
-                            <p:stCondLst>
-                              <p:cond delay="2280"/>
-                            </p:stCondLst>
-                            <p:childTnLst>
-                              <p:par>
-                                <p:cTn id="34" presetID="52" presetClass="entr" presetSubtype="0" fill="hold" nodeType="afterEffect">
-                                  <p:stCondLst>
-                                    <p:cond delay="0"/>
-                                  </p:stCondLst>
-                                  <p:childTnLst>
-                                    <p:set>
-                                      <p:cBhvr>
-                                        <p:cTn id="35" dur="1" fill="hold">
-                                          <p:stCondLst>
-                                            <p:cond delay="0"/>
-                                          </p:stCondLst>
-                                        </p:cTn>
-                                        <p:tgtEl>
-                                          <p:spTgt spid="2"/>
-                                        </p:tgtEl>
-                                        <p:attrNameLst>
-                                          <p:attrName>style.visibility</p:attrName>
-                                        </p:attrNameLst>
-                                      </p:cBhvr>
-                                      <p:to>
-                                        <p:strVal val="visible"/>
-                                      </p:to>
-                                    </p:set>
-                                    <p:animScale>
-                                      <p:cBhvr>
-                                        <p:cTn id="36" dur="1000" decel="50000" fill="hold">
-                                          <p:stCondLst>
-                                            <p:cond delay="0"/>
-                                          </p:stCondLst>
-                                        </p:cTn>
-                                        <p:tgtEl>
-                                          <p:spTgt spid="2"/>
-                                        </p:tgtEl>
-                                      </p:cBhvr>
-                                      <p:from x="250000" y="250000"/>
-                                      <p:to x="100000" y="100000"/>
-                                    </p:animScale>
-                                    <p:animMotion origin="layout" path="M -0.46736 0.92887  C -0.37517 0.88508  -0.02552 0.75279  0.0908 0.66613  C  0.20747 0.57948  0.21649 0.50394  0.23177 0.40825  C 0.24705 0.31256  0.22118 0.15964   0.18264 0.09152  C 0.1441 0.02341  0.03802 0.0  0.0 0.0  " pathEditMode="relative" ptsTypes="">
-                                      <p:cBhvr>
-                                        <p:cTn id="37" dur="1000" decel="50000" fill="hold">
-                                          <p:stCondLst>
-                                            <p:cond delay="0"/>
-                                          </p:stCondLst>
-                                        </p:cTn>
-                                        <p:tgtEl>
-                                          <p:spTgt spid="2"/>
-                                        </p:tgtEl>
-                                        <p:attrNameLst>
-                                          <p:attrName>ppt_x</p:attrName>
-                                          <p:attrName>ppt_y</p:attrName>
-                                        </p:attrNameLst>
-                                      </p:cBhvr>
-                                    </p:animMotion>
-                                    <p:animEffect transition="in" filter="fade">
-                                      <p:cBhvr>
-                                        <p:cTn id="38" dur="1000"/>
-                                        <p:tgtEl>
-                                          <p:spTgt spid="2"/>
-                                        </p:tgtEl>
-                                      </p:cBhvr>
-                                    </p:animEffect>
-                                  </p:childTnLst>
-                                </p:cTn>
-                              </p:par>
-                              <p:par>
-                                <p:cTn id="39" presetID="52" presetClass="entr" presetSubtype="0" fill="hold" nodeType="withEffect">
-                                  <p:stCondLst>
-                                    <p:cond delay="200"/>
-                                  </p:stCondLst>
-                                  <p:childTnLst>
-                                    <p:set>
-                                      <p:cBhvr>
-                                        <p:cTn id="40" dur="1" fill="hold">
-                                          <p:stCondLst>
-                                            <p:cond delay="0"/>
-                                          </p:stCondLst>
-                                        </p:cTn>
-                                        <p:tgtEl>
-                                          <p:spTgt spid="3"/>
-                                        </p:tgtEl>
-                                        <p:attrNameLst>
-                                          <p:attrName>style.visibility</p:attrName>
-                                        </p:attrNameLst>
-                                      </p:cBhvr>
-                                      <p:to>
-                                        <p:strVal val="visible"/>
-                                      </p:to>
-                                    </p:set>
-                                    <p:animScale>
-                                      <p:cBhvr>
-                                        <p:cTn id="41" dur="1000" decel="50000" fill="hold">
-                                          <p:stCondLst>
-                                            <p:cond delay="0"/>
-                                          </p:stCondLst>
-                                        </p:cTn>
-                                        <p:tgtEl>
-                                          <p:spTgt spid="3"/>
-                                        </p:tgtEl>
-                                      </p:cBhvr>
-                                      <p:from x="250000" y="250000"/>
-                                      <p:to x="100000" y="100000"/>
-                                    </p:animScale>
-                                    <p:animMotion origin="layout" path="M -0.46736 0.92887  C -0.37517 0.88508  -0.02552 0.75279  0.0908 0.66613  C  0.20747 0.57948  0.21649 0.50394  0.23177 0.40825  C 0.24705 0.31256  0.22118 0.15964   0.18264 0.09152  C 0.1441 0.02341  0.03802 0.0  0.0 0.0  " pathEditMode="relative" ptsTypes="">
-                                      <p:cBhvr>
-                                        <p:cTn id="42" dur="1000" decel="50000" fill="hold">
-                                          <p:stCondLst>
-                                            <p:cond delay="0"/>
-                                          </p:stCondLst>
-                                        </p:cTn>
-                                        <p:tgtEl>
-                                          <p:spTgt spid="3"/>
-                                        </p:tgtEl>
-                                        <p:attrNameLst>
-                                          <p:attrName>ppt_x</p:attrName>
-                                          <p:attrName>ppt_y</p:attrName>
-                                        </p:attrNameLst>
-                                      </p:cBhvr>
-                                    </p:animMotion>
-                                    <p:animEffect transition="in" filter="fade">
-                                      <p:cBhvr>
-                                        <p:cTn id="43" dur="1000"/>
-                                        <p:tgtEl>
-                                          <p:spTgt spid="3"/>
-                                        </p:tgtEl>
-                                      </p:cBhvr>
-                                    </p:animEffect>
-                                  </p:childTnLst>
-                                </p:cTn>
-                              </p:par>
-                              <p:par>
-                                <p:cTn id="44" presetID="52" presetClass="entr" presetSubtype="0" fill="hold" nodeType="withEffect">
-                                  <p:stCondLst>
-                                    <p:cond delay="400"/>
-                                  </p:stCondLst>
-                                  <p:childTnLst>
-                                    <p:set>
-                                      <p:cBhvr>
-                                        <p:cTn id="45" dur="1" fill="hold">
-                                          <p:stCondLst>
-                                            <p:cond delay="0"/>
-                                          </p:stCondLst>
-                                        </p:cTn>
-                                        <p:tgtEl>
-                                          <p:spTgt spid="5"/>
-                                        </p:tgtEl>
-                                        <p:attrNameLst>
-                                          <p:attrName>style.visibility</p:attrName>
-                                        </p:attrNameLst>
-                                      </p:cBhvr>
-                                      <p:to>
-                                        <p:strVal val="visible"/>
-                                      </p:to>
-                                    </p:set>
-                                    <p:animScale>
-                                      <p:cBhvr>
-                                        <p:cTn id="46" dur="1000" decel="50000" fill="hold">
-                                          <p:stCondLst>
-                                            <p:cond delay="0"/>
-                                          </p:stCondLst>
-                                        </p:cTn>
-                                        <p:tgtEl>
-                                          <p:spTgt spid="5"/>
-                                        </p:tgtEl>
-                                      </p:cBhvr>
-                                      <p:from x="250000" y="250000"/>
-                                      <p:to x="100000" y="100000"/>
-                                    </p:animScale>
-                                    <p:animMotion origin="layout" path="M -0.46736 0.92887  C -0.37517 0.88508  -0.02552 0.75279  0.0908 0.66613  C  0.20747 0.57948  0.21649 0.50394  0.23177 0.40825  C 0.24705 0.31256  0.22118 0.15964   0.18264 0.09152  C 0.1441 0.02341  0.03802 0.0  0.0 0.0  " pathEditMode="relative" ptsTypes="">
-                                      <p:cBhvr>
-                                        <p:cTn id="47" dur="1000" decel="50000" fill="hold">
-                                          <p:stCondLst>
-                                            <p:cond delay="0"/>
-                                          </p:stCondLst>
-                                        </p:cTn>
-                                        <p:tgtEl>
-                                          <p:spTgt spid="5"/>
-                                        </p:tgtEl>
-                                        <p:attrNameLst>
-                                          <p:attrName>ppt_x</p:attrName>
-                                          <p:attrName>ppt_y</p:attrName>
-                                        </p:attrNameLst>
-                                      </p:cBhvr>
-                                    </p:animMotion>
-                                    <p:animEffect transition="in" filter="fade">
-                                      <p:cBhvr>
-                                        <p:cTn id="48" dur="1000"/>
-                                        <p:tgtEl>
-                                          <p:spTgt spid="5"/>
-                                        </p:tgtEl>
-                                      </p:cBhvr>
-                                    </p:animEffect>
-                                  </p:childTnLst>
-                                </p:cTn>
-                              </p:par>
-                              <p:par>
-                                <p:cTn id="49" presetID="52" presetClass="entr" presetSubtype="0" fill="hold" nodeType="withEffect">
-                                  <p:stCondLst>
-                                    <p:cond delay="600"/>
-                                  </p:stCondLst>
-                                  <p:childTnLst>
-                                    <p:set>
-                                      <p:cBhvr>
-                                        <p:cTn id="50" dur="1" fill="hold">
-                                          <p:stCondLst>
-                                            <p:cond delay="0"/>
-                                          </p:stCondLst>
-                                        </p:cTn>
-                                        <p:tgtEl>
-                                          <p:spTgt spid="6"/>
-                                        </p:tgtEl>
-                                        <p:attrNameLst>
-                                          <p:attrName>style.visibility</p:attrName>
-                                        </p:attrNameLst>
-                                      </p:cBhvr>
-                                      <p:to>
-                                        <p:strVal val="visible"/>
-                                      </p:to>
-                                    </p:set>
-                                    <p:animScale>
-                                      <p:cBhvr>
-                                        <p:cTn id="51" dur="1000" decel="50000" fill="hold">
-                                          <p:stCondLst>
-                                            <p:cond delay="0"/>
-                                          </p:stCondLst>
-                                        </p:cTn>
-                                        <p:tgtEl>
-                                          <p:spTgt spid="6"/>
-                                        </p:tgtEl>
-                                      </p:cBhvr>
-                                      <p:from x="250000" y="250000"/>
-                                      <p:to x="100000" y="100000"/>
-                                    </p:animScale>
-                                    <p:animMotion origin="layout" path="M -0.46736 0.92887  C -0.37517 0.88508  -0.02552 0.75279  0.0908 0.66613  C  0.20747 0.57948  0.21649 0.50394  0.23177 0.40825  C 0.24705 0.31256  0.22118 0.15964   0.18264 0.09152  C 0.1441 0.02341  0.03802 0.0  0.0 0.0  " pathEditMode="relative" ptsTypes="">
-                                      <p:cBhvr>
-                                        <p:cTn id="52" dur="1000" decel="50000" fill="hold">
-                                          <p:stCondLst>
-                                            <p:cond delay="0"/>
-                                          </p:stCondLst>
-                                        </p:cTn>
-                                        <p:tgtEl>
-                                          <p:spTgt spid="6"/>
-                                        </p:tgtEl>
-                                        <p:attrNameLst>
-                                          <p:attrName>ppt_x</p:attrName>
-                                          <p:attrName>ppt_y</p:attrName>
-                                        </p:attrNameLst>
-                                      </p:cBhvr>
-                                    </p:animMotion>
-                                    <p:animEffect transition="in" filter="fade">
-                                      <p:cBhvr>
-                                        <p:cTn id="53" dur="1000"/>
-                                        <p:tgtEl>
-                                          <p:spTgt spid="6"/>
-                                        </p:tgtEl>
-                                      </p:cBhvr>
-                                    </p:animEffect>
-                                  </p:childTnLst>
-                                </p:cTn>
-                              </p:par>
-                            </p:childTnLst>
-                          </p:cTn>
-                        </p:par>
-                        <p:par>
-                          <p:cTn id="54" fill="hold">
-                            <p:stCondLst>
-                              <p:cond delay="3880"/>
-                            </p:stCondLst>
-                            <p:childTnLst>
-                              <p:par>
-                                <p:cTn id="55" presetID="2" presetClass="entr" presetSubtype="6" fill="hold" grpId="0" nodeType="afterEffect">
-                                  <p:stCondLst>
-                                    <p:cond delay="0"/>
-                                  </p:stCondLst>
-                                  <p:childTnLst>
-                                    <p:set>
-                                      <p:cBhvr>
-                                        <p:cTn id="56" dur="1" fill="hold">
-                                          <p:stCondLst>
-                                            <p:cond delay="0"/>
-                                          </p:stCondLst>
-                                        </p:cTn>
-                                        <p:tgtEl>
-                                          <p:spTgt spid="27"/>
-                                        </p:tgtEl>
-                                        <p:attrNameLst>
-                                          <p:attrName>style.visibility</p:attrName>
-                                        </p:attrNameLst>
-                                      </p:cBhvr>
-                                      <p:to>
-                                        <p:strVal val="visible"/>
-                                      </p:to>
-                                    </p:set>
-                                    <p:anim calcmode="lin" valueType="num">
-                                      <p:cBhvr additive="base">
-                                        <p:cTn id="57" dur="500" fill="hold"/>
-                                        <p:tgtEl>
-                                          <p:spTgt spid="27"/>
-                                        </p:tgtEl>
-                                        <p:attrNameLst>
-                                          <p:attrName>ppt_x</p:attrName>
-                                        </p:attrNameLst>
-                                      </p:cBhvr>
-                                      <p:tavLst>
-                                        <p:tav tm="0">
-                                          <p:val>
-                                            <p:strVal val="1+#ppt_w/2"/>
-                                          </p:val>
-                                        </p:tav>
-                                        <p:tav tm="100000">
-                                          <p:val>
-                                            <p:strVal val="#ppt_x"/>
-                                          </p:val>
-                                        </p:tav>
-                                      </p:tavLst>
-                                    </p:anim>
-                                    <p:anim calcmode="lin" valueType="num">
-                                      <p:cBhvr additive="base">
-                                        <p:cTn id="58" dur="500" fill="hold"/>
-                                        <p:tgtEl>
-                                          <p:spTgt spid="27"/>
-                                        </p:tgtEl>
-                                        <p:attrNameLst>
-                                          <p:attrName>ppt_y</p:attrName>
-                                        </p:attrNameLst>
-                                      </p:cBhvr>
-                                      <p:tavLst>
-                                        <p:tav tm="0">
-                                          <p:val>
-                                            <p:strVal val="1+#ppt_h/2"/>
-                                          </p:val>
-                                        </p:tav>
-                                        <p:tav tm="100000">
-                                          <p:val>
-                                            <p:strVal val="#ppt_y"/>
-                                          </p:val>
-                                        </p:tav>
-                                      </p:tavLst>
-                                    </p:anim>
-                                  </p:childTnLst>
-                                </p:cTn>
-                              </p:par>
-                              <p:par>
-                                <p:cTn id="59" presetID="2" presetClass="entr" presetSubtype="6" fill="hold" grpId="0" nodeType="withEffect">
-                                  <p:stCondLst>
-                                    <p:cond delay="0"/>
-                                  </p:stCondLst>
-                                  <p:childTnLst>
-                                    <p:set>
-                                      <p:cBhvr>
-                                        <p:cTn id="60" dur="1" fill="hold">
-                                          <p:stCondLst>
-                                            <p:cond delay="0"/>
-                                          </p:stCondLst>
-                                        </p:cTn>
-                                        <p:tgtEl>
-                                          <p:spTgt spid="29"/>
-                                        </p:tgtEl>
-                                        <p:attrNameLst>
-                                          <p:attrName>style.visibility</p:attrName>
-                                        </p:attrNameLst>
-                                      </p:cBhvr>
-                                      <p:to>
-                                        <p:strVal val="visible"/>
-                                      </p:to>
-                                    </p:set>
-                                    <p:anim calcmode="lin" valueType="num">
-                                      <p:cBhvr additive="base">
-                                        <p:cTn id="61" dur="500" fill="hold"/>
-                                        <p:tgtEl>
-                                          <p:spTgt spid="29"/>
-                                        </p:tgtEl>
-                                        <p:attrNameLst>
-                                          <p:attrName>ppt_x</p:attrName>
-                                        </p:attrNameLst>
-                                      </p:cBhvr>
-                                      <p:tavLst>
-                                        <p:tav tm="0">
-                                          <p:val>
-                                            <p:strVal val="1+#ppt_w/2"/>
-                                          </p:val>
-                                        </p:tav>
-                                        <p:tav tm="100000">
-                                          <p:val>
-                                            <p:strVal val="#ppt_x"/>
-                                          </p:val>
-                                        </p:tav>
-                                      </p:tavLst>
-                                    </p:anim>
-                                    <p:anim calcmode="lin" valueType="num">
-                                      <p:cBhvr additive="base">
-                                        <p:cTn id="62" dur="500" fill="hold"/>
-                                        <p:tgtEl>
-                                          <p:spTgt spid="29"/>
-                                        </p:tgtEl>
-                                        <p:attrNameLst>
-                                          <p:attrName>ppt_y</p:attrName>
-                                        </p:attrNameLst>
-                                      </p:cBhvr>
-                                      <p:tavLst>
-                                        <p:tav tm="0">
-                                          <p:val>
-                                            <p:strVal val="1+#ppt_h/2"/>
-                                          </p:val>
-                                        </p:tav>
-                                        <p:tav tm="100000">
-                                          <p:val>
-                                            <p:strVal val="#ppt_y"/>
-                                          </p:val>
-                                        </p:tav>
-                                      </p:tavLst>
-                                    </p:anim>
-                                  </p:childTnLst>
-                                </p:cTn>
-                              </p:par>
-                              <p:par>
-                                <p:cTn id="63" presetID="2" presetClass="entr" presetSubtype="6" fill="hold" grpId="0" nodeType="withEffect">
-                                  <p:stCondLst>
-                                    <p:cond delay="0"/>
-                                  </p:stCondLst>
-                                  <p:childTnLst>
-                                    <p:set>
-                                      <p:cBhvr>
-                                        <p:cTn id="64" dur="1" fill="hold">
-                                          <p:stCondLst>
-                                            <p:cond delay="0"/>
-                                          </p:stCondLst>
-                                        </p:cTn>
-                                        <p:tgtEl>
-                                          <p:spTgt spid="31"/>
-                                        </p:tgtEl>
-                                        <p:attrNameLst>
-                                          <p:attrName>style.visibility</p:attrName>
-                                        </p:attrNameLst>
-                                      </p:cBhvr>
-                                      <p:to>
-                                        <p:strVal val="visible"/>
-                                      </p:to>
-                                    </p:set>
-                                    <p:anim calcmode="lin" valueType="num">
-                                      <p:cBhvr additive="base">
-                                        <p:cTn id="65" dur="500" fill="hold"/>
-                                        <p:tgtEl>
-                                          <p:spTgt spid="31"/>
-                                        </p:tgtEl>
-                                        <p:attrNameLst>
-                                          <p:attrName>ppt_x</p:attrName>
-                                        </p:attrNameLst>
-                                      </p:cBhvr>
-                                      <p:tavLst>
-                                        <p:tav tm="0">
-                                          <p:val>
-                                            <p:strVal val="1+#ppt_w/2"/>
-                                          </p:val>
-                                        </p:tav>
-                                        <p:tav tm="100000">
-                                          <p:val>
-                                            <p:strVal val="#ppt_x"/>
-                                          </p:val>
-                                        </p:tav>
-                                      </p:tavLst>
-                                    </p:anim>
-                                    <p:anim calcmode="lin" valueType="num">
-                                      <p:cBhvr additive="base">
-                                        <p:cTn id="66" dur="500" fill="hold"/>
-                                        <p:tgtEl>
-                                          <p:spTgt spid="31"/>
-                                        </p:tgtEl>
-                                        <p:attrNameLst>
-                                          <p:attrName>ppt_y</p:attrName>
-                                        </p:attrNameLst>
-                                      </p:cBhvr>
-                                      <p:tavLst>
-                                        <p:tav tm="0">
-                                          <p:val>
-                                            <p:strVal val="1+#ppt_h/2"/>
-                                          </p:val>
-                                        </p:tav>
-                                        <p:tav tm="100000">
-                                          <p:val>
-                                            <p:strVal val="#ppt_y"/>
-                                          </p:val>
-                                        </p:tav>
-                                      </p:tavLst>
-                                    </p:anim>
                                   </p:childTnLst>
                                 </p:cTn>
                               </p:par>
@@ -30227,15 +30710,8 @@
       </p:par>
     </p:tnLst>
     <p:bldLst>
-      <p:bldP spid="77" grpId="0"/>
-      <p:bldP spid="84" grpId="0" animBg="1"/>
-      <p:bldP spid="84" grpId="1" animBg="1"/>
-      <p:bldP spid="4" grpId="0" animBg="1"/>
-      <p:bldP spid="22" grpId="0" animBg="1"/>
-      <p:bldP spid="27" grpId="0"/>
-      <p:bldP spid="29" grpId="0"/>
-      <p:bldP spid="31" grpId="0"/>
-      <p:bldP spid="35" grpId="0"/>
+      <p:bldP spid="27" grpId="0" animBg="1"/>
+      <p:bldP spid="6" grpId="0" animBg="1"/>
     </p:bldLst>
   </p:timing>
 </p:sld>

--- a/PPT/每次课PPT/02 面向对象（上）.pptx
+++ b/PPT/每次课PPT/02 面向对象（上）.pptx
@@ -3,27 +3,30 @@
 <p:presentation xmlns:a="http://schemas.openxmlformats.org/drawingml/2006/main" xmlns:r="http://schemas.openxmlformats.org/officeDocument/2006/relationships" xmlns:p="http://schemas.openxmlformats.org/presentationml/2006/main" saveSubsetFonts="1">
   <p:sldMasterIdLst>
     <p:sldMasterId id="2147483672" r:id="rId1"/>
+    <p:sldMasterId id="2147483684" r:id="rId2"/>
   </p:sldMasterIdLst>
   <p:notesMasterIdLst>
-    <p:notesMasterId r:id="rId15"/>
+    <p:notesMasterId r:id="rId18"/>
   </p:notesMasterIdLst>
   <p:handoutMasterIdLst>
-    <p:handoutMasterId r:id="rId16"/>
+    <p:handoutMasterId r:id="rId19"/>
   </p:handoutMasterIdLst>
   <p:sldIdLst>
-    <p:sldId id="642" r:id="rId2"/>
-    <p:sldId id="660" r:id="rId3"/>
-    <p:sldId id="606" r:id="rId4"/>
-    <p:sldId id="662" r:id="rId5"/>
-    <p:sldId id="663" r:id="rId6"/>
-    <p:sldId id="664" r:id="rId7"/>
-    <p:sldId id="619" r:id="rId8"/>
-    <p:sldId id="665" r:id="rId9"/>
-    <p:sldId id="668" r:id="rId10"/>
-    <p:sldId id="621" r:id="rId11"/>
-    <p:sldId id="622" r:id="rId12"/>
-    <p:sldId id="666" r:id="rId13"/>
-    <p:sldId id="667" r:id="rId14"/>
+    <p:sldId id="642" r:id="rId3"/>
+    <p:sldId id="660" r:id="rId4"/>
+    <p:sldId id="606" r:id="rId5"/>
+    <p:sldId id="662" r:id="rId6"/>
+    <p:sldId id="663" r:id="rId7"/>
+    <p:sldId id="664" r:id="rId8"/>
+    <p:sldId id="619" r:id="rId9"/>
+    <p:sldId id="665" r:id="rId10"/>
+    <p:sldId id="668" r:id="rId11"/>
+    <p:sldId id="670" r:id="rId12"/>
+    <p:sldId id="621" r:id="rId13"/>
+    <p:sldId id="622" r:id="rId14"/>
+    <p:sldId id="666" r:id="rId15"/>
+    <p:sldId id="667" r:id="rId16"/>
+    <p:sldId id="669" r:id="rId17"/>
   </p:sldIdLst>
   <p:sldSz cx="12196763" cy="6858000"/>
   <p:notesSz cx="6858000" cy="9144000"/>
@@ -243,7 +246,7 @@
             <a:fld id="{1AA66804-583B-42BE-962B-441699487C40}" type="datetimeFigureOut">
               <a:rPr lang="zh-CN" altLang="en-US" smtClean="0"/>
               <a:pPr/>
-              <a:t>2018/9/10</a:t>
+              <a:t>2019/9/8</a:t>
             </a:fld>
             <a:endParaRPr lang="zh-CN" altLang="en-US"/>
           </a:p>
@@ -487,7 +490,7 @@
             <a:fld id="{B9EEDA17-7CE7-49CA-897E-A1888A19DA62}" type="datetimeFigureOut">
               <a:rPr lang="zh-CN" altLang="en-US"/>
               <a:pPr/>
-              <a:t>2018/9/10</a:t>
+              <a:t>2019/9/8</a:t>
             </a:fld>
             <a:endParaRPr lang="en-US"/>
           </a:p>
@@ -1083,11 +1086,19 @@
           <a:lstStyle/>
           <a:p>
             <a:fld id="{CE1689F0-D8FB-450F-A36F-553F26501FEE}" type="slidenum">
-              <a:rPr lang="zh-CN" altLang="en-US" smtClean="0"/>
+              <a:rPr lang="zh-CN" altLang="en-US" smtClean="0">
+                <a:solidFill>
+                  <a:prstClr val="black"/>
+                </a:solidFill>
+              </a:rPr>
               <a:pPr/>
               <a:t>10</a:t>
             </a:fld>
-            <a:endParaRPr lang="en-US"/>
+            <a:endParaRPr lang="en-US">
+              <a:solidFill>
+                <a:prstClr val="black"/>
+              </a:solidFill>
+            </a:endParaRPr>
           </a:p>
         </p:txBody>
       </p:sp>
@@ -1263,19 +1274,11 @@
           <a:lstStyle/>
           <a:p>
             <a:fld id="{CE1689F0-D8FB-450F-A36F-553F26501FEE}" type="slidenum">
-              <a:rPr lang="zh-CN" altLang="en-US" smtClean="0">
-                <a:solidFill>
-                  <a:prstClr val="black"/>
-                </a:solidFill>
-              </a:rPr>
+              <a:rPr lang="zh-CN" altLang="en-US" smtClean="0"/>
               <a:pPr/>
               <a:t>12</a:t>
             </a:fld>
-            <a:endParaRPr lang="en-US">
-              <a:solidFill>
-                <a:prstClr val="black"/>
-              </a:solidFill>
-            </a:endParaRPr>
+            <a:endParaRPr lang="en-US"/>
           </a:p>
         </p:txBody>
       </p:sp>
@@ -1368,6 +1371,202 @@
               </a:rPr>
               <a:pPr/>
               <a:t>13</a:t>
+            </a:fld>
+            <a:endParaRPr lang="en-US">
+              <a:solidFill>
+                <a:prstClr val="black"/>
+              </a:solidFill>
+            </a:endParaRPr>
+          </a:p>
+        </p:txBody>
+      </p:sp>
+    </p:spTree>
+    <p:extLst>
+      <p:ext uri="{BB962C8B-B14F-4D97-AF65-F5344CB8AC3E}">
+        <p14:creationId xmlns:p14="http://schemas.microsoft.com/office/powerpoint/2010/main" val="2292324362"/>
+      </p:ext>
+    </p:extLst>
+  </p:cSld>
+  <p:clrMapOvr>
+    <a:masterClrMapping/>
+  </p:clrMapOvr>
+</p:notes>
+</file>
+
+<file path=ppt/notesSlides/notesSlide14.xml><?xml version="1.0" encoding="utf-8"?>
+<p:notes xmlns:a="http://schemas.openxmlformats.org/drawingml/2006/main" xmlns:r="http://schemas.openxmlformats.org/officeDocument/2006/relationships" xmlns:p="http://schemas.openxmlformats.org/presentationml/2006/main">
+  <p:cSld>
+    <p:spTree>
+      <p:nvGrpSpPr>
+        <p:cNvPr id="1" name=""/>
+        <p:cNvGrpSpPr/>
+        <p:nvPr/>
+      </p:nvGrpSpPr>
+      <p:grpSpPr>
+        <a:xfrm>
+          <a:off x="0" y="0"/>
+          <a:ext cx="0" cy="0"/>
+          <a:chOff x="0" y="0"/>
+          <a:chExt cx="0" cy="0"/>
+        </a:xfrm>
+      </p:grpSpPr>
+      <p:sp>
+        <p:nvSpPr>
+          <p:cNvPr id="2" name="幻灯片图像占位符 1"/>
+          <p:cNvSpPr>
+            <a:spLocks noGrp="1" noRot="1" noChangeAspect="1"/>
+          </p:cNvSpPr>
+          <p:nvPr>
+            <p:ph type="sldImg"/>
+          </p:nvPr>
+        </p:nvSpPr>
+        <p:spPr>
+          <a:xfrm>
+            <a:off x="381000" y="685800"/>
+            <a:ext cx="6096000" cy="3429000"/>
+          </a:xfrm>
+        </p:spPr>
+      </p:sp>
+      <p:sp>
+        <p:nvSpPr>
+          <p:cNvPr id="3" name="备注占位符 2"/>
+          <p:cNvSpPr>
+            <a:spLocks noGrp="1"/>
+          </p:cNvSpPr>
+          <p:nvPr>
+            <p:ph type="body" idx="1"/>
+          </p:nvPr>
+        </p:nvSpPr>
+        <p:spPr/>
+        <p:txBody>
+          <a:bodyPr/>
+          <a:lstStyle/>
+          <a:p>
+            <a:endParaRPr lang="zh-CN" altLang="en-US"/>
+          </a:p>
+        </p:txBody>
+      </p:sp>
+      <p:sp>
+        <p:nvSpPr>
+          <p:cNvPr id="4" name="灯片编号占位符 3"/>
+          <p:cNvSpPr>
+            <a:spLocks noGrp="1"/>
+          </p:cNvSpPr>
+          <p:nvPr>
+            <p:ph type="sldNum" sz="quarter" idx="10"/>
+          </p:nvPr>
+        </p:nvSpPr>
+        <p:spPr/>
+        <p:txBody>
+          <a:bodyPr/>
+          <a:lstStyle/>
+          <a:p>
+            <a:fld id="{CE1689F0-D8FB-450F-A36F-553F26501FEE}" type="slidenum">
+              <a:rPr lang="zh-CN" altLang="en-US" smtClean="0">
+                <a:solidFill>
+                  <a:prstClr val="black"/>
+                </a:solidFill>
+              </a:rPr>
+              <a:pPr/>
+              <a:t>14</a:t>
+            </a:fld>
+            <a:endParaRPr lang="en-US">
+              <a:solidFill>
+                <a:prstClr val="black"/>
+              </a:solidFill>
+            </a:endParaRPr>
+          </a:p>
+        </p:txBody>
+      </p:sp>
+    </p:spTree>
+    <p:extLst>
+      <p:ext uri="{BB962C8B-B14F-4D97-AF65-F5344CB8AC3E}">
+        <p14:creationId xmlns:p14="http://schemas.microsoft.com/office/powerpoint/2010/main" val="2292324362"/>
+      </p:ext>
+    </p:extLst>
+  </p:cSld>
+  <p:clrMapOvr>
+    <a:masterClrMapping/>
+  </p:clrMapOvr>
+</p:notes>
+</file>
+
+<file path=ppt/notesSlides/notesSlide15.xml><?xml version="1.0" encoding="utf-8"?>
+<p:notes xmlns:a="http://schemas.openxmlformats.org/drawingml/2006/main" xmlns:r="http://schemas.openxmlformats.org/officeDocument/2006/relationships" xmlns:p="http://schemas.openxmlformats.org/presentationml/2006/main">
+  <p:cSld>
+    <p:spTree>
+      <p:nvGrpSpPr>
+        <p:cNvPr id="1" name=""/>
+        <p:cNvGrpSpPr/>
+        <p:nvPr/>
+      </p:nvGrpSpPr>
+      <p:grpSpPr>
+        <a:xfrm>
+          <a:off x="0" y="0"/>
+          <a:ext cx="0" cy="0"/>
+          <a:chOff x="0" y="0"/>
+          <a:chExt cx="0" cy="0"/>
+        </a:xfrm>
+      </p:grpSpPr>
+      <p:sp>
+        <p:nvSpPr>
+          <p:cNvPr id="2" name="幻灯片图像占位符 1"/>
+          <p:cNvSpPr>
+            <a:spLocks noGrp="1" noRot="1" noChangeAspect="1"/>
+          </p:cNvSpPr>
+          <p:nvPr>
+            <p:ph type="sldImg"/>
+          </p:nvPr>
+        </p:nvSpPr>
+        <p:spPr>
+          <a:xfrm>
+            <a:off x="381000" y="685800"/>
+            <a:ext cx="6096000" cy="3429000"/>
+          </a:xfrm>
+        </p:spPr>
+      </p:sp>
+      <p:sp>
+        <p:nvSpPr>
+          <p:cNvPr id="3" name="备注占位符 2"/>
+          <p:cNvSpPr>
+            <a:spLocks noGrp="1"/>
+          </p:cNvSpPr>
+          <p:nvPr>
+            <p:ph type="body" idx="1"/>
+          </p:nvPr>
+        </p:nvSpPr>
+        <p:spPr/>
+        <p:txBody>
+          <a:bodyPr/>
+          <a:lstStyle/>
+          <a:p>
+            <a:endParaRPr lang="zh-CN" altLang="en-US"/>
+          </a:p>
+        </p:txBody>
+      </p:sp>
+      <p:sp>
+        <p:nvSpPr>
+          <p:cNvPr id="4" name="灯片编号占位符 3"/>
+          <p:cNvSpPr>
+            <a:spLocks noGrp="1"/>
+          </p:cNvSpPr>
+          <p:nvPr>
+            <p:ph type="sldNum" sz="quarter" idx="10"/>
+          </p:nvPr>
+        </p:nvSpPr>
+        <p:spPr/>
+        <p:txBody>
+          <a:bodyPr/>
+          <a:lstStyle/>
+          <a:p>
+            <a:fld id="{CE1689F0-D8FB-450F-A36F-553F26501FEE}" type="slidenum">
+              <a:rPr lang="zh-CN" altLang="en-US" smtClean="0">
+                <a:solidFill>
+                  <a:prstClr val="black"/>
+                </a:solidFill>
+              </a:rPr>
+              <a:pPr/>
+              <a:t>15</a:t>
             </a:fld>
             <a:endParaRPr lang="en-US">
               <a:solidFill>
@@ -4833,6 +5032,1085 @@
 </p:sldLayout>
 </file>
 
+<file path=ppt/slideLayouts/slideLayout13.xml><?xml version="1.0" encoding="utf-8"?>
+<p:sldLayout xmlns:a="http://schemas.openxmlformats.org/drawingml/2006/main" xmlns:r="http://schemas.openxmlformats.org/officeDocument/2006/relationships" xmlns:p="http://schemas.openxmlformats.org/presentationml/2006/main" showMasterSp="0" type="title" preserve="1">
+  <p:cSld name="标题幻灯片">
+    <p:bg bwMode="auto">
+      <p:bgPr>
+        <a:solidFill>
+          <a:schemeClr val="tx2">
+            <a:lumMod val="10000"/>
+            <a:lumOff val="90000"/>
+          </a:schemeClr>
+        </a:solidFill>
+        <a:effectLst/>
+      </p:bgPr>
+    </p:bg>
+    <p:spTree>
+      <p:nvGrpSpPr>
+        <p:cNvPr id="1" name=""/>
+        <p:cNvGrpSpPr/>
+        <p:nvPr/>
+      </p:nvGrpSpPr>
+      <p:grpSpPr>
+        <a:xfrm>
+          <a:off x="0" y="0"/>
+          <a:ext cx="0" cy="0"/>
+          <a:chOff x="0" y="0"/>
+          <a:chExt cx="0" cy="0"/>
+        </a:xfrm>
+      </p:grpSpPr>
+      <p:sp>
+        <p:nvSpPr>
+          <p:cNvPr id="2050" name="Rectangle 2"/>
+          <p:cNvSpPr>
+            <a:spLocks noGrp="1" noChangeArrowheads="1"/>
+          </p:cNvSpPr>
+          <p:nvPr>
+            <p:ph type="ctrTitle"/>
+          </p:nvPr>
+        </p:nvSpPr>
+        <p:spPr>
+          <a:xfrm>
+            <a:off x="4946650" y="2565400"/>
+            <a:ext cx="6334125" cy="863600"/>
+          </a:xfrm>
+        </p:spPr>
+        <p:txBody>
+          <a:bodyPr/>
+          <a:lstStyle>
+            <a:lvl1pPr>
+              <a:defRPr sz="3600"/>
+            </a:lvl1pPr>
+          </a:lstStyle>
+          <a:p>
+            <a:pPr lvl="0"/>
+            <a:r>
+              <a:rPr lang="zh-CN" noProof="0" smtClean="0"/>
+              <a:t>单击此处编辑母版标题样式</a:t>
+            </a:r>
+          </a:p>
+        </p:txBody>
+      </p:sp>
+      <p:sp>
+        <p:nvSpPr>
+          <p:cNvPr id="2051" name="Rectangle 3"/>
+          <p:cNvSpPr>
+            <a:spLocks noGrp="1" noChangeArrowheads="1"/>
+          </p:cNvSpPr>
+          <p:nvPr>
+            <p:ph type="subTitle" idx="1"/>
+          </p:nvPr>
+        </p:nvSpPr>
+        <p:spPr>
+          <a:xfrm>
+            <a:off x="4948238" y="3644900"/>
+            <a:ext cx="6335712" cy="647700"/>
+          </a:xfrm>
+        </p:spPr>
+        <p:txBody>
+          <a:bodyPr/>
+          <a:lstStyle>
+            <a:lvl1pPr marL="0" indent="0">
+              <a:buFontTx/>
+              <a:buNone/>
+              <a:defRPr sz="2400"/>
+            </a:lvl1pPr>
+          </a:lstStyle>
+          <a:p>
+            <a:pPr lvl="0"/>
+            <a:r>
+              <a:rPr lang="zh-CN" noProof="0" smtClean="0"/>
+              <a:t>单击此处编辑母版副标题样式</a:t>
+            </a:r>
+          </a:p>
+        </p:txBody>
+      </p:sp>
+    </p:spTree>
+    <p:extLst>
+      <p:ext uri="{BB962C8B-B14F-4D97-AF65-F5344CB8AC3E}">
+        <p14:creationId xmlns:p14="http://schemas.microsoft.com/office/powerpoint/2010/main" val="501689808"/>
+      </p:ext>
+    </p:extLst>
+  </p:cSld>
+  <p:clrMapOvr>
+    <a:masterClrMapping/>
+  </p:clrMapOvr>
+</p:sldLayout>
+</file>
+
+<file path=ppt/slideLayouts/slideLayout14.xml><?xml version="1.0" encoding="utf-8"?>
+<p:sldLayout xmlns:a="http://schemas.openxmlformats.org/drawingml/2006/main" xmlns:r="http://schemas.openxmlformats.org/officeDocument/2006/relationships" xmlns:p="http://schemas.openxmlformats.org/presentationml/2006/main" type="obj" preserve="1">
+  <p:cSld name="标题和内容">
+    <p:bg>
+      <p:bgPr>
+        <a:blipFill dpi="0" rotWithShape="0">
+          <a:blip r:embed="rId2" cstate="print">
+            <a:lum/>
+          </a:blip>
+          <a:srcRect/>
+          <a:stretch>
+            <a:fillRect/>
+          </a:stretch>
+        </a:blipFill>
+        <a:effectLst/>
+      </p:bgPr>
+    </p:bg>
+    <p:spTree>
+      <p:nvGrpSpPr>
+        <p:cNvPr id="1" name=""/>
+        <p:cNvGrpSpPr/>
+        <p:nvPr/>
+      </p:nvGrpSpPr>
+      <p:grpSpPr>
+        <a:xfrm>
+          <a:off x="0" y="0"/>
+          <a:ext cx="0" cy="0"/>
+          <a:chOff x="0" y="0"/>
+          <a:chExt cx="0" cy="0"/>
+        </a:xfrm>
+      </p:grpSpPr>
+      <p:sp>
+        <p:nvSpPr>
+          <p:cNvPr id="2" name="标题 1"/>
+          <p:cNvSpPr>
+            <a:spLocks noGrp="1"/>
+          </p:cNvSpPr>
+          <p:nvPr>
+            <p:ph type="title"/>
+          </p:nvPr>
+        </p:nvSpPr>
+        <p:spPr/>
+        <p:txBody>
+          <a:bodyPr/>
+          <a:lstStyle>
+            <a:lvl1pPr>
+              <a:defRPr>
+                <a:solidFill>
+                  <a:schemeClr val="accent1"/>
+                </a:solidFill>
+              </a:defRPr>
+            </a:lvl1pPr>
+          </a:lstStyle>
+          <a:p>
+            <a:r>
+              <a:rPr lang="zh-CN" altLang="en-US" smtClean="0"/>
+              <a:t>单击此处编辑母版标题样式</a:t>
+            </a:r>
+            <a:endParaRPr lang="zh-CN" altLang="en-US"/>
+          </a:p>
+        </p:txBody>
+      </p:sp>
+      <p:sp>
+        <p:nvSpPr>
+          <p:cNvPr id="3" name="内容占位符 2"/>
+          <p:cNvSpPr>
+            <a:spLocks noGrp="1"/>
+          </p:cNvSpPr>
+          <p:nvPr>
+            <p:ph idx="1"/>
+          </p:nvPr>
+        </p:nvSpPr>
+        <p:spPr/>
+        <p:txBody>
+          <a:bodyPr/>
+          <a:lstStyle>
+            <a:lvl1pPr>
+              <a:defRPr>
+                <a:solidFill>
+                  <a:schemeClr val="accent1"/>
+                </a:solidFill>
+              </a:defRPr>
+            </a:lvl1pPr>
+            <a:lvl2pPr>
+              <a:defRPr>
+                <a:solidFill>
+                  <a:schemeClr val="accent1"/>
+                </a:solidFill>
+              </a:defRPr>
+            </a:lvl2pPr>
+            <a:lvl3pPr>
+              <a:defRPr>
+                <a:solidFill>
+                  <a:schemeClr val="accent1"/>
+                </a:solidFill>
+              </a:defRPr>
+            </a:lvl3pPr>
+            <a:lvl4pPr>
+              <a:defRPr>
+                <a:solidFill>
+                  <a:schemeClr val="accent1"/>
+                </a:solidFill>
+              </a:defRPr>
+            </a:lvl4pPr>
+            <a:lvl5pPr>
+              <a:defRPr>
+                <a:solidFill>
+                  <a:schemeClr val="accent1"/>
+                </a:solidFill>
+              </a:defRPr>
+            </a:lvl5pPr>
+          </a:lstStyle>
+          <a:p>
+            <a:pPr lvl="0"/>
+            <a:r>
+              <a:rPr lang="zh-CN" altLang="en-US" smtClean="0"/>
+              <a:t>单击此处编辑母版文本样式</a:t>
+            </a:r>
+          </a:p>
+          <a:p>
+            <a:pPr lvl="1"/>
+            <a:r>
+              <a:rPr lang="zh-CN" altLang="en-US" smtClean="0"/>
+              <a:t>第二级</a:t>
+            </a:r>
+          </a:p>
+          <a:p>
+            <a:pPr lvl="2"/>
+            <a:r>
+              <a:rPr lang="zh-CN" altLang="en-US" smtClean="0"/>
+              <a:t>第三级</a:t>
+            </a:r>
+          </a:p>
+          <a:p>
+            <a:pPr lvl="3"/>
+            <a:r>
+              <a:rPr lang="zh-CN" altLang="en-US" smtClean="0"/>
+              <a:t>第四级</a:t>
+            </a:r>
+          </a:p>
+          <a:p>
+            <a:pPr lvl="4"/>
+            <a:r>
+              <a:rPr lang="zh-CN" altLang="en-US" smtClean="0"/>
+              <a:t>第五级</a:t>
+            </a:r>
+            <a:endParaRPr lang="zh-CN" altLang="en-US"/>
+          </a:p>
+        </p:txBody>
+      </p:sp>
+    </p:spTree>
+    <p:extLst>
+      <p:ext uri="{BB962C8B-B14F-4D97-AF65-F5344CB8AC3E}">
+        <p14:creationId xmlns:p14="http://schemas.microsoft.com/office/powerpoint/2010/main" val="384944674"/>
+      </p:ext>
+    </p:extLst>
+  </p:cSld>
+  <p:clrMapOvr>
+    <a:masterClrMapping/>
+  </p:clrMapOvr>
+  <p:timing>
+    <p:tnLst>
+      <p:par>
+        <p:cTn id="1" dur="indefinite" restart="never" nodeType="tmRoot"/>
+      </p:par>
+    </p:tnLst>
+  </p:timing>
+</p:sldLayout>
+</file>
+
+<file path=ppt/slideLayouts/slideLayout15.xml><?xml version="1.0" encoding="utf-8"?>
+<p:sldLayout xmlns:a="http://schemas.openxmlformats.org/drawingml/2006/main" xmlns:r="http://schemas.openxmlformats.org/officeDocument/2006/relationships" xmlns:p="http://schemas.openxmlformats.org/presentationml/2006/main" type="secHead" preserve="1">
+  <p:cSld name="节标题">
+    <p:spTree>
+      <p:nvGrpSpPr>
+        <p:cNvPr id="1" name=""/>
+        <p:cNvGrpSpPr/>
+        <p:nvPr/>
+      </p:nvGrpSpPr>
+      <p:grpSpPr>
+        <a:xfrm>
+          <a:off x="0" y="0"/>
+          <a:ext cx="0" cy="0"/>
+          <a:chOff x="0" y="0"/>
+          <a:chExt cx="0" cy="0"/>
+        </a:xfrm>
+      </p:grpSpPr>
+      <p:sp>
+        <p:nvSpPr>
+          <p:cNvPr id="2" name="标题 1"/>
+          <p:cNvSpPr>
+            <a:spLocks noGrp="1"/>
+          </p:cNvSpPr>
+          <p:nvPr>
+            <p:ph type="title"/>
+          </p:nvPr>
+        </p:nvSpPr>
+        <p:spPr>
+          <a:xfrm>
+            <a:off x="963613" y="4406900"/>
+            <a:ext cx="10366375" cy="1362075"/>
+          </a:xfrm>
+        </p:spPr>
+        <p:txBody>
+          <a:bodyPr anchor="t"/>
+          <a:lstStyle>
+            <a:lvl1pPr algn="l">
+              <a:defRPr sz="4000" b="1" cap="all"/>
+            </a:lvl1pPr>
+          </a:lstStyle>
+          <a:p>
+            <a:r>
+              <a:rPr lang="zh-CN" altLang="en-US" smtClean="0"/>
+              <a:t>单击此处编辑母版标题样式</a:t>
+            </a:r>
+            <a:endParaRPr lang="zh-CN" altLang="en-US"/>
+          </a:p>
+        </p:txBody>
+      </p:sp>
+      <p:sp>
+        <p:nvSpPr>
+          <p:cNvPr id="3" name="文本占位符 2"/>
+          <p:cNvSpPr>
+            <a:spLocks noGrp="1"/>
+          </p:cNvSpPr>
+          <p:nvPr>
+            <p:ph type="body" idx="1"/>
+          </p:nvPr>
+        </p:nvSpPr>
+        <p:spPr>
+          <a:xfrm>
+            <a:off x="963613" y="2906713"/>
+            <a:ext cx="10366375" cy="1500187"/>
+          </a:xfrm>
+        </p:spPr>
+        <p:txBody>
+          <a:bodyPr anchor="b"/>
+          <a:lstStyle>
+            <a:lvl1pPr marL="0" indent="0">
+              <a:buNone/>
+              <a:defRPr sz="2000"/>
+            </a:lvl1pPr>
+            <a:lvl2pPr marL="457200" indent="0">
+              <a:buNone/>
+              <a:defRPr sz="1800"/>
+            </a:lvl2pPr>
+            <a:lvl3pPr marL="914400" indent="0">
+              <a:buNone/>
+              <a:defRPr sz="1600"/>
+            </a:lvl3pPr>
+            <a:lvl4pPr marL="1371600" indent="0">
+              <a:buNone/>
+              <a:defRPr sz="1400"/>
+            </a:lvl4pPr>
+            <a:lvl5pPr marL="1828800" indent="0">
+              <a:buNone/>
+              <a:defRPr sz="1400"/>
+            </a:lvl5pPr>
+            <a:lvl6pPr marL="2286000" indent="0">
+              <a:buNone/>
+              <a:defRPr sz="1400"/>
+            </a:lvl6pPr>
+            <a:lvl7pPr marL="2743200" indent="0">
+              <a:buNone/>
+              <a:defRPr sz="1400"/>
+            </a:lvl7pPr>
+            <a:lvl8pPr marL="3200400" indent="0">
+              <a:buNone/>
+              <a:defRPr sz="1400"/>
+            </a:lvl8pPr>
+            <a:lvl9pPr marL="3657600" indent="0">
+              <a:buNone/>
+              <a:defRPr sz="1400"/>
+            </a:lvl9pPr>
+          </a:lstStyle>
+          <a:p>
+            <a:pPr lvl="0"/>
+            <a:r>
+              <a:rPr lang="zh-CN" altLang="en-US" smtClean="0"/>
+              <a:t>单击此处编辑母版文本样式</a:t>
+            </a:r>
+          </a:p>
+        </p:txBody>
+      </p:sp>
+    </p:spTree>
+    <p:extLst>
+      <p:ext uri="{BB962C8B-B14F-4D97-AF65-F5344CB8AC3E}">
+        <p14:creationId xmlns:p14="http://schemas.microsoft.com/office/powerpoint/2010/main" val="1258707299"/>
+      </p:ext>
+    </p:extLst>
+  </p:cSld>
+  <p:clrMapOvr>
+    <a:masterClrMapping/>
+  </p:clrMapOvr>
+  <p:timing>
+    <p:tnLst>
+      <p:par>
+        <p:cTn id="1" dur="indefinite" restart="never" nodeType="tmRoot"/>
+      </p:par>
+    </p:tnLst>
+  </p:timing>
+</p:sldLayout>
+</file>
+
+<file path=ppt/slideLayouts/slideLayout16.xml><?xml version="1.0" encoding="utf-8"?>
+<p:sldLayout xmlns:a="http://schemas.openxmlformats.org/drawingml/2006/main" xmlns:r="http://schemas.openxmlformats.org/officeDocument/2006/relationships" xmlns:p="http://schemas.openxmlformats.org/presentationml/2006/main" type="twoObj" preserve="1">
+  <p:cSld name="两栏内容">
+    <p:spTree>
+      <p:nvGrpSpPr>
+        <p:cNvPr id="1" name=""/>
+        <p:cNvGrpSpPr/>
+        <p:nvPr/>
+      </p:nvGrpSpPr>
+      <p:grpSpPr>
+        <a:xfrm>
+          <a:off x="0" y="0"/>
+          <a:ext cx="0" cy="0"/>
+          <a:chOff x="0" y="0"/>
+          <a:chExt cx="0" cy="0"/>
+        </a:xfrm>
+      </p:grpSpPr>
+      <p:sp>
+        <p:nvSpPr>
+          <p:cNvPr id="2" name="标题 1"/>
+          <p:cNvSpPr>
+            <a:spLocks noGrp="1"/>
+          </p:cNvSpPr>
+          <p:nvPr>
+            <p:ph type="title"/>
+          </p:nvPr>
+        </p:nvSpPr>
+        <p:spPr/>
+        <p:txBody>
+          <a:bodyPr/>
+          <a:lstStyle/>
+          <a:p>
+            <a:r>
+              <a:rPr lang="zh-CN" altLang="en-US" smtClean="0"/>
+              <a:t>单击此处编辑母版标题样式</a:t>
+            </a:r>
+            <a:endParaRPr lang="zh-CN" altLang="en-US"/>
+          </a:p>
+        </p:txBody>
+      </p:sp>
+      <p:sp>
+        <p:nvSpPr>
+          <p:cNvPr id="3" name="内容占位符 2"/>
+          <p:cNvSpPr>
+            <a:spLocks noGrp="1"/>
+          </p:cNvSpPr>
+          <p:nvPr>
+            <p:ph sz="half" idx="1"/>
+          </p:nvPr>
+        </p:nvSpPr>
+        <p:spPr>
+          <a:xfrm>
+            <a:off x="609600" y="1600200"/>
+            <a:ext cx="5411788" cy="4525963"/>
+          </a:xfrm>
+        </p:spPr>
+        <p:txBody>
+          <a:bodyPr/>
+          <a:lstStyle>
+            <a:lvl1pPr>
+              <a:defRPr sz="2800"/>
+            </a:lvl1pPr>
+            <a:lvl2pPr>
+              <a:defRPr sz="2400"/>
+            </a:lvl2pPr>
+            <a:lvl3pPr>
+              <a:defRPr sz="2000"/>
+            </a:lvl3pPr>
+            <a:lvl4pPr>
+              <a:defRPr sz="1800"/>
+            </a:lvl4pPr>
+            <a:lvl5pPr>
+              <a:defRPr sz="1800"/>
+            </a:lvl5pPr>
+            <a:lvl6pPr>
+              <a:defRPr sz="1800"/>
+            </a:lvl6pPr>
+            <a:lvl7pPr>
+              <a:defRPr sz="1800"/>
+            </a:lvl7pPr>
+            <a:lvl8pPr>
+              <a:defRPr sz="1800"/>
+            </a:lvl8pPr>
+            <a:lvl9pPr>
+              <a:defRPr sz="1800"/>
+            </a:lvl9pPr>
+          </a:lstStyle>
+          <a:p>
+            <a:pPr lvl="0"/>
+            <a:r>
+              <a:rPr lang="zh-CN" altLang="en-US" smtClean="0"/>
+              <a:t>单击此处编辑母版文本样式</a:t>
+            </a:r>
+          </a:p>
+          <a:p>
+            <a:pPr lvl="1"/>
+            <a:r>
+              <a:rPr lang="zh-CN" altLang="en-US" smtClean="0"/>
+              <a:t>第二级</a:t>
+            </a:r>
+          </a:p>
+          <a:p>
+            <a:pPr lvl="2"/>
+            <a:r>
+              <a:rPr lang="zh-CN" altLang="en-US" smtClean="0"/>
+              <a:t>第三级</a:t>
+            </a:r>
+          </a:p>
+          <a:p>
+            <a:pPr lvl="3"/>
+            <a:r>
+              <a:rPr lang="zh-CN" altLang="en-US" smtClean="0"/>
+              <a:t>第四级</a:t>
+            </a:r>
+          </a:p>
+          <a:p>
+            <a:pPr lvl="4"/>
+            <a:r>
+              <a:rPr lang="zh-CN" altLang="en-US" smtClean="0"/>
+              <a:t>第五级</a:t>
+            </a:r>
+            <a:endParaRPr lang="zh-CN" altLang="en-US"/>
+          </a:p>
+        </p:txBody>
+      </p:sp>
+      <p:sp>
+        <p:nvSpPr>
+          <p:cNvPr id="4" name="内容占位符 3"/>
+          <p:cNvSpPr>
+            <a:spLocks noGrp="1"/>
+          </p:cNvSpPr>
+          <p:nvPr>
+            <p:ph sz="half" idx="2"/>
+          </p:nvPr>
+        </p:nvSpPr>
+        <p:spPr>
+          <a:xfrm>
+            <a:off x="6173788" y="1600200"/>
+            <a:ext cx="5413375" cy="4525963"/>
+          </a:xfrm>
+        </p:spPr>
+        <p:txBody>
+          <a:bodyPr/>
+          <a:lstStyle>
+            <a:lvl1pPr>
+              <a:defRPr sz="2800"/>
+            </a:lvl1pPr>
+            <a:lvl2pPr>
+              <a:defRPr sz="2400"/>
+            </a:lvl2pPr>
+            <a:lvl3pPr>
+              <a:defRPr sz="2000"/>
+            </a:lvl3pPr>
+            <a:lvl4pPr>
+              <a:defRPr sz="1800"/>
+            </a:lvl4pPr>
+            <a:lvl5pPr>
+              <a:defRPr sz="1800"/>
+            </a:lvl5pPr>
+            <a:lvl6pPr>
+              <a:defRPr sz="1800"/>
+            </a:lvl6pPr>
+            <a:lvl7pPr>
+              <a:defRPr sz="1800"/>
+            </a:lvl7pPr>
+            <a:lvl8pPr>
+              <a:defRPr sz="1800"/>
+            </a:lvl8pPr>
+            <a:lvl9pPr>
+              <a:defRPr sz="1800"/>
+            </a:lvl9pPr>
+          </a:lstStyle>
+          <a:p>
+            <a:pPr lvl="0"/>
+            <a:r>
+              <a:rPr lang="zh-CN" altLang="en-US" smtClean="0"/>
+              <a:t>单击此处编辑母版文本样式</a:t>
+            </a:r>
+          </a:p>
+          <a:p>
+            <a:pPr lvl="1"/>
+            <a:r>
+              <a:rPr lang="zh-CN" altLang="en-US" smtClean="0"/>
+              <a:t>第二级</a:t>
+            </a:r>
+          </a:p>
+          <a:p>
+            <a:pPr lvl="2"/>
+            <a:r>
+              <a:rPr lang="zh-CN" altLang="en-US" smtClean="0"/>
+              <a:t>第三级</a:t>
+            </a:r>
+          </a:p>
+          <a:p>
+            <a:pPr lvl="3"/>
+            <a:r>
+              <a:rPr lang="zh-CN" altLang="en-US" smtClean="0"/>
+              <a:t>第四级</a:t>
+            </a:r>
+          </a:p>
+          <a:p>
+            <a:pPr lvl="4"/>
+            <a:r>
+              <a:rPr lang="zh-CN" altLang="en-US" smtClean="0"/>
+              <a:t>第五级</a:t>
+            </a:r>
+            <a:endParaRPr lang="zh-CN" altLang="en-US"/>
+          </a:p>
+        </p:txBody>
+      </p:sp>
+    </p:spTree>
+    <p:extLst>
+      <p:ext uri="{BB962C8B-B14F-4D97-AF65-F5344CB8AC3E}">
+        <p14:creationId xmlns:p14="http://schemas.microsoft.com/office/powerpoint/2010/main" val="3955876457"/>
+      </p:ext>
+    </p:extLst>
+  </p:cSld>
+  <p:clrMapOvr>
+    <a:masterClrMapping/>
+  </p:clrMapOvr>
+</p:sldLayout>
+</file>
+
+<file path=ppt/slideLayouts/slideLayout17.xml><?xml version="1.0" encoding="utf-8"?>
+<p:sldLayout xmlns:a="http://schemas.openxmlformats.org/drawingml/2006/main" xmlns:r="http://schemas.openxmlformats.org/officeDocument/2006/relationships" xmlns:p="http://schemas.openxmlformats.org/presentationml/2006/main" type="twoTxTwoObj" preserve="1">
+  <p:cSld name="比较">
+    <p:spTree>
+      <p:nvGrpSpPr>
+        <p:cNvPr id="1" name=""/>
+        <p:cNvGrpSpPr/>
+        <p:nvPr/>
+      </p:nvGrpSpPr>
+      <p:grpSpPr>
+        <a:xfrm>
+          <a:off x="0" y="0"/>
+          <a:ext cx="0" cy="0"/>
+          <a:chOff x="0" y="0"/>
+          <a:chExt cx="0" cy="0"/>
+        </a:xfrm>
+      </p:grpSpPr>
+      <p:sp>
+        <p:nvSpPr>
+          <p:cNvPr id="2" name="标题 1"/>
+          <p:cNvSpPr>
+            <a:spLocks noGrp="1"/>
+          </p:cNvSpPr>
+          <p:nvPr>
+            <p:ph type="title"/>
+          </p:nvPr>
+        </p:nvSpPr>
+        <p:spPr>
+          <a:xfrm>
+            <a:off x="609600" y="274638"/>
+            <a:ext cx="10977563" cy="1143000"/>
+          </a:xfrm>
+        </p:spPr>
+        <p:txBody>
+          <a:bodyPr/>
+          <a:lstStyle>
+            <a:lvl1pPr>
+              <a:defRPr/>
+            </a:lvl1pPr>
+          </a:lstStyle>
+          <a:p>
+            <a:r>
+              <a:rPr lang="zh-CN" altLang="en-US" smtClean="0"/>
+              <a:t>单击此处编辑母版标题样式</a:t>
+            </a:r>
+            <a:endParaRPr lang="zh-CN" altLang="en-US"/>
+          </a:p>
+        </p:txBody>
+      </p:sp>
+      <p:sp>
+        <p:nvSpPr>
+          <p:cNvPr id="3" name="文本占位符 2"/>
+          <p:cNvSpPr>
+            <a:spLocks noGrp="1"/>
+          </p:cNvSpPr>
+          <p:nvPr>
+            <p:ph type="body" idx="1"/>
+          </p:nvPr>
+        </p:nvSpPr>
+        <p:spPr>
+          <a:xfrm>
+            <a:off x="609600" y="1535113"/>
+            <a:ext cx="5389563" cy="639762"/>
+          </a:xfrm>
+        </p:spPr>
+        <p:txBody>
+          <a:bodyPr anchor="b"/>
+          <a:lstStyle>
+            <a:lvl1pPr marL="0" indent="0">
+              <a:buNone/>
+              <a:defRPr sz="2400" b="1"/>
+            </a:lvl1pPr>
+            <a:lvl2pPr marL="457200" indent="0">
+              <a:buNone/>
+              <a:defRPr sz="2000" b="1"/>
+            </a:lvl2pPr>
+            <a:lvl3pPr marL="914400" indent="0">
+              <a:buNone/>
+              <a:defRPr sz="1800" b="1"/>
+            </a:lvl3pPr>
+            <a:lvl4pPr marL="1371600" indent="0">
+              <a:buNone/>
+              <a:defRPr sz="1600" b="1"/>
+            </a:lvl4pPr>
+            <a:lvl5pPr marL="1828800" indent="0">
+              <a:buNone/>
+              <a:defRPr sz="1600" b="1"/>
+            </a:lvl5pPr>
+            <a:lvl6pPr marL="2286000" indent="0">
+              <a:buNone/>
+              <a:defRPr sz="1600" b="1"/>
+            </a:lvl6pPr>
+            <a:lvl7pPr marL="2743200" indent="0">
+              <a:buNone/>
+              <a:defRPr sz="1600" b="1"/>
+            </a:lvl7pPr>
+            <a:lvl8pPr marL="3200400" indent="0">
+              <a:buNone/>
+              <a:defRPr sz="1600" b="1"/>
+            </a:lvl8pPr>
+            <a:lvl9pPr marL="3657600" indent="0">
+              <a:buNone/>
+              <a:defRPr sz="1600" b="1"/>
+            </a:lvl9pPr>
+          </a:lstStyle>
+          <a:p>
+            <a:pPr lvl="0"/>
+            <a:r>
+              <a:rPr lang="zh-CN" altLang="en-US" smtClean="0"/>
+              <a:t>单击此处编辑母版文本样式</a:t>
+            </a:r>
+          </a:p>
+        </p:txBody>
+      </p:sp>
+      <p:sp>
+        <p:nvSpPr>
+          <p:cNvPr id="4" name="内容占位符 3"/>
+          <p:cNvSpPr>
+            <a:spLocks noGrp="1"/>
+          </p:cNvSpPr>
+          <p:nvPr>
+            <p:ph sz="half" idx="2"/>
+          </p:nvPr>
+        </p:nvSpPr>
+        <p:spPr>
+          <a:xfrm>
+            <a:off x="609600" y="2174875"/>
+            <a:ext cx="5389563" cy="3951288"/>
+          </a:xfrm>
+        </p:spPr>
+        <p:txBody>
+          <a:bodyPr/>
+          <a:lstStyle>
+            <a:lvl1pPr>
+              <a:defRPr sz="2400"/>
+            </a:lvl1pPr>
+            <a:lvl2pPr>
+              <a:defRPr sz="2000"/>
+            </a:lvl2pPr>
+            <a:lvl3pPr>
+              <a:defRPr sz="1800"/>
+            </a:lvl3pPr>
+            <a:lvl4pPr>
+              <a:defRPr sz="1600"/>
+            </a:lvl4pPr>
+            <a:lvl5pPr>
+              <a:defRPr sz="1600"/>
+            </a:lvl5pPr>
+            <a:lvl6pPr>
+              <a:defRPr sz="1600"/>
+            </a:lvl6pPr>
+            <a:lvl7pPr>
+              <a:defRPr sz="1600"/>
+            </a:lvl7pPr>
+            <a:lvl8pPr>
+              <a:defRPr sz="1600"/>
+            </a:lvl8pPr>
+            <a:lvl9pPr>
+              <a:defRPr sz="1600"/>
+            </a:lvl9pPr>
+          </a:lstStyle>
+          <a:p>
+            <a:pPr lvl="0"/>
+            <a:r>
+              <a:rPr lang="zh-CN" altLang="en-US" smtClean="0"/>
+              <a:t>单击此处编辑母版文本样式</a:t>
+            </a:r>
+          </a:p>
+          <a:p>
+            <a:pPr lvl="1"/>
+            <a:r>
+              <a:rPr lang="zh-CN" altLang="en-US" smtClean="0"/>
+              <a:t>第二级</a:t>
+            </a:r>
+          </a:p>
+          <a:p>
+            <a:pPr lvl="2"/>
+            <a:r>
+              <a:rPr lang="zh-CN" altLang="en-US" smtClean="0"/>
+              <a:t>第三级</a:t>
+            </a:r>
+          </a:p>
+          <a:p>
+            <a:pPr lvl="3"/>
+            <a:r>
+              <a:rPr lang="zh-CN" altLang="en-US" smtClean="0"/>
+              <a:t>第四级</a:t>
+            </a:r>
+          </a:p>
+          <a:p>
+            <a:pPr lvl="4"/>
+            <a:r>
+              <a:rPr lang="zh-CN" altLang="en-US" smtClean="0"/>
+              <a:t>第五级</a:t>
+            </a:r>
+            <a:endParaRPr lang="zh-CN" altLang="en-US"/>
+          </a:p>
+        </p:txBody>
+      </p:sp>
+      <p:sp>
+        <p:nvSpPr>
+          <p:cNvPr id="5" name="文本占位符 4"/>
+          <p:cNvSpPr>
+            <a:spLocks noGrp="1"/>
+          </p:cNvSpPr>
+          <p:nvPr>
+            <p:ph type="body" sz="quarter" idx="3"/>
+          </p:nvPr>
+        </p:nvSpPr>
+        <p:spPr>
+          <a:xfrm>
+            <a:off x="6196013" y="1535113"/>
+            <a:ext cx="5391150" cy="639762"/>
+          </a:xfrm>
+        </p:spPr>
+        <p:txBody>
+          <a:bodyPr anchor="b"/>
+          <a:lstStyle>
+            <a:lvl1pPr marL="0" indent="0">
+              <a:buNone/>
+              <a:defRPr sz="2400" b="1"/>
+            </a:lvl1pPr>
+            <a:lvl2pPr marL="457200" indent="0">
+              <a:buNone/>
+              <a:defRPr sz="2000" b="1"/>
+            </a:lvl2pPr>
+            <a:lvl3pPr marL="914400" indent="0">
+              <a:buNone/>
+              <a:defRPr sz="1800" b="1"/>
+            </a:lvl3pPr>
+            <a:lvl4pPr marL="1371600" indent="0">
+              <a:buNone/>
+              <a:defRPr sz="1600" b="1"/>
+            </a:lvl4pPr>
+            <a:lvl5pPr marL="1828800" indent="0">
+              <a:buNone/>
+              <a:defRPr sz="1600" b="1"/>
+            </a:lvl5pPr>
+            <a:lvl6pPr marL="2286000" indent="0">
+              <a:buNone/>
+              <a:defRPr sz="1600" b="1"/>
+            </a:lvl6pPr>
+            <a:lvl7pPr marL="2743200" indent="0">
+              <a:buNone/>
+              <a:defRPr sz="1600" b="1"/>
+            </a:lvl7pPr>
+            <a:lvl8pPr marL="3200400" indent="0">
+              <a:buNone/>
+              <a:defRPr sz="1600" b="1"/>
+            </a:lvl8pPr>
+            <a:lvl9pPr marL="3657600" indent="0">
+              <a:buNone/>
+              <a:defRPr sz="1600" b="1"/>
+            </a:lvl9pPr>
+          </a:lstStyle>
+          <a:p>
+            <a:pPr lvl="0"/>
+            <a:r>
+              <a:rPr lang="zh-CN" altLang="en-US" smtClean="0"/>
+              <a:t>单击此处编辑母版文本样式</a:t>
+            </a:r>
+          </a:p>
+        </p:txBody>
+      </p:sp>
+      <p:sp>
+        <p:nvSpPr>
+          <p:cNvPr id="6" name="内容占位符 5"/>
+          <p:cNvSpPr>
+            <a:spLocks noGrp="1"/>
+          </p:cNvSpPr>
+          <p:nvPr>
+            <p:ph sz="quarter" idx="4"/>
+          </p:nvPr>
+        </p:nvSpPr>
+        <p:spPr>
+          <a:xfrm>
+            <a:off x="6196013" y="2174875"/>
+            <a:ext cx="5391150" cy="3951288"/>
+          </a:xfrm>
+        </p:spPr>
+        <p:txBody>
+          <a:bodyPr/>
+          <a:lstStyle>
+            <a:lvl1pPr>
+              <a:defRPr sz="2400"/>
+            </a:lvl1pPr>
+            <a:lvl2pPr>
+              <a:defRPr sz="2000"/>
+            </a:lvl2pPr>
+            <a:lvl3pPr>
+              <a:defRPr sz="1800"/>
+            </a:lvl3pPr>
+            <a:lvl4pPr>
+              <a:defRPr sz="1600"/>
+            </a:lvl4pPr>
+            <a:lvl5pPr>
+              <a:defRPr sz="1600"/>
+            </a:lvl5pPr>
+            <a:lvl6pPr>
+              <a:defRPr sz="1600"/>
+            </a:lvl6pPr>
+            <a:lvl7pPr>
+              <a:defRPr sz="1600"/>
+            </a:lvl7pPr>
+            <a:lvl8pPr>
+              <a:defRPr sz="1600"/>
+            </a:lvl8pPr>
+            <a:lvl9pPr>
+              <a:defRPr sz="1600"/>
+            </a:lvl9pPr>
+          </a:lstStyle>
+          <a:p>
+            <a:pPr lvl="0"/>
+            <a:r>
+              <a:rPr lang="zh-CN" altLang="en-US" smtClean="0"/>
+              <a:t>单击此处编辑母版文本样式</a:t>
+            </a:r>
+          </a:p>
+          <a:p>
+            <a:pPr lvl="1"/>
+            <a:r>
+              <a:rPr lang="zh-CN" altLang="en-US" smtClean="0"/>
+              <a:t>第二级</a:t>
+            </a:r>
+          </a:p>
+          <a:p>
+            <a:pPr lvl="2"/>
+            <a:r>
+              <a:rPr lang="zh-CN" altLang="en-US" smtClean="0"/>
+              <a:t>第三级</a:t>
+            </a:r>
+          </a:p>
+          <a:p>
+            <a:pPr lvl="3"/>
+            <a:r>
+              <a:rPr lang="zh-CN" altLang="en-US" smtClean="0"/>
+              <a:t>第四级</a:t>
+            </a:r>
+          </a:p>
+          <a:p>
+            <a:pPr lvl="4"/>
+            <a:r>
+              <a:rPr lang="zh-CN" altLang="en-US" smtClean="0"/>
+              <a:t>第五级</a:t>
+            </a:r>
+            <a:endParaRPr lang="zh-CN" altLang="en-US"/>
+          </a:p>
+        </p:txBody>
+      </p:sp>
+    </p:spTree>
+    <p:extLst>
+      <p:ext uri="{BB962C8B-B14F-4D97-AF65-F5344CB8AC3E}">
+        <p14:creationId xmlns:p14="http://schemas.microsoft.com/office/powerpoint/2010/main" val="3031342677"/>
+      </p:ext>
+    </p:extLst>
+  </p:cSld>
+  <p:clrMapOvr>
+    <a:masterClrMapping/>
+  </p:clrMapOvr>
+</p:sldLayout>
+</file>
+
+<file path=ppt/slideLayouts/slideLayout18.xml><?xml version="1.0" encoding="utf-8"?>
+<p:sldLayout xmlns:a="http://schemas.openxmlformats.org/drawingml/2006/main" xmlns:r="http://schemas.openxmlformats.org/officeDocument/2006/relationships" xmlns:p="http://schemas.openxmlformats.org/presentationml/2006/main" type="titleOnly" preserve="1">
+  <p:cSld name="仅标题">
+    <p:spTree>
+      <p:nvGrpSpPr>
+        <p:cNvPr id="1" name=""/>
+        <p:cNvGrpSpPr/>
+        <p:nvPr/>
+      </p:nvGrpSpPr>
+      <p:grpSpPr>
+        <a:xfrm>
+          <a:off x="0" y="0"/>
+          <a:ext cx="0" cy="0"/>
+          <a:chOff x="0" y="0"/>
+          <a:chExt cx="0" cy="0"/>
+        </a:xfrm>
+      </p:grpSpPr>
+      <p:sp>
+        <p:nvSpPr>
+          <p:cNvPr id="2" name="标题 1"/>
+          <p:cNvSpPr>
+            <a:spLocks noGrp="1"/>
+          </p:cNvSpPr>
+          <p:nvPr>
+            <p:ph type="title"/>
+          </p:nvPr>
+        </p:nvSpPr>
+        <p:spPr/>
+        <p:txBody>
+          <a:bodyPr/>
+          <a:lstStyle/>
+          <a:p>
+            <a:r>
+              <a:rPr lang="zh-CN" altLang="en-US" smtClean="0"/>
+              <a:t>单击此处编辑母版标题样式</a:t>
+            </a:r>
+            <a:endParaRPr lang="zh-CN" altLang="en-US"/>
+          </a:p>
+        </p:txBody>
+      </p:sp>
+    </p:spTree>
+    <p:extLst>
+      <p:ext uri="{BB962C8B-B14F-4D97-AF65-F5344CB8AC3E}">
+        <p14:creationId xmlns:p14="http://schemas.microsoft.com/office/powerpoint/2010/main" val="4196557714"/>
+      </p:ext>
+    </p:extLst>
+  </p:cSld>
+  <p:clrMapOvr>
+    <a:masterClrMapping/>
+  </p:clrMapOvr>
+</p:sldLayout>
+</file>
+
+<file path=ppt/slideLayouts/slideLayout19.xml><?xml version="1.0" encoding="utf-8"?>
+<p:sldLayout xmlns:a="http://schemas.openxmlformats.org/drawingml/2006/main" xmlns:r="http://schemas.openxmlformats.org/officeDocument/2006/relationships" xmlns:p="http://schemas.openxmlformats.org/presentationml/2006/main" type="blank" preserve="1">
+  <p:cSld name="空白">
+    <p:spTree>
+      <p:nvGrpSpPr>
+        <p:cNvPr id="1" name=""/>
+        <p:cNvGrpSpPr/>
+        <p:nvPr/>
+      </p:nvGrpSpPr>
+      <p:grpSpPr>
+        <a:xfrm>
+          <a:off x="0" y="0"/>
+          <a:ext cx="0" cy="0"/>
+          <a:chOff x="0" y="0"/>
+          <a:chExt cx="0" cy="0"/>
+        </a:xfrm>
+      </p:grpSpPr>
+    </p:spTree>
+    <p:extLst>
+      <p:ext uri="{BB962C8B-B14F-4D97-AF65-F5344CB8AC3E}">
+        <p14:creationId xmlns:p14="http://schemas.microsoft.com/office/powerpoint/2010/main" val="925723453"/>
+      </p:ext>
+    </p:extLst>
+  </p:cSld>
+  <p:clrMapOvr>
+    <a:masterClrMapping/>
+  </p:clrMapOvr>
+</p:sldLayout>
+</file>
+
 <file path=ppt/slideLayouts/slideLayout2.xml><?xml version="1.0" encoding="utf-8"?>
 <p:sldLayout xmlns:a="http://schemas.openxmlformats.org/drawingml/2006/main" xmlns:r="http://schemas.openxmlformats.org/officeDocument/2006/relationships" xmlns:p="http://schemas.openxmlformats.org/presentationml/2006/main" type="obj" preserve="1">
   <p:cSld name="标题和内容">
@@ -4987,6 +6265,633 @@
     <p:extLst>
       <p:ext uri="{BB962C8B-B14F-4D97-AF65-F5344CB8AC3E}">
         <p14:creationId xmlns:p14="http://schemas.microsoft.com/office/powerpoint/2010/main" val="2926719587"/>
+      </p:ext>
+    </p:extLst>
+  </p:cSld>
+  <p:clrMapOvr>
+    <a:masterClrMapping/>
+  </p:clrMapOvr>
+  <p:timing>
+    <p:tnLst>
+      <p:par>
+        <p:cTn id="1" dur="indefinite" restart="never" nodeType="tmRoot"/>
+      </p:par>
+    </p:tnLst>
+  </p:timing>
+</p:sldLayout>
+</file>
+
+<file path=ppt/slideLayouts/slideLayout20.xml><?xml version="1.0" encoding="utf-8"?>
+<p:sldLayout xmlns:a="http://schemas.openxmlformats.org/drawingml/2006/main" xmlns:r="http://schemas.openxmlformats.org/officeDocument/2006/relationships" xmlns:p="http://schemas.openxmlformats.org/presentationml/2006/main" type="objTx" preserve="1">
+  <p:cSld name="内容与标题">
+    <p:spTree>
+      <p:nvGrpSpPr>
+        <p:cNvPr id="1" name=""/>
+        <p:cNvGrpSpPr/>
+        <p:nvPr/>
+      </p:nvGrpSpPr>
+      <p:grpSpPr>
+        <a:xfrm>
+          <a:off x="0" y="0"/>
+          <a:ext cx="0" cy="0"/>
+          <a:chOff x="0" y="0"/>
+          <a:chExt cx="0" cy="0"/>
+        </a:xfrm>
+      </p:grpSpPr>
+      <p:sp>
+        <p:nvSpPr>
+          <p:cNvPr id="2" name="标题 1"/>
+          <p:cNvSpPr>
+            <a:spLocks noGrp="1"/>
+          </p:cNvSpPr>
+          <p:nvPr>
+            <p:ph type="title"/>
+          </p:nvPr>
+        </p:nvSpPr>
+        <p:spPr>
+          <a:xfrm>
+            <a:off x="609600" y="273050"/>
+            <a:ext cx="4013200" cy="1162050"/>
+          </a:xfrm>
+        </p:spPr>
+        <p:txBody>
+          <a:bodyPr anchor="b"/>
+          <a:lstStyle>
+            <a:lvl1pPr algn="l">
+              <a:defRPr sz="2000" b="1"/>
+            </a:lvl1pPr>
+          </a:lstStyle>
+          <a:p>
+            <a:r>
+              <a:rPr lang="zh-CN" altLang="en-US" smtClean="0"/>
+              <a:t>单击此处编辑母版标题样式</a:t>
+            </a:r>
+            <a:endParaRPr lang="zh-CN" altLang="en-US"/>
+          </a:p>
+        </p:txBody>
+      </p:sp>
+      <p:sp>
+        <p:nvSpPr>
+          <p:cNvPr id="3" name="内容占位符 2"/>
+          <p:cNvSpPr>
+            <a:spLocks noGrp="1"/>
+          </p:cNvSpPr>
+          <p:nvPr>
+            <p:ph idx="1"/>
+          </p:nvPr>
+        </p:nvSpPr>
+        <p:spPr>
+          <a:xfrm>
+            <a:off x="4768850" y="273050"/>
+            <a:ext cx="6818313" cy="5853113"/>
+          </a:xfrm>
+        </p:spPr>
+        <p:txBody>
+          <a:bodyPr/>
+          <a:lstStyle>
+            <a:lvl1pPr>
+              <a:defRPr sz="3200"/>
+            </a:lvl1pPr>
+            <a:lvl2pPr>
+              <a:defRPr sz="2800"/>
+            </a:lvl2pPr>
+            <a:lvl3pPr>
+              <a:defRPr sz="2400"/>
+            </a:lvl3pPr>
+            <a:lvl4pPr>
+              <a:defRPr sz="2000"/>
+            </a:lvl4pPr>
+            <a:lvl5pPr>
+              <a:defRPr sz="2000"/>
+            </a:lvl5pPr>
+            <a:lvl6pPr>
+              <a:defRPr sz="2000"/>
+            </a:lvl6pPr>
+            <a:lvl7pPr>
+              <a:defRPr sz="2000"/>
+            </a:lvl7pPr>
+            <a:lvl8pPr>
+              <a:defRPr sz="2000"/>
+            </a:lvl8pPr>
+            <a:lvl9pPr>
+              <a:defRPr sz="2000"/>
+            </a:lvl9pPr>
+          </a:lstStyle>
+          <a:p>
+            <a:pPr lvl="0"/>
+            <a:r>
+              <a:rPr lang="zh-CN" altLang="en-US" smtClean="0"/>
+              <a:t>单击此处编辑母版文本样式</a:t>
+            </a:r>
+          </a:p>
+          <a:p>
+            <a:pPr lvl="1"/>
+            <a:r>
+              <a:rPr lang="zh-CN" altLang="en-US" smtClean="0"/>
+              <a:t>第二级</a:t>
+            </a:r>
+          </a:p>
+          <a:p>
+            <a:pPr lvl="2"/>
+            <a:r>
+              <a:rPr lang="zh-CN" altLang="en-US" smtClean="0"/>
+              <a:t>第三级</a:t>
+            </a:r>
+          </a:p>
+          <a:p>
+            <a:pPr lvl="3"/>
+            <a:r>
+              <a:rPr lang="zh-CN" altLang="en-US" smtClean="0"/>
+              <a:t>第四级</a:t>
+            </a:r>
+          </a:p>
+          <a:p>
+            <a:pPr lvl="4"/>
+            <a:r>
+              <a:rPr lang="zh-CN" altLang="en-US" smtClean="0"/>
+              <a:t>第五级</a:t>
+            </a:r>
+            <a:endParaRPr lang="zh-CN" altLang="en-US"/>
+          </a:p>
+        </p:txBody>
+      </p:sp>
+      <p:sp>
+        <p:nvSpPr>
+          <p:cNvPr id="4" name="文本占位符 3"/>
+          <p:cNvSpPr>
+            <a:spLocks noGrp="1"/>
+          </p:cNvSpPr>
+          <p:nvPr>
+            <p:ph type="body" sz="half" idx="2"/>
+          </p:nvPr>
+        </p:nvSpPr>
+        <p:spPr>
+          <a:xfrm>
+            <a:off x="609600" y="1435100"/>
+            <a:ext cx="4013200" cy="4691063"/>
+          </a:xfrm>
+        </p:spPr>
+        <p:txBody>
+          <a:bodyPr/>
+          <a:lstStyle>
+            <a:lvl1pPr marL="0" indent="0">
+              <a:buNone/>
+              <a:defRPr sz="1400"/>
+            </a:lvl1pPr>
+            <a:lvl2pPr marL="457200" indent="0">
+              <a:buNone/>
+              <a:defRPr sz="1200"/>
+            </a:lvl2pPr>
+            <a:lvl3pPr marL="914400" indent="0">
+              <a:buNone/>
+              <a:defRPr sz="1000"/>
+            </a:lvl3pPr>
+            <a:lvl4pPr marL="1371600" indent="0">
+              <a:buNone/>
+              <a:defRPr sz="900"/>
+            </a:lvl4pPr>
+            <a:lvl5pPr marL="1828800" indent="0">
+              <a:buNone/>
+              <a:defRPr sz="900"/>
+            </a:lvl5pPr>
+            <a:lvl6pPr marL="2286000" indent="0">
+              <a:buNone/>
+              <a:defRPr sz="900"/>
+            </a:lvl6pPr>
+            <a:lvl7pPr marL="2743200" indent="0">
+              <a:buNone/>
+              <a:defRPr sz="900"/>
+            </a:lvl7pPr>
+            <a:lvl8pPr marL="3200400" indent="0">
+              <a:buNone/>
+              <a:defRPr sz="900"/>
+            </a:lvl8pPr>
+            <a:lvl9pPr marL="3657600" indent="0">
+              <a:buNone/>
+              <a:defRPr sz="900"/>
+            </a:lvl9pPr>
+          </a:lstStyle>
+          <a:p>
+            <a:pPr lvl="0"/>
+            <a:r>
+              <a:rPr lang="zh-CN" altLang="en-US" smtClean="0"/>
+              <a:t>单击此处编辑母版文本样式</a:t>
+            </a:r>
+          </a:p>
+        </p:txBody>
+      </p:sp>
+    </p:spTree>
+    <p:extLst>
+      <p:ext uri="{BB962C8B-B14F-4D97-AF65-F5344CB8AC3E}">
+        <p14:creationId xmlns:p14="http://schemas.microsoft.com/office/powerpoint/2010/main" val="1064567746"/>
+      </p:ext>
+    </p:extLst>
+  </p:cSld>
+  <p:clrMapOvr>
+    <a:masterClrMapping/>
+  </p:clrMapOvr>
+</p:sldLayout>
+</file>
+
+<file path=ppt/slideLayouts/slideLayout21.xml><?xml version="1.0" encoding="utf-8"?>
+<p:sldLayout xmlns:a="http://schemas.openxmlformats.org/drawingml/2006/main" xmlns:r="http://schemas.openxmlformats.org/officeDocument/2006/relationships" xmlns:p="http://schemas.openxmlformats.org/presentationml/2006/main" type="picTx" preserve="1">
+  <p:cSld name="图片与标题">
+    <p:spTree>
+      <p:nvGrpSpPr>
+        <p:cNvPr id="1" name=""/>
+        <p:cNvGrpSpPr/>
+        <p:nvPr/>
+      </p:nvGrpSpPr>
+      <p:grpSpPr>
+        <a:xfrm>
+          <a:off x="0" y="0"/>
+          <a:ext cx="0" cy="0"/>
+          <a:chOff x="0" y="0"/>
+          <a:chExt cx="0" cy="0"/>
+        </a:xfrm>
+      </p:grpSpPr>
+      <p:sp>
+        <p:nvSpPr>
+          <p:cNvPr id="2" name="标题 1"/>
+          <p:cNvSpPr>
+            <a:spLocks noGrp="1"/>
+          </p:cNvSpPr>
+          <p:nvPr>
+            <p:ph type="title"/>
+          </p:nvPr>
+        </p:nvSpPr>
+        <p:spPr>
+          <a:xfrm>
+            <a:off x="2390775" y="4800600"/>
+            <a:ext cx="7318375" cy="566738"/>
+          </a:xfrm>
+        </p:spPr>
+        <p:txBody>
+          <a:bodyPr anchor="b"/>
+          <a:lstStyle>
+            <a:lvl1pPr algn="l">
+              <a:defRPr sz="2000" b="1"/>
+            </a:lvl1pPr>
+          </a:lstStyle>
+          <a:p>
+            <a:r>
+              <a:rPr lang="zh-CN" altLang="en-US" smtClean="0"/>
+              <a:t>单击此处编辑母版标题样式</a:t>
+            </a:r>
+            <a:endParaRPr lang="zh-CN" altLang="en-US"/>
+          </a:p>
+        </p:txBody>
+      </p:sp>
+      <p:sp>
+        <p:nvSpPr>
+          <p:cNvPr id="3" name="图片占位符 2"/>
+          <p:cNvSpPr>
+            <a:spLocks noGrp="1"/>
+          </p:cNvSpPr>
+          <p:nvPr>
+            <p:ph type="pic" idx="1"/>
+          </p:nvPr>
+        </p:nvSpPr>
+        <p:spPr>
+          <a:xfrm>
+            <a:off x="2390775" y="612775"/>
+            <a:ext cx="7318375" cy="4114800"/>
+          </a:xfrm>
+        </p:spPr>
+        <p:txBody>
+          <a:bodyPr/>
+          <a:lstStyle>
+            <a:lvl1pPr marL="0" indent="0">
+              <a:buNone/>
+              <a:defRPr sz="3200"/>
+            </a:lvl1pPr>
+            <a:lvl2pPr marL="457200" indent="0">
+              <a:buNone/>
+              <a:defRPr sz="2800"/>
+            </a:lvl2pPr>
+            <a:lvl3pPr marL="914400" indent="0">
+              <a:buNone/>
+              <a:defRPr sz="2400"/>
+            </a:lvl3pPr>
+            <a:lvl4pPr marL="1371600" indent="0">
+              <a:buNone/>
+              <a:defRPr sz="2000"/>
+            </a:lvl4pPr>
+            <a:lvl5pPr marL="1828800" indent="0">
+              <a:buNone/>
+              <a:defRPr sz="2000"/>
+            </a:lvl5pPr>
+            <a:lvl6pPr marL="2286000" indent="0">
+              <a:buNone/>
+              <a:defRPr sz="2000"/>
+            </a:lvl6pPr>
+            <a:lvl7pPr marL="2743200" indent="0">
+              <a:buNone/>
+              <a:defRPr sz="2000"/>
+            </a:lvl7pPr>
+            <a:lvl8pPr marL="3200400" indent="0">
+              <a:buNone/>
+              <a:defRPr sz="2000"/>
+            </a:lvl8pPr>
+            <a:lvl9pPr marL="3657600" indent="0">
+              <a:buNone/>
+              <a:defRPr sz="2000"/>
+            </a:lvl9pPr>
+          </a:lstStyle>
+          <a:p>
+            <a:endParaRPr lang="zh-CN" altLang="en-US"/>
+          </a:p>
+        </p:txBody>
+      </p:sp>
+      <p:sp>
+        <p:nvSpPr>
+          <p:cNvPr id="4" name="文本占位符 3"/>
+          <p:cNvSpPr>
+            <a:spLocks noGrp="1"/>
+          </p:cNvSpPr>
+          <p:nvPr>
+            <p:ph type="body" sz="half" idx="2"/>
+          </p:nvPr>
+        </p:nvSpPr>
+        <p:spPr>
+          <a:xfrm>
+            <a:off x="2390775" y="5367338"/>
+            <a:ext cx="7318375" cy="804862"/>
+          </a:xfrm>
+        </p:spPr>
+        <p:txBody>
+          <a:bodyPr/>
+          <a:lstStyle>
+            <a:lvl1pPr marL="0" indent="0">
+              <a:buNone/>
+              <a:defRPr sz="1400"/>
+            </a:lvl1pPr>
+            <a:lvl2pPr marL="457200" indent="0">
+              <a:buNone/>
+              <a:defRPr sz="1200"/>
+            </a:lvl2pPr>
+            <a:lvl3pPr marL="914400" indent="0">
+              <a:buNone/>
+              <a:defRPr sz="1000"/>
+            </a:lvl3pPr>
+            <a:lvl4pPr marL="1371600" indent="0">
+              <a:buNone/>
+              <a:defRPr sz="900"/>
+            </a:lvl4pPr>
+            <a:lvl5pPr marL="1828800" indent="0">
+              <a:buNone/>
+              <a:defRPr sz="900"/>
+            </a:lvl5pPr>
+            <a:lvl6pPr marL="2286000" indent="0">
+              <a:buNone/>
+              <a:defRPr sz="900"/>
+            </a:lvl6pPr>
+            <a:lvl7pPr marL="2743200" indent="0">
+              <a:buNone/>
+              <a:defRPr sz="900"/>
+            </a:lvl7pPr>
+            <a:lvl8pPr marL="3200400" indent="0">
+              <a:buNone/>
+              <a:defRPr sz="900"/>
+            </a:lvl8pPr>
+            <a:lvl9pPr marL="3657600" indent="0">
+              <a:buNone/>
+              <a:defRPr sz="900"/>
+            </a:lvl9pPr>
+          </a:lstStyle>
+          <a:p>
+            <a:pPr lvl="0"/>
+            <a:r>
+              <a:rPr lang="zh-CN" altLang="en-US" smtClean="0"/>
+              <a:t>单击此处编辑母版文本样式</a:t>
+            </a:r>
+          </a:p>
+        </p:txBody>
+      </p:sp>
+    </p:spTree>
+    <p:extLst>
+      <p:ext uri="{BB962C8B-B14F-4D97-AF65-F5344CB8AC3E}">
+        <p14:creationId xmlns:p14="http://schemas.microsoft.com/office/powerpoint/2010/main" val="456798179"/>
+      </p:ext>
+    </p:extLst>
+  </p:cSld>
+  <p:clrMapOvr>
+    <a:masterClrMapping/>
+  </p:clrMapOvr>
+</p:sldLayout>
+</file>
+
+<file path=ppt/slideLayouts/slideLayout22.xml><?xml version="1.0" encoding="utf-8"?>
+<p:sldLayout xmlns:a="http://schemas.openxmlformats.org/drawingml/2006/main" xmlns:r="http://schemas.openxmlformats.org/officeDocument/2006/relationships" xmlns:p="http://schemas.openxmlformats.org/presentationml/2006/main" type="vertTx" preserve="1">
+  <p:cSld name="标题和竖排文字">
+    <p:spTree>
+      <p:nvGrpSpPr>
+        <p:cNvPr id="1" name=""/>
+        <p:cNvGrpSpPr/>
+        <p:nvPr/>
+      </p:nvGrpSpPr>
+      <p:grpSpPr>
+        <a:xfrm>
+          <a:off x="0" y="0"/>
+          <a:ext cx="0" cy="0"/>
+          <a:chOff x="0" y="0"/>
+          <a:chExt cx="0" cy="0"/>
+        </a:xfrm>
+      </p:grpSpPr>
+      <p:sp>
+        <p:nvSpPr>
+          <p:cNvPr id="2" name="标题 1"/>
+          <p:cNvSpPr>
+            <a:spLocks noGrp="1"/>
+          </p:cNvSpPr>
+          <p:nvPr>
+            <p:ph type="title"/>
+          </p:nvPr>
+        </p:nvSpPr>
+        <p:spPr/>
+        <p:txBody>
+          <a:bodyPr/>
+          <a:lstStyle/>
+          <a:p>
+            <a:r>
+              <a:rPr lang="zh-CN" altLang="en-US" smtClean="0"/>
+              <a:t>单击此处编辑母版标题样式</a:t>
+            </a:r>
+            <a:endParaRPr lang="zh-CN" altLang="en-US"/>
+          </a:p>
+        </p:txBody>
+      </p:sp>
+      <p:sp>
+        <p:nvSpPr>
+          <p:cNvPr id="3" name="竖排文字占位符 2"/>
+          <p:cNvSpPr>
+            <a:spLocks noGrp="1"/>
+          </p:cNvSpPr>
+          <p:nvPr>
+            <p:ph type="body" orient="vert" idx="1"/>
+          </p:nvPr>
+        </p:nvSpPr>
+        <p:spPr/>
+        <p:txBody>
+          <a:bodyPr vert="eaVert"/>
+          <a:lstStyle/>
+          <a:p>
+            <a:pPr lvl="0"/>
+            <a:r>
+              <a:rPr lang="zh-CN" altLang="en-US" smtClean="0"/>
+              <a:t>单击此处编辑母版文本样式</a:t>
+            </a:r>
+          </a:p>
+          <a:p>
+            <a:pPr lvl="1"/>
+            <a:r>
+              <a:rPr lang="zh-CN" altLang="en-US" smtClean="0"/>
+              <a:t>第二级</a:t>
+            </a:r>
+          </a:p>
+          <a:p>
+            <a:pPr lvl="2"/>
+            <a:r>
+              <a:rPr lang="zh-CN" altLang="en-US" smtClean="0"/>
+              <a:t>第三级</a:t>
+            </a:r>
+          </a:p>
+          <a:p>
+            <a:pPr lvl="3"/>
+            <a:r>
+              <a:rPr lang="zh-CN" altLang="en-US" smtClean="0"/>
+              <a:t>第四级</a:t>
+            </a:r>
+          </a:p>
+          <a:p>
+            <a:pPr lvl="4"/>
+            <a:r>
+              <a:rPr lang="zh-CN" altLang="en-US" smtClean="0"/>
+              <a:t>第五级</a:t>
+            </a:r>
+            <a:endParaRPr lang="zh-CN" altLang="en-US"/>
+          </a:p>
+        </p:txBody>
+      </p:sp>
+    </p:spTree>
+    <p:extLst>
+      <p:ext uri="{BB962C8B-B14F-4D97-AF65-F5344CB8AC3E}">
+        <p14:creationId xmlns:p14="http://schemas.microsoft.com/office/powerpoint/2010/main" val="1784436600"/>
+      </p:ext>
+    </p:extLst>
+  </p:cSld>
+  <p:clrMapOvr>
+    <a:masterClrMapping/>
+  </p:clrMapOvr>
+</p:sldLayout>
+</file>
+
+<file path=ppt/slideLayouts/slideLayout23.xml><?xml version="1.0" encoding="utf-8"?>
+<p:sldLayout xmlns:a="http://schemas.openxmlformats.org/drawingml/2006/main" xmlns:r="http://schemas.openxmlformats.org/officeDocument/2006/relationships" xmlns:p="http://schemas.openxmlformats.org/presentationml/2006/main" type="vertTitleAndTx" preserve="1">
+  <p:cSld name="垂直排列标题与文本">
+    <p:spTree>
+      <p:nvGrpSpPr>
+        <p:cNvPr id="1" name=""/>
+        <p:cNvGrpSpPr/>
+        <p:nvPr/>
+      </p:nvGrpSpPr>
+      <p:grpSpPr>
+        <a:xfrm>
+          <a:off x="0" y="0"/>
+          <a:ext cx="0" cy="0"/>
+          <a:chOff x="0" y="0"/>
+          <a:chExt cx="0" cy="0"/>
+        </a:xfrm>
+      </p:grpSpPr>
+      <p:sp>
+        <p:nvSpPr>
+          <p:cNvPr id="2" name="竖排标题 1"/>
+          <p:cNvSpPr>
+            <a:spLocks noGrp="1"/>
+          </p:cNvSpPr>
+          <p:nvPr>
+            <p:ph type="title" orient="vert"/>
+          </p:nvPr>
+        </p:nvSpPr>
+        <p:spPr>
+          <a:xfrm>
+            <a:off x="8843963" y="908050"/>
+            <a:ext cx="2743200" cy="5218113"/>
+          </a:xfrm>
+        </p:spPr>
+        <p:txBody>
+          <a:bodyPr vert="eaVert"/>
+          <a:lstStyle/>
+          <a:p>
+            <a:r>
+              <a:rPr lang="zh-CN" altLang="en-US" smtClean="0"/>
+              <a:t>单击此处编辑母版标题样式</a:t>
+            </a:r>
+            <a:endParaRPr lang="zh-CN" altLang="en-US"/>
+          </a:p>
+        </p:txBody>
+      </p:sp>
+      <p:sp>
+        <p:nvSpPr>
+          <p:cNvPr id="3" name="竖排文字占位符 2"/>
+          <p:cNvSpPr>
+            <a:spLocks noGrp="1"/>
+          </p:cNvSpPr>
+          <p:nvPr>
+            <p:ph type="body" orient="vert" idx="1"/>
+          </p:nvPr>
+        </p:nvSpPr>
+        <p:spPr>
+          <a:xfrm>
+            <a:off x="609600" y="908050"/>
+            <a:ext cx="8081963" cy="5218113"/>
+          </a:xfrm>
+        </p:spPr>
+        <p:txBody>
+          <a:bodyPr vert="eaVert"/>
+          <a:lstStyle/>
+          <a:p>
+            <a:pPr lvl="0"/>
+            <a:r>
+              <a:rPr lang="zh-CN" altLang="en-US" smtClean="0"/>
+              <a:t>单击此处编辑母版文本样式</a:t>
+            </a:r>
+          </a:p>
+          <a:p>
+            <a:pPr lvl="1"/>
+            <a:r>
+              <a:rPr lang="zh-CN" altLang="en-US" smtClean="0"/>
+              <a:t>第二级</a:t>
+            </a:r>
+          </a:p>
+          <a:p>
+            <a:pPr lvl="2"/>
+            <a:r>
+              <a:rPr lang="zh-CN" altLang="en-US" smtClean="0"/>
+              <a:t>第三级</a:t>
+            </a:r>
+          </a:p>
+          <a:p>
+            <a:pPr lvl="3"/>
+            <a:r>
+              <a:rPr lang="zh-CN" altLang="en-US" smtClean="0"/>
+              <a:t>第四级</a:t>
+            </a:r>
+          </a:p>
+          <a:p>
+            <a:pPr lvl="4"/>
+            <a:r>
+              <a:rPr lang="zh-CN" altLang="en-US" smtClean="0"/>
+              <a:t>第五级</a:t>
+            </a:r>
+            <a:endParaRPr lang="zh-CN" altLang="en-US"/>
+          </a:p>
+        </p:txBody>
+      </p:sp>
+    </p:spTree>
+    <p:extLst>
+      <p:ext uri="{BB962C8B-B14F-4D97-AF65-F5344CB8AC3E}">
+        <p14:creationId xmlns:p14="http://schemas.microsoft.com/office/powerpoint/2010/main" val="921681690"/>
       </p:ext>
     </p:extLst>
   </p:cSld>
@@ -6579,6 +8484,573 @@
         <a:defRPr sz="2000">
           <a:solidFill>
             <a:schemeClr val="bg2"/>
+          </a:solidFill>
+          <a:latin typeface="+mn-lt"/>
+          <a:ea typeface="仿宋_GB2312" pitchFamily="49" charset="-122"/>
+        </a:defRPr>
+      </a:lvl2pPr>
+      <a:lvl3pPr marL="1143000" indent="-228600" algn="l" rtl="0" eaLnBrk="0" fontAlgn="base" hangingPunct="0">
+        <a:spcBef>
+          <a:spcPct val="20000"/>
+        </a:spcBef>
+        <a:spcAft>
+          <a:spcPct val="0"/>
+        </a:spcAft>
+        <a:buChar char="•"/>
+        <a:defRPr sz="2400">
+          <a:solidFill>
+            <a:schemeClr val="tx1"/>
+          </a:solidFill>
+          <a:latin typeface="+mn-lt"/>
+          <a:ea typeface="宋体" pitchFamily="2" charset="-122"/>
+        </a:defRPr>
+      </a:lvl3pPr>
+      <a:lvl4pPr marL="1600200" indent="-228600" algn="l" rtl="0" eaLnBrk="0" fontAlgn="base" hangingPunct="0">
+        <a:spcBef>
+          <a:spcPct val="20000"/>
+        </a:spcBef>
+        <a:spcAft>
+          <a:spcPct val="0"/>
+        </a:spcAft>
+        <a:buChar char="–"/>
+        <a:defRPr sz="2000">
+          <a:solidFill>
+            <a:schemeClr val="tx1"/>
+          </a:solidFill>
+          <a:latin typeface="+mn-lt"/>
+          <a:ea typeface="宋体" pitchFamily="2" charset="-122"/>
+        </a:defRPr>
+      </a:lvl4pPr>
+      <a:lvl5pPr marL="2057400" indent="-228600" algn="l" rtl="0" eaLnBrk="0" fontAlgn="base" hangingPunct="0">
+        <a:spcBef>
+          <a:spcPct val="20000"/>
+        </a:spcBef>
+        <a:spcAft>
+          <a:spcPct val="0"/>
+        </a:spcAft>
+        <a:buChar char="»"/>
+        <a:defRPr sz="2000">
+          <a:solidFill>
+            <a:schemeClr val="tx1"/>
+          </a:solidFill>
+          <a:latin typeface="+mn-lt"/>
+          <a:ea typeface="宋体" pitchFamily="2" charset="-122"/>
+        </a:defRPr>
+      </a:lvl5pPr>
+      <a:lvl6pPr marL="2514600" indent="-228600" algn="l" rtl="0" eaLnBrk="0" fontAlgn="base" hangingPunct="0">
+        <a:spcBef>
+          <a:spcPct val="20000"/>
+        </a:spcBef>
+        <a:spcAft>
+          <a:spcPct val="0"/>
+        </a:spcAft>
+        <a:buChar char="»"/>
+        <a:defRPr sz="2000">
+          <a:solidFill>
+            <a:schemeClr val="tx1"/>
+          </a:solidFill>
+          <a:latin typeface="+mn-lt"/>
+          <a:ea typeface="宋体" pitchFamily="2" charset="-122"/>
+        </a:defRPr>
+      </a:lvl6pPr>
+      <a:lvl7pPr marL="2971800" indent="-228600" algn="l" rtl="0" eaLnBrk="0" fontAlgn="base" hangingPunct="0">
+        <a:spcBef>
+          <a:spcPct val="20000"/>
+        </a:spcBef>
+        <a:spcAft>
+          <a:spcPct val="0"/>
+        </a:spcAft>
+        <a:buChar char="»"/>
+        <a:defRPr sz="2000">
+          <a:solidFill>
+            <a:schemeClr val="tx1"/>
+          </a:solidFill>
+          <a:latin typeface="+mn-lt"/>
+          <a:ea typeface="宋体" pitchFamily="2" charset="-122"/>
+        </a:defRPr>
+      </a:lvl7pPr>
+      <a:lvl8pPr marL="3429000" indent="-228600" algn="l" rtl="0" eaLnBrk="0" fontAlgn="base" hangingPunct="0">
+        <a:spcBef>
+          <a:spcPct val="20000"/>
+        </a:spcBef>
+        <a:spcAft>
+          <a:spcPct val="0"/>
+        </a:spcAft>
+        <a:buChar char="»"/>
+        <a:defRPr sz="2000">
+          <a:solidFill>
+            <a:schemeClr val="tx1"/>
+          </a:solidFill>
+          <a:latin typeface="+mn-lt"/>
+          <a:ea typeface="宋体" pitchFamily="2" charset="-122"/>
+        </a:defRPr>
+      </a:lvl8pPr>
+      <a:lvl9pPr marL="3886200" indent="-228600" algn="l" rtl="0" eaLnBrk="0" fontAlgn="base" hangingPunct="0">
+        <a:spcBef>
+          <a:spcPct val="20000"/>
+        </a:spcBef>
+        <a:spcAft>
+          <a:spcPct val="0"/>
+        </a:spcAft>
+        <a:buChar char="»"/>
+        <a:defRPr sz="2000">
+          <a:solidFill>
+            <a:schemeClr val="tx1"/>
+          </a:solidFill>
+          <a:latin typeface="+mn-lt"/>
+          <a:ea typeface="宋体" pitchFamily="2" charset="-122"/>
+        </a:defRPr>
+      </a:lvl9pPr>
+    </p:bodyStyle>
+    <p:otherStyle>
+      <a:defPPr>
+        <a:defRPr lang="zh-CN"/>
+      </a:defPPr>
+      <a:lvl1pPr marL="0" algn="l" defTabSz="914400" rtl="0" eaLnBrk="1" latinLnBrk="0" hangingPunct="1">
+        <a:defRPr sz="1800" kern="1200">
+          <a:solidFill>
+            <a:schemeClr val="tx1"/>
+          </a:solidFill>
+          <a:latin typeface="+mn-lt"/>
+          <a:ea typeface="+mn-ea"/>
+          <a:cs typeface="+mn-cs"/>
+        </a:defRPr>
+      </a:lvl1pPr>
+      <a:lvl2pPr marL="457200" algn="l" defTabSz="914400" rtl="0" eaLnBrk="1" latinLnBrk="0" hangingPunct="1">
+        <a:defRPr sz="1800" kern="1200">
+          <a:solidFill>
+            <a:schemeClr val="tx1"/>
+          </a:solidFill>
+          <a:latin typeface="+mn-lt"/>
+          <a:ea typeface="+mn-ea"/>
+          <a:cs typeface="+mn-cs"/>
+        </a:defRPr>
+      </a:lvl2pPr>
+      <a:lvl3pPr marL="914400" algn="l" defTabSz="914400" rtl="0" eaLnBrk="1" latinLnBrk="0" hangingPunct="1">
+        <a:defRPr sz="1800" kern="1200">
+          <a:solidFill>
+            <a:schemeClr val="tx1"/>
+          </a:solidFill>
+          <a:latin typeface="+mn-lt"/>
+          <a:ea typeface="+mn-ea"/>
+          <a:cs typeface="+mn-cs"/>
+        </a:defRPr>
+      </a:lvl3pPr>
+      <a:lvl4pPr marL="1371600" algn="l" defTabSz="914400" rtl="0" eaLnBrk="1" latinLnBrk="0" hangingPunct="1">
+        <a:defRPr sz="1800" kern="1200">
+          <a:solidFill>
+            <a:schemeClr val="tx1"/>
+          </a:solidFill>
+          <a:latin typeface="+mn-lt"/>
+          <a:ea typeface="+mn-ea"/>
+          <a:cs typeface="+mn-cs"/>
+        </a:defRPr>
+      </a:lvl4pPr>
+      <a:lvl5pPr marL="1828800" algn="l" defTabSz="914400" rtl="0" eaLnBrk="1" latinLnBrk="0" hangingPunct="1">
+        <a:defRPr sz="1800" kern="1200">
+          <a:solidFill>
+            <a:schemeClr val="tx1"/>
+          </a:solidFill>
+          <a:latin typeface="+mn-lt"/>
+          <a:ea typeface="+mn-ea"/>
+          <a:cs typeface="+mn-cs"/>
+        </a:defRPr>
+      </a:lvl5pPr>
+      <a:lvl6pPr marL="2286000" algn="l" defTabSz="914400" rtl="0" eaLnBrk="1" latinLnBrk="0" hangingPunct="1">
+        <a:defRPr sz="1800" kern="1200">
+          <a:solidFill>
+            <a:schemeClr val="tx1"/>
+          </a:solidFill>
+          <a:latin typeface="+mn-lt"/>
+          <a:ea typeface="+mn-ea"/>
+          <a:cs typeface="+mn-cs"/>
+        </a:defRPr>
+      </a:lvl6pPr>
+      <a:lvl7pPr marL="2743200" algn="l" defTabSz="914400" rtl="0" eaLnBrk="1" latinLnBrk="0" hangingPunct="1">
+        <a:defRPr sz="1800" kern="1200">
+          <a:solidFill>
+            <a:schemeClr val="tx1"/>
+          </a:solidFill>
+          <a:latin typeface="+mn-lt"/>
+          <a:ea typeface="+mn-ea"/>
+          <a:cs typeface="+mn-cs"/>
+        </a:defRPr>
+      </a:lvl7pPr>
+      <a:lvl8pPr marL="3200400" algn="l" defTabSz="914400" rtl="0" eaLnBrk="1" latinLnBrk="0" hangingPunct="1">
+        <a:defRPr sz="1800" kern="1200">
+          <a:solidFill>
+            <a:schemeClr val="tx1"/>
+          </a:solidFill>
+          <a:latin typeface="+mn-lt"/>
+          <a:ea typeface="+mn-ea"/>
+          <a:cs typeface="+mn-cs"/>
+        </a:defRPr>
+      </a:lvl8pPr>
+      <a:lvl9pPr marL="3657600" algn="l" defTabSz="914400" rtl="0" eaLnBrk="1" latinLnBrk="0" hangingPunct="1">
+        <a:defRPr sz="1800" kern="1200">
+          <a:solidFill>
+            <a:schemeClr val="tx1"/>
+          </a:solidFill>
+          <a:latin typeface="+mn-lt"/>
+          <a:ea typeface="+mn-ea"/>
+          <a:cs typeface="+mn-cs"/>
+        </a:defRPr>
+      </a:lvl9pPr>
+    </p:otherStyle>
+  </p:txStyles>
+</p:sldMaster>
+</file>
+
+<file path=ppt/slideMasters/slideMaster2.xml><?xml version="1.0" encoding="utf-8"?>
+<p:sldMaster xmlns:a="http://schemas.openxmlformats.org/drawingml/2006/main" xmlns:r="http://schemas.openxmlformats.org/officeDocument/2006/relationships" xmlns:p="http://schemas.openxmlformats.org/presentationml/2006/main">
+  <p:cSld>
+    <p:bg bwMode="auto">
+      <p:bgPr>
+        <a:blipFill dpi="0" rotWithShape="0">
+          <a:blip r:embed="rId13" cstate="print">
+            <a:lum/>
+          </a:blip>
+          <a:srcRect/>
+          <a:stretch>
+            <a:fillRect/>
+          </a:stretch>
+        </a:blipFill>
+        <a:effectLst/>
+      </p:bgPr>
+    </p:bg>
+    <p:spTree>
+      <p:nvGrpSpPr>
+        <p:cNvPr id="1" name=""/>
+        <p:cNvGrpSpPr/>
+        <p:nvPr/>
+      </p:nvGrpSpPr>
+      <p:grpSpPr>
+        <a:xfrm>
+          <a:off x="0" y="0"/>
+          <a:ext cx="0" cy="0"/>
+          <a:chOff x="0" y="0"/>
+          <a:chExt cx="0" cy="0"/>
+        </a:xfrm>
+      </p:grpSpPr>
+      <p:sp>
+        <p:nvSpPr>
+          <p:cNvPr id="1026" name="Rectangle 2"/>
+          <p:cNvSpPr>
+            <a:spLocks noGrp="1" noChangeArrowheads="1"/>
+          </p:cNvSpPr>
+          <p:nvPr>
+            <p:ph type="title"/>
+          </p:nvPr>
+        </p:nvSpPr>
+        <p:spPr bwMode="auto">
+          <a:xfrm>
+            <a:off x="609600" y="908050"/>
+            <a:ext cx="10977563" cy="635000"/>
+          </a:xfrm>
+          <a:prstGeom prst="rect">
+            <a:avLst/>
+          </a:prstGeom>
+          <a:noFill/>
+          <a:ln>
+            <a:noFill/>
+          </a:ln>
+          <a:extLst>
+            <a:ext uri="{909E8E84-426E-40DD-AFC4-6F175D3DCCD1}">
+              <a14:hiddenFill xmlns:a14="http://schemas.microsoft.com/office/drawing/2010/main">
+                <a:solidFill>
+                  <a:srgbClr val="FFFFFF"/>
+                </a:solidFill>
+              </a14:hiddenFill>
+            </a:ext>
+            <a:ext uri="{91240B29-F687-4F45-9708-019B960494DF}">
+              <a14:hiddenLine xmlns:a14="http://schemas.microsoft.com/office/drawing/2010/main" w="9525">
+                <a:solidFill>
+                  <a:srgbClr val="000000"/>
+                </a:solidFill>
+                <a:miter lim="800000"/>
+                <a:headEnd/>
+                <a:tailEnd/>
+              </a14:hiddenLine>
+            </a:ext>
+          </a:extLst>
+        </p:spPr>
+        <p:txBody>
+          <a:bodyPr vert="horz" wrap="square" lIns="91440" tIns="45720" rIns="91440" bIns="45720" numCol="1" anchor="ctr" anchorCtr="0" compatLnSpc="1">
+            <a:prstTxWarp prst="textNoShape">
+              <a:avLst/>
+            </a:prstTxWarp>
+          </a:bodyPr>
+          <a:lstStyle/>
+          <a:p>
+            <a:pPr lvl="0"/>
+            <a:r>
+              <a:rPr lang="zh-CN" dirty="0" smtClean="0"/>
+              <a:t>单击此处编辑母版标题样式</a:t>
+            </a:r>
+          </a:p>
+        </p:txBody>
+      </p:sp>
+      <p:sp>
+        <p:nvSpPr>
+          <p:cNvPr id="1027" name="Rectangle 3"/>
+          <p:cNvSpPr>
+            <a:spLocks noGrp="1" noChangeArrowheads="1"/>
+          </p:cNvSpPr>
+          <p:nvPr>
+            <p:ph type="body" idx="1"/>
+          </p:nvPr>
+        </p:nvSpPr>
+        <p:spPr bwMode="auto">
+          <a:xfrm>
+            <a:off x="609600" y="1600200"/>
+            <a:ext cx="10977563" cy="4525963"/>
+          </a:xfrm>
+          <a:prstGeom prst="rect">
+            <a:avLst/>
+          </a:prstGeom>
+          <a:noFill/>
+          <a:ln>
+            <a:noFill/>
+          </a:ln>
+          <a:extLst>
+            <a:ext uri="{909E8E84-426E-40DD-AFC4-6F175D3DCCD1}">
+              <a14:hiddenFill xmlns:a14="http://schemas.microsoft.com/office/drawing/2010/main">
+                <a:solidFill>
+                  <a:srgbClr val="FFFFFF"/>
+                </a:solidFill>
+              </a14:hiddenFill>
+            </a:ext>
+            <a:ext uri="{91240B29-F687-4F45-9708-019B960494DF}">
+              <a14:hiddenLine xmlns:a14="http://schemas.microsoft.com/office/drawing/2010/main" w="9525">
+                <a:solidFill>
+                  <a:srgbClr val="000000"/>
+                </a:solidFill>
+                <a:miter lim="800000"/>
+                <a:headEnd/>
+                <a:tailEnd/>
+              </a14:hiddenLine>
+            </a:ext>
+          </a:extLst>
+        </p:spPr>
+        <p:txBody>
+          <a:bodyPr vert="horz" wrap="square" lIns="91440" tIns="45720" rIns="91440" bIns="45720" numCol="1" anchor="t" anchorCtr="0" compatLnSpc="1">
+            <a:prstTxWarp prst="textNoShape">
+              <a:avLst/>
+            </a:prstTxWarp>
+          </a:bodyPr>
+          <a:lstStyle/>
+          <a:p>
+            <a:pPr lvl="0"/>
+            <a:r>
+              <a:rPr lang="zh-CN" dirty="0" smtClean="0"/>
+              <a:t>单击此处编辑母版文本样式</a:t>
+            </a:r>
+          </a:p>
+          <a:p>
+            <a:pPr lvl="1"/>
+            <a:r>
+              <a:rPr lang="zh-CN" dirty="0" smtClean="0"/>
+              <a:t>第二级</a:t>
+            </a:r>
+          </a:p>
+        </p:txBody>
+      </p:sp>
+    </p:spTree>
+    <p:extLst>
+      <p:ext uri="{BB962C8B-B14F-4D97-AF65-F5344CB8AC3E}">
+        <p14:creationId xmlns:p14="http://schemas.microsoft.com/office/powerpoint/2010/main" val="591464757"/>
+      </p:ext>
+    </p:extLst>
+  </p:cSld>
+  <p:clrMap bg1="lt1" tx1="dk1" bg2="lt2" tx2="dk2" accent1="accent1" accent2="accent2" accent3="accent3" accent4="accent4" accent5="accent5" accent6="accent6" hlink="hlink" folHlink="folHlink"/>
+  <p:sldLayoutIdLst>
+    <p:sldLayoutId id="2147483685" r:id="rId1"/>
+    <p:sldLayoutId id="2147483686" r:id="rId2"/>
+    <p:sldLayoutId id="2147483687" r:id="rId3"/>
+    <p:sldLayoutId id="2147483688" r:id="rId4"/>
+    <p:sldLayoutId id="2147483689" r:id="rId5"/>
+    <p:sldLayoutId id="2147483690" r:id="rId6"/>
+    <p:sldLayoutId id="2147483691" r:id="rId7"/>
+    <p:sldLayoutId id="2147483692" r:id="rId8"/>
+    <p:sldLayoutId id="2147483693" r:id="rId9"/>
+    <p:sldLayoutId id="2147483694" r:id="rId10"/>
+    <p:sldLayoutId id="2147483695" r:id="rId11"/>
+  </p:sldLayoutIdLst>
+  <p:timing>
+    <p:tnLst>
+      <p:par>
+        <p:cTn id="1" dur="indefinite" restart="never" nodeType="tmRoot"/>
+      </p:par>
+    </p:tnLst>
+  </p:timing>
+  <p:txStyles>
+    <p:titleStyle>
+      <a:lvl1pPr algn="l" rtl="0" fontAlgn="base">
+        <a:spcBef>
+          <a:spcPct val="0"/>
+        </a:spcBef>
+        <a:spcAft>
+          <a:spcPct val="0"/>
+        </a:spcAft>
+        <a:defRPr sz="2400">
+          <a:solidFill>
+            <a:schemeClr val="tx2"/>
+          </a:solidFill>
+          <a:latin typeface="+mj-lt"/>
+          <a:ea typeface="+mj-ea"/>
+          <a:cs typeface="+mj-cs"/>
+        </a:defRPr>
+      </a:lvl1pPr>
+      <a:lvl2pPr algn="l" rtl="0" fontAlgn="base">
+        <a:spcBef>
+          <a:spcPct val="0"/>
+        </a:spcBef>
+        <a:spcAft>
+          <a:spcPct val="0"/>
+        </a:spcAft>
+        <a:defRPr sz="2400">
+          <a:solidFill>
+            <a:schemeClr val="tx2"/>
+          </a:solidFill>
+          <a:latin typeface="Arial" pitchFamily="34" charset="0"/>
+          <a:ea typeface="微软雅黑" pitchFamily="34" charset="-122"/>
+        </a:defRPr>
+      </a:lvl2pPr>
+      <a:lvl3pPr algn="l" rtl="0" fontAlgn="base">
+        <a:spcBef>
+          <a:spcPct val="0"/>
+        </a:spcBef>
+        <a:spcAft>
+          <a:spcPct val="0"/>
+        </a:spcAft>
+        <a:defRPr sz="2400">
+          <a:solidFill>
+            <a:schemeClr val="tx2"/>
+          </a:solidFill>
+          <a:latin typeface="Arial" pitchFamily="34" charset="0"/>
+          <a:ea typeface="微软雅黑" pitchFamily="34" charset="-122"/>
+        </a:defRPr>
+      </a:lvl3pPr>
+      <a:lvl4pPr algn="l" rtl="0" fontAlgn="base">
+        <a:spcBef>
+          <a:spcPct val="0"/>
+        </a:spcBef>
+        <a:spcAft>
+          <a:spcPct val="0"/>
+        </a:spcAft>
+        <a:defRPr sz="2400">
+          <a:solidFill>
+            <a:schemeClr val="tx2"/>
+          </a:solidFill>
+          <a:latin typeface="Arial" pitchFamily="34" charset="0"/>
+          <a:ea typeface="微软雅黑" pitchFamily="34" charset="-122"/>
+        </a:defRPr>
+      </a:lvl4pPr>
+      <a:lvl5pPr algn="l" rtl="0" fontAlgn="base">
+        <a:spcBef>
+          <a:spcPct val="0"/>
+        </a:spcBef>
+        <a:spcAft>
+          <a:spcPct val="0"/>
+        </a:spcAft>
+        <a:defRPr sz="2400">
+          <a:solidFill>
+            <a:schemeClr val="tx2"/>
+          </a:solidFill>
+          <a:latin typeface="Arial" pitchFamily="34" charset="0"/>
+          <a:ea typeface="微软雅黑" pitchFamily="34" charset="-122"/>
+        </a:defRPr>
+      </a:lvl5pPr>
+      <a:lvl6pPr marL="457200" algn="l" rtl="0" fontAlgn="base">
+        <a:spcBef>
+          <a:spcPct val="0"/>
+        </a:spcBef>
+        <a:spcAft>
+          <a:spcPct val="0"/>
+        </a:spcAft>
+        <a:defRPr sz="2400">
+          <a:solidFill>
+            <a:schemeClr val="tx2"/>
+          </a:solidFill>
+          <a:latin typeface="Arial" pitchFamily="34" charset="0"/>
+          <a:ea typeface="微软雅黑" pitchFamily="34" charset="-122"/>
+        </a:defRPr>
+      </a:lvl6pPr>
+      <a:lvl7pPr marL="914400" algn="l" rtl="0" fontAlgn="base">
+        <a:spcBef>
+          <a:spcPct val="0"/>
+        </a:spcBef>
+        <a:spcAft>
+          <a:spcPct val="0"/>
+        </a:spcAft>
+        <a:defRPr sz="2400">
+          <a:solidFill>
+            <a:schemeClr val="tx2"/>
+          </a:solidFill>
+          <a:latin typeface="Arial" pitchFamily="34" charset="0"/>
+          <a:ea typeface="微软雅黑" pitchFamily="34" charset="-122"/>
+        </a:defRPr>
+      </a:lvl7pPr>
+      <a:lvl8pPr marL="1371600" algn="l" rtl="0" fontAlgn="base">
+        <a:spcBef>
+          <a:spcPct val="0"/>
+        </a:spcBef>
+        <a:spcAft>
+          <a:spcPct val="0"/>
+        </a:spcAft>
+        <a:defRPr sz="2400">
+          <a:solidFill>
+            <a:schemeClr val="tx2"/>
+          </a:solidFill>
+          <a:latin typeface="Arial" pitchFamily="34" charset="0"/>
+          <a:ea typeface="微软雅黑" pitchFamily="34" charset="-122"/>
+        </a:defRPr>
+      </a:lvl8pPr>
+      <a:lvl9pPr marL="1828800" algn="l" rtl="0" fontAlgn="base">
+        <a:spcBef>
+          <a:spcPct val="0"/>
+        </a:spcBef>
+        <a:spcAft>
+          <a:spcPct val="0"/>
+        </a:spcAft>
+        <a:defRPr sz="2400">
+          <a:solidFill>
+            <a:schemeClr val="tx2"/>
+          </a:solidFill>
+          <a:latin typeface="Arial" pitchFamily="34" charset="0"/>
+          <a:ea typeface="微软雅黑" pitchFamily="34" charset="-122"/>
+        </a:defRPr>
+      </a:lvl9pPr>
+    </p:titleStyle>
+    <p:bodyStyle>
+      <a:lvl1pPr marL="342900" indent="-342900" algn="l" rtl="0" fontAlgn="base">
+        <a:spcBef>
+          <a:spcPct val="20000"/>
+        </a:spcBef>
+        <a:spcAft>
+          <a:spcPct val="0"/>
+        </a:spcAft>
+        <a:buChar char="•"/>
+        <a:defRPr sz="2000">
+          <a:solidFill>
+            <a:schemeClr val="tx1"/>
+          </a:solidFill>
+          <a:latin typeface="+mn-lt"/>
+          <a:ea typeface="+mn-ea"/>
+          <a:cs typeface="+mn-cs"/>
+        </a:defRPr>
+      </a:lvl1pPr>
+      <a:lvl2pPr marL="742950" indent="-285750" algn="l" rtl="0" eaLnBrk="0" fontAlgn="base" hangingPunct="0">
+        <a:spcBef>
+          <a:spcPct val="20000"/>
+        </a:spcBef>
+        <a:spcAft>
+          <a:spcPct val="0"/>
+        </a:spcAft>
+        <a:buChar char="–"/>
+        <a:defRPr sz="2000">
+          <a:solidFill>
+            <a:schemeClr val="tx1"/>
           </a:solidFill>
           <a:latin typeface="+mn-lt"/>
           <a:ea typeface="仿宋_GB2312" pitchFamily="49" charset="-122"/>
@@ -9243,6 +11715,474 @@
 <file path=ppt/slides/slide10.xml><?xml version="1.0" encoding="utf-8"?>
 <p:sld xmlns:a="http://schemas.openxmlformats.org/drawingml/2006/main" xmlns:r="http://schemas.openxmlformats.org/officeDocument/2006/relationships" xmlns:p="http://schemas.openxmlformats.org/presentationml/2006/main">
   <p:cSld>
+    <p:bg>
+      <p:bgPr>
+        <a:solidFill>
+          <a:srgbClr val="AF2019"/>
+        </a:solidFill>
+        <a:effectLst/>
+      </p:bgPr>
+    </p:bg>
+    <p:spTree>
+      <p:nvGrpSpPr>
+        <p:cNvPr id="1" name=""/>
+        <p:cNvGrpSpPr/>
+        <p:nvPr/>
+      </p:nvGrpSpPr>
+      <p:grpSpPr>
+        <a:xfrm>
+          <a:off x="0" y="0"/>
+          <a:ext cx="0" cy="0"/>
+          <a:chOff x="0" y="0"/>
+          <a:chExt cx="0" cy="0"/>
+        </a:xfrm>
+      </p:grpSpPr>
+      <p:sp>
+        <p:nvSpPr>
+          <p:cNvPr id="22" name="矩形 21"/>
+          <p:cNvSpPr/>
+          <p:nvPr/>
+        </p:nvSpPr>
+        <p:spPr bwMode="auto">
+          <a:xfrm>
+            <a:off x="0" y="666517"/>
+            <a:ext cx="12196763" cy="6002843"/>
+          </a:xfrm>
+          <a:prstGeom prst="rect">
+            <a:avLst/>
+          </a:prstGeom>
+          <a:solidFill>
+            <a:schemeClr val="bg2">
+              <a:lumMod val="20000"/>
+              <a:lumOff val="80000"/>
+            </a:schemeClr>
+          </a:solidFill>
+          <a:ln w="9525" cap="flat" cmpd="sng" algn="ctr">
+            <a:noFill/>
+            <a:prstDash val="solid"/>
+            <a:round/>
+            <a:headEnd type="none" w="med" len="med"/>
+            <a:tailEnd type="none" w="med" len="med"/>
+          </a:ln>
+          <a:effectLst/>
+          <a:extLst/>
+        </p:spPr>
+        <p:txBody>
+          <a:bodyPr vert="horz" wrap="square" lIns="91440" tIns="45720" rIns="91440" bIns="45720" numCol="1" rtlCol="0" anchor="t" anchorCtr="0" compatLnSpc="1">
+            <a:prstTxWarp prst="textNoShape">
+              <a:avLst/>
+            </a:prstTxWarp>
+          </a:bodyPr>
+          <a:lstStyle/>
+          <a:p>
+            <a:endParaRPr lang="zh-CN" altLang="en-US" dirty="0" smtClean="0">
+              <a:solidFill>
+                <a:srgbClr val="C4261D"/>
+              </a:solidFill>
+            </a:endParaRPr>
+          </a:p>
+        </p:txBody>
+      </p:sp>
+      <p:sp>
+        <p:nvSpPr>
+          <p:cNvPr id="27" name="矩形 26"/>
+          <p:cNvSpPr/>
+          <p:nvPr/>
+        </p:nvSpPr>
+        <p:spPr bwMode="auto">
+          <a:xfrm>
+            <a:off x="0" y="238581"/>
+            <a:ext cx="409749" cy="333328"/>
+          </a:xfrm>
+          <a:prstGeom prst="rect">
+            <a:avLst/>
+          </a:prstGeom>
+          <a:solidFill>
+            <a:schemeClr val="bg1"/>
+          </a:solidFill>
+          <a:ln w="9525" cap="flat" cmpd="sng" algn="ctr">
+            <a:noFill/>
+            <a:prstDash val="solid"/>
+            <a:round/>
+            <a:headEnd type="none" w="med" len="med"/>
+            <a:tailEnd type="none" w="med" len="med"/>
+          </a:ln>
+          <a:effectLst/>
+          <a:extLst/>
+        </p:spPr>
+        <p:txBody>
+          <a:bodyPr vert="horz" wrap="square" lIns="91440" tIns="45720" rIns="91440" bIns="45720" numCol="1" rtlCol="0" anchor="t" anchorCtr="0" compatLnSpc="1">
+            <a:prstTxWarp prst="textNoShape">
+              <a:avLst/>
+            </a:prstTxWarp>
+          </a:bodyPr>
+          <a:lstStyle/>
+          <a:p>
+            <a:endParaRPr lang="zh-CN" altLang="en-US" smtClean="0">
+              <a:solidFill>
+                <a:srgbClr val="C4261D"/>
+              </a:solidFill>
+            </a:endParaRPr>
+          </a:p>
+        </p:txBody>
+      </p:sp>
+      <p:sp>
+        <p:nvSpPr>
+          <p:cNvPr id="6" name="矩形 5"/>
+          <p:cNvSpPr/>
+          <p:nvPr/>
+        </p:nvSpPr>
+        <p:spPr bwMode="auto">
+          <a:xfrm>
+            <a:off x="204874" y="2276872"/>
+            <a:ext cx="11798163" cy="2304256"/>
+          </a:xfrm>
+          <a:prstGeom prst="rect">
+            <a:avLst/>
+          </a:prstGeom>
+          <a:solidFill>
+            <a:schemeClr val="tx1"/>
+          </a:solidFill>
+          <a:ln w="9525" cap="flat" cmpd="sng" algn="ctr">
+            <a:noFill/>
+            <a:prstDash val="solid"/>
+            <a:round/>
+            <a:headEnd type="none" w="med" len="med"/>
+            <a:tailEnd type="none" w="med" len="med"/>
+          </a:ln>
+          <a:effectLst/>
+          <a:extLst/>
+        </p:spPr>
+        <p:txBody>
+          <a:bodyPr vert="horz" wrap="square" lIns="91440" tIns="45720" rIns="91440" bIns="45720" numCol="1" rtlCol="0" anchor="t" anchorCtr="0" compatLnSpc="1">
+            <a:prstTxWarp prst="textNoShape">
+              <a:avLst/>
+            </a:prstTxWarp>
+          </a:bodyPr>
+          <a:lstStyle/>
+          <a:p>
+            <a:pPr algn="ctr"/>
+            <a:r>
+              <a:rPr lang="zh-CN" altLang="en-US" sz="2800" dirty="0">
+                <a:solidFill>
+                  <a:srgbClr val="F8F8F8"/>
+                </a:solidFill>
+                <a:latin typeface="微软雅黑"/>
+                <a:ea typeface="微软雅黑"/>
+              </a:rPr>
+              <a:t>单</a:t>
+            </a:r>
+            <a:r>
+              <a:rPr lang="zh-CN" altLang="en-US" sz="2800" dirty="0" smtClean="0">
+                <a:solidFill>
+                  <a:srgbClr val="F8F8F8"/>
+                </a:solidFill>
+                <a:latin typeface="微软雅黑"/>
+                <a:ea typeface="微软雅黑"/>
+              </a:rPr>
+              <a:t>例（设计）模式之外，还有别的（设计）模式</a:t>
+            </a:r>
+            <a:r>
+              <a:rPr lang="en-US" altLang="zh-CN" sz="2800" dirty="0" smtClean="0">
+                <a:solidFill>
+                  <a:srgbClr val="F8F8F8"/>
+                </a:solidFill>
+                <a:latin typeface="微软雅黑"/>
+                <a:ea typeface="微软雅黑"/>
+              </a:rPr>
+              <a:t>……</a:t>
+            </a:r>
+            <a:r>
+              <a:rPr lang="zh-CN" altLang="en-US" sz="2800" dirty="0" smtClean="0">
+                <a:solidFill>
+                  <a:srgbClr val="F8F8F8"/>
+                </a:solidFill>
+                <a:latin typeface="微软雅黑"/>
+                <a:ea typeface="微软雅黑"/>
+              </a:rPr>
+              <a:t>，</a:t>
+            </a:r>
+            <a:endParaRPr lang="en-US" altLang="zh-CN" sz="2800" dirty="0" smtClean="0">
+              <a:solidFill>
+                <a:srgbClr val="F8F8F8"/>
+              </a:solidFill>
+              <a:latin typeface="微软雅黑"/>
+              <a:ea typeface="微软雅黑"/>
+            </a:endParaRPr>
+          </a:p>
+          <a:p>
+            <a:pPr algn="ctr"/>
+            <a:endParaRPr lang="en-US" altLang="zh-CN" sz="2800" dirty="0" smtClean="0">
+              <a:solidFill>
+                <a:srgbClr val="F8F8F8"/>
+              </a:solidFill>
+              <a:latin typeface="微软雅黑"/>
+              <a:ea typeface="微软雅黑"/>
+            </a:endParaRPr>
+          </a:p>
+          <a:p>
+            <a:pPr algn="ctr"/>
+            <a:endParaRPr lang="en-US" altLang="zh-CN" sz="2800" dirty="0" smtClean="0">
+              <a:solidFill>
+                <a:srgbClr val="F8F8F8"/>
+              </a:solidFill>
+              <a:latin typeface="微软雅黑"/>
+              <a:ea typeface="微软雅黑"/>
+            </a:endParaRPr>
+          </a:p>
+          <a:p>
+            <a:pPr algn="ctr"/>
+            <a:endParaRPr lang="en-US" altLang="zh-CN" sz="2000" dirty="0" smtClean="0">
+              <a:solidFill>
+                <a:srgbClr val="F8F8F8"/>
+              </a:solidFill>
+              <a:latin typeface="微软雅黑"/>
+              <a:ea typeface="微软雅黑"/>
+            </a:endParaRPr>
+          </a:p>
+          <a:p>
+            <a:pPr algn="ctr"/>
+            <a:endParaRPr lang="en-US" altLang="zh-CN" dirty="0" smtClean="0">
+              <a:solidFill>
+                <a:srgbClr val="F8F8F8"/>
+              </a:solidFill>
+              <a:latin typeface="微软雅黑"/>
+              <a:ea typeface="微软雅黑"/>
+            </a:endParaRPr>
+          </a:p>
+          <a:p>
+            <a:pPr algn="ctr"/>
+            <a:r>
+              <a:rPr lang="zh-CN" altLang="en-US" dirty="0" smtClean="0">
+                <a:solidFill>
+                  <a:srgbClr val="F8F8F8"/>
+                </a:solidFill>
+                <a:latin typeface="微软雅黑"/>
+                <a:ea typeface="微软雅黑"/>
+              </a:rPr>
+              <a:t>此概念来源于建筑领域。模式之父</a:t>
+            </a:r>
+            <a:r>
+              <a:rPr lang="en-US" altLang="zh-CN" dirty="0" smtClean="0">
+                <a:solidFill>
+                  <a:srgbClr val="F8F8F8"/>
+                </a:solidFill>
+                <a:latin typeface="微软雅黑"/>
+                <a:ea typeface="微软雅黑"/>
+              </a:rPr>
+              <a:t>Christopher Alexander</a:t>
+            </a:r>
+            <a:r>
+              <a:rPr lang="zh-CN" altLang="en-US" dirty="0" smtClean="0">
+                <a:solidFill>
+                  <a:srgbClr val="F8F8F8"/>
+                </a:solidFill>
+                <a:latin typeface="微软雅黑"/>
+                <a:ea typeface="微软雅黑"/>
+              </a:rPr>
+              <a:t>博士对模式的定义：具体环境中解决问题的办法</a:t>
+            </a:r>
+            <a:endParaRPr lang="zh-CN" altLang="en-US" dirty="0" smtClean="0">
+              <a:solidFill>
+                <a:srgbClr val="F8F8F8"/>
+              </a:solidFill>
+              <a:latin typeface="微软雅黑"/>
+              <a:ea typeface="微软雅黑"/>
+            </a:endParaRPr>
+          </a:p>
+        </p:txBody>
+      </p:sp>
+    </p:spTree>
+    <p:extLst>
+      <p:ext uri="{BB962C8B-B14F-4D97-AF65-F5344CB8AC3E}">
+        <p14:creationId xmlns:p14="http://schemas.microsoft.com/office/powerpoint/2010/main" val="1286581910"/>
+      </p:ext>
+    </p:extLst>
+  </p:cSld>
+  <p:clrMapOvr>
+    <a:masterClrMapping/>
+  </p:clrMapOvr>
+  <p:transition spd="slow" advTm="7876">
+    <p:wipe/>
+  </p:transition>
+  <p:timing>
+    <p:tnLst>
+      <p:par>
+        <p:cTn id="1" dur="indefinite" restart="never" nodeType="tmRoot">
+          <p:childTnLst>
+            <p:seq concurrent="1" nextAc="seek">
+              <p:cTn id="2" dur="indefinite" nodeType="mainSeq">
+                <p:childTnLst>
+                  <p:par>
+                    <p:cTn id="3" fill="hold">
+                      <p:stCondLst>
+                        <p:cond delay="indefinite"/>
+                        <p:cond evt="onBegin" delay="0">
+                          <p:tn val="2"/>
+                        </p:cond>
+                      </p:stCondLst>
+                      <p:childTnLst>
+                        <p:par>
+                          <p:cTn id="4" fill="hold">
+                            <p:stCondLst>
+                              <p:cond delay="0"/>
+                            </p:stCondLst>
+                            <p:childTnLst>
+                              <p:par>
+                                <p:cTn id="5" presetID="2" presetClass="entr" presetSubtype="8" fill="hold" grpId="0" nodeType="afterEffect">
+                                  <p:stCondLst>
+                                    <p:cond delay="0"/>
+                                  </p:stCondLst>
+                                  <p:childTnLst>
+                                    <p:set>
+                                      <p:cBhvr>
+                                        <p:cTn id="6" dur="1" fill="hold">
+                                          <p:stCondLst>
+                                            <p:cond delay="0"/>
+                                          </p:stCondLst>
+                                        </p:cTn>
+                                        <p:tgtEl>
+                                          <p:spTgt spid="27"/>
+                                        </p:tgtEl>
+                                        <p:attrNameLst>
+                                          <p:attrName>style.visibility</p:attrName>
+                                        </p:attrNameLst>
+                                      </p:cBhvr>
+                                      <p:to>
+                                        <p:strVal val="visible"/>
+                                      </p:to>
+                                    </p:set>
+                                    <p:anim calcmode="lin" valueType="num">
+                                      <p:cBhvr additive="base">
+                                        <p:cTn id="7" dur="300" fill="hold"/>
+                                        <p:tgtEl>
+                                          <p:spTgt spid="27"/>
+                                        </p:tgtEl>
+                                        <p:attrNameLst>
+                                          <p:attrName>ppt_x</p:attrName>
+                                        </p:attrNameLst>
+                                      </p:cBhvr>
+                                      <p:tavLst>
+                                        <p:tav tm="0">
+                                          <p:val>
+                                            <p:strVal val="0-#ppt_w/2"/>
+                                          </p:val>
+                                        </p:tav>
+                                        <p:tav tm="100000">
+                                          <p:val>
+                                            <p:strVal val="#ppt_x"/>
+                                          </p:val>
+                                        </p:tav>
+                                      </p:tavLst>
+                                    </p:anim>
+                                    <p:anim calcmode="lin" valueType="num">
+                                      <p:cBhvr additive="base">
+                                        <p:cTn id="8" dur="300" fill="hold"/>
+                                        <p:tgtEl>
+                                          <p:spTgt spid="27"/>
+                                        </p:tgtEl>
+                                        <p:attrNameLst>
+                                          <p:attrName>ppt_y</p:attrName>
+                                        </p:attrNameLst>
+                                      </p:cBhvr>
+                                      <p:tavLst>
+                                        <p:tav tm="0">
+                                          <p:val>
+                                            <p:strVal val="#ppt_y"/>
+                                          </p:val>
+                                        </p:tav>
+                                        <p:tav tm="100000">
+                                          <p:val>
+                                            <p:strVal val="#ppt_y"/>
+                                          </p:val>
+                                        </p:tav>
+                                      </p:tavLst>
+                                    </p:anim>
+                                  </p:childTnLst>
+                                </p:cTn>
+                              </p:par>
+                            </p:childTnLst>
+                          </p:cTn>
+                        </p:par>
+                        <p:par>
+                          <p:cTn id="9" fill="hold">
+                            <p:stCondLst>
+                              <p:cond delay="300"/>
+                            </p:stCondLst>
+                            <p:childTnLst>
+                              <p:par>
+                                <p:cTn id="10" presetID="22" presetClass="entr" presetSubtype="2" fill="hold" grpId="0" nodeType="afterEffect">
+                                  <p:stCondLst>
+                                    <p:cond delay="0"/>
+                                  </p:stCondLst>
+                                  <p:childTnLst>
+                                    <p:set>
+                                      <p:cBhvr>
+                                        <p:cTn id="11" dur="1" fill="hold">
+                                          <p:stCondLst>
+                                            <p:cond delay="0"/>
+                                          </p:stCondLst>
+                                        </p:cTn>
+                                        <p:tgtEl>
+                                          <p:spTgt spid="6"/>
+                                        </p:tgtEl>
+                                        <p:attrNameLst>
+                                          <p:attrName>style.visibility</p:attrName>
+                                        </p:attrNameLst>
+                                      </p:cBhvr>
+                                      <p:to>
+                                        <p:strVal val="visible"/>
+                                      </p:to>
+                                    </p:set>
+                                    <p:animEffect transition="in" filter="wipe(right)">
+                                      <p:cBhvr>
+                                        <p:cTn id="12" dur="500"/>
+                                        <p:tgtEl>
+                                          <p:spTgt spid="6"/>
+                                        </p:tgtEl>
+                                      </p:cBhvr>
+                                    </p:animEffect>
+                                  </p:childTnLst>
+                                </p:cTn>
+                              </p:par>
+                            </p:childTnLst>
+                          </p:cTn>
+                        </p:par>
+                      </p:childTnLst>
+                    </p:cTn>
+                  </p:par>
+                </p:childTnLst>
+              </p:cTn>
+              <p:prevCondLst>
+                <p:cond evt="onPrev" delay="0">
+                  <p:tgtEl>
+                    <p:sldTgt/>
+                  </p:tgtEl>
+                </p:cond>
+              </p:prevCondLst>
+              <p:nextCondLst>
+                <p:cond evt="onNext" delay="0">
+                  <p:tgtEl>
+                    <p:sldTgt/>
+                  </p:tgtEl>
+                </p:cond>
+              </p:nextCondLst>
+            </p:seq>
+          </p:childTnLst>
+        </p:cTn>
+      </p:par>
+    </p:tnLst>
+    <p:bldLst>
+      <p:bldP spid="27" grpId="0" animBg="1"/>
+      <p:bldP spid="6" grpId="0" animBg="1"/>
+    </p:bldLst>
+  </p:timing>
+</p:sld>
+</file>
+
+<file path=ppt/slides/slide11.xml><?xml version="1.0" encoding="utf-8"?>
+<p:sld xmlns:a="http://schemas.openxmlformats.org/drawingml/2006/main" xmlns:r="http://schemas.openxmlformats.org/officeDocument/2006/relationships" xmlns:p="http://schemas.openxmlformats.org/presentationml/2006/main">
+  <p:cSld>
     <p:spTree>
       <p:nvGrpSpPr>
         <p:cNvPr id="1" name=""/>
@@ -11313,7 +14253,7 @@
 </p:sld>
 </file>
 
-<file path=ppt/slides/slide11.xml><?xml version="1.0" encoding="utf-8"?>
+<file path=ppt/slides/slide12.xml><?xml version="1.0" encoding="utf-8"?>
 <p:sld xmlns:a="http://schemas.openxmlformats.org/drawingml/2006/main" xmlns:r="http://schemas.openxmlformats.org/officeDocument/2006/relationships" xmlns:p="http://schemas.openxmlformats.org/presentationml/2006/main">
   <p:cSld>
     <p:spTree>
@@ -15158,7 +18098,7 @@
 </p:sld>
 </file>
 
-<file path=ppt/slides/slide12.xml><?xml version="1.0" encoding="utf-8"?>
+<file path=ppt/slides/slide13.xml><?xml version="1.0" encoding="utf-8"?>
 <p:sld xmlns:a="http://schemas.openxmlformats.org/drawingml/2006/main" xmlns:r="http://schemas.openxmlformats.org/officeDocument/2006/relationships" xmlns:p="http://schemas.openxmlformats.org/presentationml/2006/main">
   <p:cSld>
     <p:bg>
@@ -17852,7 +20792,7 @@
 </p:sld>
 </file>
 
-<file path=ppt/slides/slide13.xml><?xml version="1.0" encoding="utf-8"?>
+<file path=ppt/slides/slide14.xml><?xml version="1.0" encoding="utf-8"?>
 <p:sld xmlns:a="http://schemas.openxmlformats.org/drawingml/2006/main" xmlns:r="http://schemas.openxmlformats.org/officeDocument/2006/relationships" xmlns:p="http://schemas.openxmlformats.org/presentationml/2006/main">
   <p:cSld>
     <p:bg>
@@ -21055,6 +23995,983 @@
       <p:bldP spid="27" grpId="0" animBg="1"/>
       <p:bldP spid="45" grpId="0" animBg="1"/>
       <p:bldP spid="46" grpId="0"/>
+    </p:bldLst>
+  </p:timing>
+</p:sld>
+</file>
+
+<file path=ppt/slides/slide15.xml><?xml version="1.0" encoding="utf-8"?>
+<p:sld xmlns:a="http://schemas.openxmlformats.org/drawingml/2006/main" xmlns:r="http://schemas.openxmlformats.org/officeDocument/2006/relationships" xmlns:p="http://schemas.openxmlformats.org/presentationml/2006/main">
+  <p:cSld>
+    <p:spTree>
+      <p:nvGrpSpPr>
+        <p:cNvPr id="1" name=""/>
+        <p:cNvGrpSpPr/>
+        <p:nvPr/>
+      </p:nvGrpSpPr>
+      <p:grpSpPr>
+        <a:xfrm>
+          <a:off x="0" y="0"/>
+          <a:ext cx="0" cy="0"/>
+          <a:chOff x="0" y="0"/>
+          <a:chExt cx="0" cy="0"/>
+        </a:xfrm>
+      </p:grpSpPr>
+      <p:pic>
+        <p:nvPicPr>
+          <p:cNvPr id="5" name="图片 4"/>
+          <p:cNvPicPr>
+            <a:picLocks noChangeAspect="1"/>
+          </p:cNvPicPr>
+          <p:nvPr/>
+        </p:nvPicPr>
+        <p:blipFill rotWithShape="1">
+          <a:blip r:embed="rId3" cstate="print">
+            <a:extLst>
+              <a:ext uri="{28A0092B-C50C-407E-A947-70E740481C1C}">
+                <a14:useLocalDpi xmlns:a14="http://schemas.microsoft.com/office/drawing/2010/main" val="0"/>
+              </a:ext>
+            </a:extLst>
+          </a:blip>
+          <a:srcRect t="3681" r="-1082" b="7810"/>
+          <a:stretch/>
+        </p:blipFill>
+        <p:spPr>
+          <a:xfrm>
+            <a:off x="0" y="630774"/>
+            <a:ext cx="12328633" cy="6074851"/>
+          </a:xfrm>
+          <a:prstGeom prst="rect">
+            <a:avLst/>
+          </a:prstGeom>
+        </p:spPr>
+      </p:pic>
+      <p:sp>
+        <p:nvSpPr>
+          <p:cNvPr id="4" name="矩形 3"/>
+          <p:cNvSpPr/>
+          <p:nvPr/>
+        </p:nvSpPr>
+        <p:spPr bwMode="auto">
+          <a:xfrm>
+            <a:off x="0" y="238581"/>
+            <a:ext cx="409749" cy="333328"/>
+          </a:xfrm>
+          <a:prstGeom prst="rect">
+            <a:avLst/>
+          </a:prstGeom>
+          <a:solidFill>
+            <a:schemeClr val="tx1"/>
+          </a:solidFill>
+          <a:ln w="9525" cap="flat" cmpd="sng" algn="ctr">
+            <a:noFill/>
+            <a:prstDash val="solid"/>
+            <a:round/>
+            <a:headEnd type="none" w="med" len="med"/>
+            <a:tailEnd type="none" w="med" len="med"/>
+          </a:ln>
+          <a:effectLst/>
+          <a:extLst/>
+        </p:spPr>
+        <p:txBody>
+          <a:bodyPr vert="horz" wrap="square" lIns="91440" tIns="45720" rIns="91440" bIns="45720" numCol="1" rtlCol="0" anchor="t" anchorCtr="0" compatLnSpc="1">
+            <a:prstTxWarp prst="textNoShape">
+              <a:avLst/>
+            </a:prstTxWarp>
+          </a:bodyPr>
+          <a:lstStyle/>
+          <a:p>
+            <a:endParaRPr lang="zh-CN" altLang="en-US" smtClean="0">
+              <a:solidFill>
+                <a:srgbClr val="C4261D"/>
+              </a:solidFill>
+            </a:endParaRPr>
+          </a:p>
+        </p:txBody>
+      </p:sp>
+      <p:sp>
+        <p:nvSpPr>
+          <p:cNvPr id="6" name="矩形 5"/>
+          <p:cNvSpPr/>
+          <p:nvPr/>
+        </p:nvSpPr>
+        <p:spPr bwMode="auto">
+          <a:xfrm>
+            <a:off x="673" y="0"/>
+            <a:ext cx="12196090" cy="6857999"/>
+          </a:xfrm>
+          <a:prstGeom prst="rect">
+            <a:avLst/>
+          </a:prstGeom>
+          <a:solidFill>
+            <a:schemeClr val="bg2">
+              <a:lumMod val="20000"/>
+              <a:lumOff val="80000"/>
+              <a:alpha val="70000"/>
+            </a:schemeClr>
+          </a:solidFill>
+          <a:ln w="9525" cap="flat" cmpd="sng" algn="ctr">
+            <a:noFill/>
+            <a:prstDash val="solid"/>
+            <a:round/>
+            <a:headEnd type="none" w="med" len="med"/>
+            <a:tailEnd type="none" w="med" len="med"/>
+          </a:ln>
+          <a:effectLst/>
+          <a:extLst/>
+        </p:spPr>
+        <p:txBody>
+          <a:bodyPr vert="horz" wrap="square" lIns="91440" tIns="45720" rIns="91440" bIns="45720" numCol="1" rtlCol="0" anchor="t" anchorCtr="0" compatLnSpc="1">
+            <a:prstTxWarp prst="textNoShape">
+              <a:avLst/>
+            </a:prstTxWarp>
+          </a:bodyPr>
+          <a:lstStyle/>
+          <a:p>
+            <a:endParaRPr lang="zh-CN" altLang="en-US" smtClean="0">
+              <a:solidFill>
+                <a:srgbClr val="C4261D"/>
+              </a:solidFill>
+            </a:endParaRPr>
+          </a:p>
+        </p:txBody>
+      </p:sp>
+      <p:sp>
+        <p:nvSpPr>
+          <p:cNvPr id="9" name="TextBox 8"/>
+          <p:cNvSpPr txBox="1"/>
+          <p:nvPr/>
+        </p:nvSpPr>
+        <p:spPr>
+          <a:xfrm>
+            <a:off x="1561877" y="764704"/>
+            <a:ext cx="8879104" cy="5509200"/>
+          </a:xfrm>
+          <a:prstGeom prst="rect">
+            <a:avLst/>
+          </a:prstGeom>
+          <a:noFill/>
+        </p:spPr>
+        <p:txBody>
+          <a:bodyPr wrap="square" rtlCol="0">
+            <a:spAutoFit/>
+          </a:bodyPr>
+          <a:lstStyle/>
+          <a:p>
+            <a:r>
+              <a:rPr lang="zh-CN" altLang="en-US" sz="2200" b="1" dirty="0">
+                <a:solidFill>
+                  <a:srgbClr val="C4261D"/>
+                </a:solidFill>
+                <a:latin typeface="微软雅黑"/>
+                <a:ea typeface="微软雅黑"/>
+              </a:rPr>
+              <a:t>课</a:t>
+            </a:r>
+            <a:r>
+              <a:rPr lang="zh-CN" altLang="en-US" sz="2200" b="1" dirty="0" smtClean="0">
+                <a:solidFill>
+                  <a:srgbClr val="C4261D"/>
+                </a:solidFill>
+                <a:latin typeface="微软雅黑"/>
+                <a:ea typeface="微软雅黑"/>
+              </a:rPr>
+              <a:t>下任务</a:t>
+            </a:r>
+            <a:endParaRPr lang="en-US" altLang="zh-CN" sz="2200" b="1" dirty="0" smtClean="0">
+              <a:solidFill>
+                <a:srgbClr val="C4261D"/>
+              </a:solidFill>
+              <a:latin typeface="微软雅黑"/>
+              <a:ea typeface="微软雅黑"/>
+            </a:endParaRPr>
+          </a:p>
+          <a:p>
+            <a:endParaRPr lang="en-US" altLang="zh-CN" sz="2200" b="1" dirty="0">
+              <a:solidFill>
+                <a:srgbClr val="C4261D"/>
+              </a:solidFill>
+              <a:latin typeface="微软雅黑"/>
+              <a:ea typeface="微软雅黑"/>
+            </a:endParaRPr>
+          </a:p>
+          <a:p>
+            <a:r>
+              <a:rPr lang="zh-CN" altLang="en-US" sz="2200" dirty="0" smtClean="0">
+                <a:solidFill>
+                  <a:srgbClr val="C4261D"/>
+                </a:solidFill>
+                <a:latin typeface="微软雅黑"/>
+                <a:ea typeface="微软雅黑"/>
+              </a:rPr>
+              <a:t>一、小组合作</a:t>
+            </a:r>
+            <a:endParaRPr lang="en-US" altLang="zh-CN" sz="2200" dirty="0" smtClean="0">
+              <a:solidFill>
+                <a:srgbClr val="C4261D"/>
+              </a:solidFill>
+              <a:latin typeface="微软雅黑"/>
+              <a:ea typeface="微软雅黑"/>
+            </a:endParaRPr>
+          </a:p>
+          <a:p>
+            <a:r>
+              <a:rPr lang="en-US" altLang="zh-CN" sz="2200" dirty="0" smtClean="0">
+                <a:solidFill>
+                  <a:srgbClr val="C4261D"/>
+                </a:solidFill>
+                <a:latin typeface="微软雅黑"/>
+                <a:ea typeface="微软雅黑"/>
+              </a:rPr>
+              <a:t>      7</a:t>
+            </a:r>
+            <a:r>
+              <a:rPr lang="zh-CN" altLang="en-US" sz="2200" dirty="0" smtClean="0">
+                <a:solidFill>
+                  <a:srgbClr val="C4261D"/>
+                </a:solidFill>
+                <a:latin typeface="微软雅黑"/>
+                <a:ea typeface="微软雅黑"/>
+              </a:rPr>
+              <a:t>人一组。小组成员要通力合作，保证每位同学提交作业，以免影响小组成绩。下次上课前每小组推荐</a:t>
+            </a:r>
+            <a:r>
+              <a:rPr lang="en-US" altLang="zh-CN" sz="2200" dirty="0" smtClean="0">
+                <a:solidFill>
+                  <a:srgbClr val="C4261D"/>
+                </a:solidFill>
+                <a:latin typeface="微软雅黑"/>
+                <a:ea typeface="微软雅黑"/>
+              </a:rPr>
+              <a:t>1</a:t>
+            </a:r>
+            <a:r>
+              <a:rPr lang="zh-CN" altLang="en-US" sz="2200" dirty="0" smtClean="0">
+                <a:solidFill>
+                  <a:srgbClr val="C4261D"/>
+                </a:solidFill>
+                <a:latin typeface="微软雅黑"/>
+                <a:ea typeface="微软雅黑"/>
+              </a:rPr>
+              <a:t>名代表，参与最佳作业的评选。</a:t>
+            </a:r>
+            <a:endParaRPr lang="en-US" altLang="zh-CN" sz="2200" dirty="0" smtClean="0">
+              <a:solidFill>
+                <a:srgbClr val="C4261D"/>
+              </a:solidFill>
+              <a:latin typeface="微软雅黑"/>
+              <a:ea typeface="微软雅黑"/>
+            </a:endParaRPr>
+          </a:p>
+          <a:p>
+            <a:endParaRPr lang="en-US" altLang="zh-CN" sz="2200" dirty="0" smtClean="0">
+              <a:solidFill>
+                <a:srgbClr val="C4261D"/>
+              </a:solidFill>
+              <a:latin typeface="微软雅黑"/>
+              <a:ea typeface="微软雅黑"/>
+            </a:endParaRPr>
+          </a:p>
+          <a:p>
+            <a:r>
+              <a:rPr lang="zh-CN" altLang="en-US" sz="2200" dirty="0" smtClean="0">
+                <a:solidFill>
+                  <a:srgbClr val="C4261D"/>
+                </a:solidFill>
+                <a:latin typeface="微软雅黑"/>
+                <a:ea typeface="微软雅黑"/>
+              </a:rPr>
+              <a:t>二、作业</a:t>
+            </a:r>
+            <a:endParaRPr lang="en-US" altLang="zh-CN" sz="2200" dirty="0" smtClean="0">
+              <a:solidFill>
+                <a:srgbClr val="C4261D"/>
+              </a:solidFill>
+              <a:latin typeface="微软雅黑"/>
+              <a:ea typeface="微软雅黑"/>
+            </a:endParaRPr>
+          </a:p>
+          <a:p>
+            <a:r>
+              <a:rPr lang="en-US" altLang="zh-CN" sz="2200" dirty="0" smtClean="0">
+                <a:solidFill>
+                  <a:srgbClr val="C4261D"/>
+                </a:solidFill>
+                <a:latin typeface="微软雅黑"/>
+                <a:ea typeface="微软雅黑"/>
+              </a:rPr>
+              <a:t>    1.</a:t>
+            </a:r>
+            <a:r>
+              <a:rPr lang="zh-CN" altLang="en-US" sz="2200" dirty="0" smtClean="0">
+                <a:solidFill>
+                  <a:srgbClr val="C4261D"/>
+                </a:solidFill>
+                <a:latin typeface="微软雅黑"/>
+                <a:ea typeface="微软雅黑"/>
+              </a:rPr>
+              <a:t>查阅资料，深入理解什么是“单例模式”，重点说明</a:t>
+            </a:r>
+            <a:r>
+              <a:rPr lang="en-US" altLang="zh-CN" sz="2200" dirty="0" smtClean="0">
+                <a:solidFill>
+                  <a:srgbClr val="C4261D"/>
+                </a:solidFill>
+                <a:latin typeface="微软雅黑"/>
+                <a:ea typeface="微软雅黑"/>
+              </a:rPr>
+              <a:t>static</a:t>
+            </a:r>
+            <a:r>
+              <a:rPr lang="zh-CN" altLang="en-US" sz="2200" dirty="0" smtClean="0">
+                <a:solidFill>
+                  <a:srgbClr val="C4261D"/>
+                </a:solidFill>
+                <a:latin typeface="微软雅黑"/>
+                <a:ea typeface="微软雅黑"/>
+              </a:rPr>
+              <a:t>关键词所起到的作用；了解什么是“设计模式”。</a:t>
+            </a:r>
+            <a:endParaRPr lang="en-US" altLang="zh-CN" sz="2200" dirty="0" smtClean="0">
+              <a:solidFill>
+                <a:srgbClr val="C4261D"/>
+              </a:solidFill>
+              <a:latin typeface="微软雅黑"/>
+              <a:ea typeface="微软雅黑"/>
+            </a:endParaRPr>
+          </a:p>
+          <a:p>
+            <a:r>
+              <a:rPr lang="en-US" altLang="zh-CN" sz="2200" dirty="0" smtClean="0">
+                <a:solidFill>
+                  <a:srgbClr val="C4261D"/>
+                </a:solidFill>
+                <a:latin typeface="微软雅黑"/>
+                <a:ea typeface="微软雅黑"/>
+              </a:rPr>
+              <a:t>    </a:t>
+            </a:r>
+            <a:r>
+              <a:rPr lang="en-US" altLang="zh-CN" sz="2200" dirty="0" smtClean="0">
+                <a:solidFill>
+                  <a:srgbClr val="C4261D"/>
+                </a:solidFill>
+                <a:latin typeface="微软雅黑"/>
+                <a:ea typeface="微软雅黑"/>
+              </a:rPr>
+              <a:t>2</a:t>
+            </a:r>
+            <a:r>
+              <a:rPr lang="en-US" altLang="zh-CN" sz="2200" dirty="0" smtClean="0">
+                <a:solidFill>
+                  <a:srgbClr val="C4261D"/>
+                </a:solidFill>
+                <a:latin typeface="微软雅黑"/>
+                <a:ea typeface="微软雅黑"/>
+              </a:rPr>
+              <a:t>.</a:t>
+            </a:r>
+            <a:r>
+              <a:rPr lang="zh-CN" altLang="en-US" sz="2200" dirty="0" smtClean="0">
+                <a:solidFill>
+                  <a:srgbClr val="C4261D"/>
+                </a:solidFill>
+                <a:latin typeface="微软雅黑"/>
+                <a:ea typeface="微软雅黑"/>
+              </a:rPr>
+              <a:t>结合教材例子和网络资源，编写</a:t>
+            </a:r>
+            <a:r>
+              <a:rPr lang="en-US" altLang="zh-CN" sz="2200" dirty="0" smtClean="0">
+                <a:solidFill>
+                  <a:srgbClr val="C4261D"/>
+                </a:solidFill>
+                <a:latin typeface="微软雅黑"/>
+                <a:ea typeface="微软雅黑"/>
+              </a:rPr>
+              <a:t>Java</a:t>
+            </a:r>
+            <a:r>
+              <a:rPr lang="zh-CN" altLang="en-US" sz="2200" dirty="0" smtClean="0">
+                <a:solidFill>
+                  <a:srgbClr val="C4261D"/>
+                </a:solidFill>
+                <a:latin typeface="微软雅黑"/>
+                <a:ea typeface="微软雅黑"/>
+              </a:rPr>
+              <a:t>代码，对比“单例模式”和“</a:t>
+            </a:r>
+            <a:r>
+              <a:rPr lang="zh-CN" altLang="en-US" sz="2200" dirty="0">
+                <a:solidFill>
+                  <a:srgbClr val="C4261D"/>
+                </a:solidFill>
+                <a:latin typeface="微软雅黑"/>
+                <a:ea typeface="微软雅黑"/>
+              </a:rPr>
+              <a:t>非单例模式</a:t>
+            </a:r>
+            <a:r>
+              <a:rPr lang="zh-CN" altLang="en-US" sz="2200" dirty="0" smtClean="0">
+                <a:solidFill>
+                  <a:srgbClr val="C4261D"/>
+                </a:solidFill>
+                <a:latin typeface="微软雅黑"/>
+                <a:ea typeface="微软雅黑"/>
+              </a:rPr>
+              <a:t>”，</a:t>
+            </a:r>
+            <a:r>
+              <a:rPr lang="zh-CN" altLang="en-US" sz="2200" dirty="0" smtClean="0">
+                <a:solidFill>
+                  <a:srgbClr val="C4261D"/>
+                </a:solidFill>
+                <a:latin typeface="微软雅黑"/>
+                <a:ea typeface="微软雅黑"/>
+              </a:rPr>
+              <a:t>并使用</a:t>
+            </a:r>
+            <a:r>
+              <a:rPr lang="en-US" altLang="zh-CN" sz="2200" dirty="0" err="1" smtClean="0">
+                <a:solidFill>
+                  <a:srgbClr val="C4261D"/>
+                </a:solidFill>
+                <a:latin typeface="微软雅黑"/>
+                <a:ea typeface="微软雅黑"/>
+              </a:rPr>
+              <a:t>github</a:t>
+            </a:r>
+            <a:r>
+              <a:rPr lang="zh-CN" altLang="en-US" sz="2200" dirty="0" smtClean="0">
+                <a:solidFill>
+                  <a:srgbClr val="C4261D"/>
+                </a:solidFill>
+                <a:latin typeface="微软雅黑"/>
+                <a:ea typeface="微软雅黑"/>
+              </a:rPr>
+              <a:t>或者</a:t>
+            </a:r>
+            <a:r>
+              <a:rPr lang="en-US" altLang="zh-CN" sz="2200" dirty="0" err="1" smtClean="0">
+                <a:solidFill>
+                  <a:srgbClr val="C4261D"/>
+                </a:solidFill>
+                <a:latin typeface="微软雅黑"/>
+                <a:ea typeface="微软雅黑"/>
+              </a:rPr>
+              <a:t>gitee</a:t>
+            </a:r>
+            <a:r>
+              <a:rPr lang="zh-CN" altLang="en-US" sz="2200" dirty="0" smtClean="0">
+                <a:solidFill>
+                  <a:srgbClr val="C4261D"/>
+                </a:solidFill>
+                <a:latin typeface="微软雅黑"/>
+                <a:ea typeface="微软雅黑"/>
+              </a:rPr>
+              <a:t>托管，代码要有相应提交记录；</a:t>
+            </a:r>
+            <a:endParaRPr lang="en-US" altLang="zh-CN" sz="2200" dirty="0">
+              <a:solidFill>
+                <a:srgbClr val="C4261D"/>
+              </a:solidFill>
+              <a:latin typeface="微软雅黑"/>
+              <a:ea typeface="微软雅黑"/>
+            </a:endParaRPr>
+          </a:p>
+          <a:p>
+            <a:r>
+              <a:rPr lang="en-US" altLang="zh-CN" sz="2200" dirty="0" smtClean="0">
+                <a:solidFill>
+                  <a:srgbClr val="C4261D"/>
+                </a:solidFill>
+                <a:latin typeface="微软雅黑"/>
+                <a:ea typeface="微软雅黑"/>
+              </a:rPr>
+              <a:t>    3.</a:t>
+            </a:r>
+            <a:r>
+              <a:rPr lang="zh-CN" altLang="en-US" sz="2200" dirty="0" smtClean="0">
+                <a:solidFill>
+                  <a:srgbClr val="C4261D"/>
+                </a:solidFill>
+                <a:latin typeface="微软雅黑"/>
+                <a:ea typeface="微软雅黑"/>
+              </a:rPr>
+              <a:t>撰写本次课程学习心得，写在</a:t>
+            </a:r>
+            <a:r>
+              <a:rPr lang="en-US" altLang="zh-CN" sz="2200" dirty="0" smtClean="0">
+                <a:solidFill>
+                  <a:srgbClr val="C4261D"/>
+                </a:solidFill>
+                <a:latin typeface="微软雅黑"/>
+                <a:ea typeface="微软雅黑"/>
+              </a:rPr>
+              <a:t>word</a:t>
+            </a:r>
+            <a:r>
+              <a:rPr lang="zh-CN" altLang="en-US" sz="2200" dirty="0" smtClean="0">
+                <a:solidFill>
+                  <a:srgbClr val="C4261D"/>
+                </a:solidFill>
+                <a:latin typeface="微软雅黑"/>
+                <a:ea typeface="微软雅黑"/>
+              </a:rPr>
+              <a:t>文档中，内容可以但不限于以上工作的小组协作情况、</a:t>
+            </a:r>
+            <a:r>
+              <a:rPr lang="zh-CN" altLang="en-US" sz="2200" dirty="0" smtClean="0">
+                <a:solidFill>
+                  <a:srgbClr val="C4261D"/>
+                </a:solidFill>
+                <a:latin typeface="微软雅黑"/>
+                <a:ea typeface="微软雅黑"/>
+              </a:rPr>
+              <a:t>代码提交记录展示（粘贴本人</a:t>
+            </a:r>
+            <a:r>
+              <a:rPr lang="en-US" altLang="zh-CN" sz="2200" dirty="0" err="1" smtClean="0">
+                <a:solidFill>
+                  <a:srgbClr val="C4261D"/>
+                </a:solidFill>
+                <a:latin typeface="微软雅黑"/>
+                <a:ea typeface="微软雅黑"/>
+              </a:rPr>
+              <a:t>github</a:t>
+            </a:r>
+            <a:r>
+              <a:rPr lang="zh-CN" altLang="en-US" sz="2200" dirty="0" smtClean="0">
+                <a:solidFill>
+                  <a:srgbClr val="C4261D"/>
+                </a:solidFill>
+                <a:latin typeface="微软雅黑"/>
+                <a:ea typeface="微软雅黑"/>
+              </a:rPr>
+              <a:t>或者</a:t>
+            </a:r>
+            <a:r>
+              <a:rPr lang="en-US" altLang="zh-CN" sz="2200" dirty="0" err="1" smtClean="0">
+                <a:solidFill>
+                  <a:srgbClr val="C4261D"/>
+                </a:solidFill>
+                <a:latin typeface="微软雅黑"/>
+                <a:ea typeface="微软雅黑"/>
+              </a:rPr>
+              <a:t>gitee</a:t>
+            </a:r>
+            <a:r>
+              <a:rPr lang="zh-CN" altLang="en-US" sz="2200" dirty="0" smtClean="0">
+                <a:solidFill>
+                  <a:srgbClr val="C4261D"/>
+                </a:solidFill>
+                <a:latin typeface="微软雅黑"/>
+                <a:ea typeface="微软雅黑"/>
+              </a:rPr>
+              <a:t>账户链接）、</a:t>
+            </a:r>
+            <a:r>
+              <a:rPr lang="zh-CN" altLang="en-US" sz="2200" dirty="0" smtClean="0">
+                <a:solidFill>
+                  <a:srgbClr val="C4261D"/>
+                </a:solidFill>
+                <a:latin typeface="微软雅黑"/>
+                <a:ea typeface="微软雅黑"/>
+              </a:rPr>
+              <a:t>步骤总结、体会、发现的问题及解决办法等。严禁抄袭！</a:t>
+            </a:r>
+            <a:endParaRPr lang="en-US" altLang="zh-CN" sz="2200" dirty="0" smtClean="0">
+              <a:solidFill>
+                <a:srgbClr val="C4261D"/>
+              </a:solidFill>
+              <a:latin typeface="微软雅黑"/>
+              <a:ea typeface="微软雅黑"/>
+            </a:endParaRPr>
+          </a:p>
+        </p:txBody>
+      </p:sp>
+    </p:spTree>
+    <p:extLst>
+      <p:ext uri="{BB962C8B-B14F-4D97-AF65-F5344CB8AC3E}">
+        <p14:creationId xmlns:p14="http://schemas.microsoft.com/office/powerpoint/2010/main" val="2506695074"/>
+      </p:ext>
+    </p:extLst>
+  </p:cSld>
+  <p:clrMapOvr>
+    <a:masterClrMapping/>
+  </p:clrMapOvr>
+  <p:transition spd="slow" advTm="6095">
+    <p:push/>
+  </p:transition>
+  <p:timing>
+    <p:tnLst>
+      <p:par>
+        <p:cTn id="1" dur="indefinite" restart="never" nodeType="tmRoot">
+          <p:childTnLst>
+            <p:seq concurrent="1" nextAc="seek">
+              <p:cTn id="2" dur="indefinite" nodeType="mainSeq">
+                <p:childTnLst>
+                  <p:par>
+                    <p:cTn id="3" fill="hold">
+                      <p:stCondLst>
+                        <p:cond delay="indefinite"/>
+                        <p:cond evt="onBegin" delay="0">
+                          <p:tn val="2"/>
+                        </p:cond>
+                      </p:stCondLst>
+                      <p:childTnLst>
+                        <p:par>
+                          <p:cTn id="4" fill="hold">
+                            <p:stCondLst>
+                              <p:cond delay="980"/>
+                            </p:stCondLst>
+                            <p:childTnLst>
+                              <p:par>
+                                <p:cTn id="5" presetID="22" presetClass="entr" presetSubtype="8" fill="hold" nodeType="afterEffect">
+                                  <p:stCondLst>
+                                    <p:cond delay="0"/>
+                                  </p:stCondLst>
+                                  <p:childTnLst>
+                                    <p:set>
+                                      <p:cBhvr>
+                                        <p:cTn id="6" dur="1" fill="hold">
+                                          <p:stCondLst>
+                                            <p:cond delay="0"/>
+                                          </p:stCondLst>
+                                        </p:cTn>
+                                        <p:tgtEl>
+                                          <p:spTgt spid="5"/>
+                                        </p:tgtEl>
+                                        <p:attrNameLst>
+                                          <p:attrName>style.visibility</p:attrName>
+                                        </p:attrNameLst>
+                                      </p:cBhvr>
+                                      <p:to>
+                                        <p:strVal val="visible"/>
+                                      </p:to>
+                                    </p:set>
+                                    <p:animEffect transition="in" filter="wipe(left)">
+                                      <p:cBhvr>
+                                        <p:cTn id="7" dur="1000"/>
+                                        <p:tgtEl>
+                                          <p:spTgt spid="5"/>
+                                        </p:tgtEl>
+                                      </p:cBhvr>
+                                    </p:animEffect>
+                                  </p:childTnLst>
+                                </p:cTn>
+                              </p:par>
+                            </p:childTnLst>
+                          </p:cTn>
+                        </p:par>
+                        <p:par>
+                          <p:cTn id="8" fill="hold">
+                            <p:stCondLst>
+                              <p:cond delay="1980"/>
+                            </p:stCondLst>
+                            <p:childTnLst>
+                              <p:par>
+                                <p:cTn id="9" presetID="22" presetClass="entr" presetSubtype="2" fill="hold" grpId="0" nodeType="afterEffect">
+                                  <p:stCondLst>
+                                    <p:cond delay="0"/>
+                                  </p:stCondLst>
+                                  <p:childTnLst>
+                                    <p:set>
+                                      <p:cBhvr>
+                                        <p:cTn id="10" dur="1" fill="hold">
+                                          <p:stCondLst>
+                                            <p:cond delay="0"/>
+                                          </p:stCondLst>
+                                        </p:cTn>
+                                        <p:tgtEl>
+                                          <p:spTgt spid="6"/>
+                                        </p:tgtEl>
+                                        <p:attrNameLst>
+                                          <p:attrName>style.visibility</p:attrName>
+                                        </p:attrNameLst>
+                                      </p:cBhvr>
+                                      <p:to>
+                                        <p:strVal val="visible"/>
+                                      </p:to>
+                                    </p:set>
+                                    <p:animEffect transition="in" filter="wipe(right)">
+                                      <p:cBhvr>
+                                        <p:cTn id="11" dur="1000"/>
+                                        <p:tgtEl>
+                                          <p:spTgt spid="6"/>
+                                        </p:tgtEl>
+                                      </p:cBhvr>
+                                    </p:animEffect>
+                                  </p:childTnLst>
+                                </p:cTn>
+                              </p:par>
+                            </p:childTnLst>
+                          </p:cTn>
+                        </p:par>
+                        <p:par>
+                          <p:cTn id="12" fill="hold">
+                            <p:stCondLst>
+                              <p:cond delay="2980"/>
+                            </p:stCondLst>
+                            <p:childTnLst>
+                              <p:par>
+                                <p:cTn id="13" presetID="2" presetClass="entr" presetSubtype="8" fill="hold" grpId="0" nodeType="afterEffect">
+                                  <p:stCondLst>
+                                    <p:cond delay="0"/>
+                                  </p:stCondLst>
+                                  <p:childTnLst>
+                                    <p:set>
+                                      <p:cBhvr>
+                                        <p:cTn id="14" dur="1" fill="hold">
+                                          <p:stCondLst>
+                                            <p:cond delay="0"/>
+                                          </p:stCondLst>
+                                        </p:cTn>
+                                        <p:tgtEl>
+                                          <p:spTgt spid="4"/>
+                                        </p:tgtEl>
+                                        <p:attrNameLst>
+                                          <p:attrName>style.visibility</p:attrName>
+                                        </p:attrNameLst>
+                                      </p:cBhvr>
+                                      <p:to>
+                                        <p:strVal val="visible"/>
+                                      </p:to>
+                                    </p:set>
+                                    <p:anim calcmode="lin" valueType="num">
+                                      <p:cBhvr additive="base">
+                                        <p:cTn id="15" dur="300" fill="hold"/>
+                                        <p:tgtEl>
+                                          <p:spTgt spid="4"/>
+                                        </p:tgtEl>
+                                        <p:attrNameLst>
+                                          <p:attrName>ppt_x</p:attrName>
+                                        </p:attrNameLst>
+                                      </p:cBhvr>
+                                      <p:tavLst>
+                                        <p:tav tm="0">
+                                          <p:val>
+                                            <p:strVal val="0-#ppt_w/2"/>
+                                          </p:val>
+                                        </p:tav>
+                                        <p:tav tm="100000">
+                                          <p:val>
+                                            <p:strVal val="#ppt_x"/>
+                                          </p:val>
+                                        </p:tav>
+                                      </p:tavLst>
+                                    </p:anim>
+                                    <p:anim calcmode="lin" valueType="num">
+                                      <p:cBhvr additive="base">
+                                        <p:cTn id="16" dur="300" fill="hold"/>
+                                        <p:tgtEl>
+                                          <p:spTgt spid="4"/>
+                                        </p:tgtEl>
+                                        <p:attrNameLst>
+                                          <p:attrName>ppt_y</p:attrName>
+                                        </p:attrNameLst>
+                                      </p:cBhvr>
+                                      <p:tavLst>
+                                        <p:tav tm="0">
+                                          <p:val>
+                                            <p:strVal val="#ppt_y"/>
+                                          </p:val>
+                                        </p:tav>
+                                        <p:tav tm="100000">
+                                          <p:val>
+                                            <p:strVal val="#ppt_y"/>
+                                          </p:val>
+                                        </p:tav>
+                                      </p:tavLst>
+                                    </p:anim>
+                                  </p:childTnLst>
+                                </p:cTn>
+                              </p:par>
+                            </p:childTnLst>
+                          </p:cTn>
+                        </p:par>
+                        <p:par>
+                          <p:cTn id="17" fill="hold">
+                            <p:stCondLst>
+                              <p:cond delay="3280"/>
+                            </p:stCondLst>
+                            <p:childTnLst>
+                              <p:par>
+                                <p:cTn id="18" presetID="41" presetClass="entr" presetSubtype="0" fill="hold" grpId="0" nodeType="afterEffect">
+                                  <p:stCondLst>
+                                    <p:cond delay="0"/>
+                                  </p:stCondLst>
+                                  <p:iterate type="lt">
+                                    <p:tmPct val="10000"/>
+                                  </p:iterate>
+                                  <p:childTnLst>
+                                    <p:set>
+                                      <p:cBhvr>
+                                        <p:cTn id="19" dur="1" fill="hold">
+                                          <p:stCondLst>
+                                            <p:cond delay="0"/>
+                                          </p:stCondLst>
+                                        </p:cTn>
+                                        <p:tgtEl>
+                                          <p:spTgt spid="9"/>
+                                        </p:tgtEl>
+                                        <p:attrNameLst>
+                                          <p:attrName>style.visibility</p:attrName>
+                                        </p:attrNameLst>
+                                      </p:cBhvr>
+                                      <p:to>
+                                        <p:strVal val="visible"/>
+                                      </p:to>
+                                    </p:set>
+                                    <p:anim calcmode="lin" valueType="num">
+                                      <p:cBhvr>
+                                        <p:cTn id="20" dur="300" fill="hold"/>
+                                        <p:tgtEl>
+                                          <p:spTgt spid="9"/>
+                                        </p:tgtEl>
+                                        <p:attrNameLst>
+                                          <p:attrName>ppt_x</p:attrName>
+                                        </p:attrNameLst>
+                                      </p:cBhvr>
+                                      <p:tavLst>
+                                        <p:tav tm="0">
+                                          <p:val>
+                                            <p:strVal val="#ppt_x"/>
+                                          </p:val>
+                                        </p:tav>
+                                        <p:tav tm="50000">
+                                          <p:val>
+                                            <p:strVal val="#ppt_x+.1"/>
+                                          </p:val>
+                                        </p:tav>
+                                        <p:tav tm="100000">
+                                          <p:val>
+                                            <p:strVal val="#ppt_x"/>
+                                          </p:val>
+                                        </p:tav>
+                                      </p:tavLst>
+                                    </p:anim>
+                                    <p:anim calcmode="lin" valueType="num">
+                                      <p:cBhvr>
+                                        <p:cTn id="21" dur="300" fill="hold"/>
+                                        <p:tgtEl>
+                                          <p:spTgt spid="9"/>
+                                        </p:tgtEl>
+                                        <p:attrNameLst>
+                                          <p:attrName>ppt_y</p:attrName>
+                                        </p:attrNameLst>
+                                      </p:cBhvr>
+                                      <p:tavLst>
+                                        <p:tav tm="0">
+                                          <p:val>
+                                            <p:strVal val="#ppt_y"/>
+                                          </p:val>
+                                        </p:tav>
+                                        <p:tav tm="100000">
+                                          <p:val>
+                                            <p:strVal val="#ppt_y"/>
+                                          </p:val>
+                                        </p:tav>
+                                      </p:tavLst>
+                                    </p:anim>
+                                    <p:anim calcmode="lin" valueType="num">
+                                      <p:cBhvr>
+                                        <p:cTn id="22" dur="300" fill="hold"/>
+                                        <p:tgtEl>
+                                          <p:spTgt spid="9"/>
+                                        </p:tgtEl>
+                                        <p:attrNameLst>
+                                          <p:attrName>ppt_h</p:attrName>
+                                        </p:attrNameLst>
+                                      </p:cBhvr>
+                                      <p:tavLst>
+                                        <p:tav tm="0">
+                                          <p:val>
+                                            <p:strVal val="#ppt_h/10"/>
+                                          </p:val>
+                                        </p:tav>
+                                        <p:tav tm="50000">
+                                          <p:val>
+                                            <p:strVal val="#ppt_h+.01"/>
+                                          </p:val>
+                                        </p:tav>
+                                        <p:tav tm="100000">
+                                          <p:val>
+                                            <p:strVal val="#ppt_h"/>
+                                          </p:val>
+                                        </p:tav>
+                                      </p:tavLst>
+                                    </p:anim>
+                                    <p:anim calcmode="lin" valueType="num">
+                                      <p:cBhvr>
+                                        <p:cTn id="23" dur="300" fill="hold"/>
+                                        <p:tgtEl>
+                                          <p:spTgt spid="9"/>
+                                        </p:tgtEl>
+                                        <p:attrNameLst>
+                                          <p:attrName>ppt_w</p:attrName>
+                                        </p:attrNameLst>
+                                      </p:cBhvr>
+                                      <p:tavLst>
+                                        <p:tav tm="0">
+                                          <p:val>
+                                            <p:strVal val="#ppt_w/10"/>
+                                          </p:val>
+                                        </p:tav>
+                                        <p:tav tm="50000">
+                                          <p:val>
+                                            <p:strVal val="#ppt_w+.01"/>
+                                          </p:val>
+                                        </p:tav>
+                                        <p:tav tm="100000">
+                                          <p:val>
+                                            <p:strVal val="#ppt_w"/>
+                                          </p:val>
+                                        </p:tav>
+                                      </p:tavLst>
+                                    </p:anim>
+                                    <p:animEffect transition="in" filter="fade">
+                                      <p:cBhvr>
+                                        <p:cTn id="24" dur="300" tmFilter="0,0; .5, 1; 1, 1"/>
+                                        <p:tgtEl>
+                                          <p:spTgt spid="9"/>
+                                        </p:tgtEl>
+                                      </p:cBhvr>
+                                    </p:animEffect>
+                                  </p:childTnLst>
+                                </p:cTn>
+                              </p:par>
+                            </p:childTnLst>
+                          </p:cTn>
+                        </p:par>
+                      </p:childTnLst>
+                    </p:cTn>
+                  </p:par>
+                </p:childTnLst>
+              </p:cTn>
+              <p:prevCondLst>
+                <p:cond evt="onPrev" delay="0">
+                  <p:tgtEl>
+                    <p:sldTgt/>
+                  </p:tgtEl>
+                </p:cond>
+              </p:prevCondLst>
+              <p:nextCondLst>
+                <p:cond evt="onNext" delay="0">
+                  <p:tgtEl>
+                    <p:sldTgt/>
+                  </p:tgtEl>
+                </p:cond>
+              </p:nextCondLst>
+            </p:seq>
+          </p:childTnLst>
+        </p:cTn>
+      </p:par>
+    </p:tnLst>
+    <p:bldLst>
+      <p:bldP spid="4" grpId="0" animBg="1"/>
+      <p:bldP spid="6" grpId="0" animBg="1"/>
+      <p:bldP spid="9" grpId="0"/>
     </p:bldLst>
   </p:timing>
 </p:sld>
@@ -30467,7 +34384,17 @@
                 <a:latin typeface="微软雅黑"/>
                 <a:ea typeface="微软雅黑"/>
               </a:rPr>
-              <a:t>单例模式有很多种</a:t>
+              <a:t>单例模式有很多种写法</a:t>
+            </a:r>
+            <a:r>
+              <a:rPr lang="zh-CN" altLang="en-US" sz="2800" dirty="0">
+                <a:solidFill>
+                  <a:srgbClr val="F8F8F8"/>
+                </a:solidFill>
+                <a:latin typeface="微软雅黑"/>
+                <a:ea typeface="微软雅黑"/>
+              </a:rPr>
+              <a:t>：饿汉</a:t>
             </a:r>
             <a:r>
               <a:rPr lang="zh-CN" altLang="en-US" sz="2800" dirty="0" smtClean="0">
@@ -30477,7 +34404,47 @@
                 <a:latin typeface="微软雅黑"/>
                 <a:ea typeface="微软雅黑"/>
               </a:rPr>
-              <a:t>写法：懒汉式、饿汉式、线程安全的、不安全的</a:t>
+              <a:t>式（本例）、</a:t>
+            </a:r>
+            <a:r>
+              <a:rPr lang="zh-CN" altLang="en-US" sz="2800" dirty="0">
+                <a:solidFill>
+                  <a:srgbClr val="F8F8F8"/>
+                </a:solidFill>
+                <a:latin typeface="微软雅黑"/>
+                <a:ea typeface="微软雅黑"/>
+              </a:rPr>
+              <a:t>懒汉</a:t>
+            </a:r>
+            <a:r>
+              <a:rPr lang="zh-CN" altLang="en-US" sz="2800" dirty="0" smtClean="0">
+                <a:solidFill>
+                  <a:srgbClr val="F8F8F8"/>
+                </a:solidFill>
+                <a:latin typeface="微软雅黑"/>
+                <a:ea typeface="微软雅黑"/>
+              </a:rPr>
+              <a:t>式</a:t>
+            </a:r>
+            <a:r>
+              <a:rPr lang="zh-CN" altLang="en-US" sz="2800" dirty="0" smtClean="0">
+                <a:solidFill>
+                  <a:srgbClr val="F8F8F8"/>
+                </a:solidFill>
+                <a:latin typeface="微软雅黑"/>
+                <a:ea typeface="微软雅黑"/>
+              </a:rPr>
+              <a:t>、线程</a:t>
+            </a:r>
+            <a:r>
+              <a:rPr lang="zh-CN" altLang="en-US" sz="2800" dirty="0" smtClean="0">
+                <a:solidFill>
+                  <a:srgbClr val="F8F8F8"/>
+                </a:solidFill>
+                <a:latin typeface="微软雅黑"/>
+                <a:ea typeface="微软雅黑"/>
+              </a:rPr>
+              <a:t>安全的、不安全的</a:t>
             </a:r>
             <a:r>
               <a:rPr lang="en-US" altLang="zh-CN" sz="2800" dirty="0" smtClean="0">
@@ -30497,35 +34464,8 @@
                 <a:latin typeface="微软雅黑"/>
                 <a:ea typeface="微软雅黑"/>
               </a:rPr>
-              <a:t>，</a:t>
+              <a:t>，可否在网上查一下、学一下呢？（暂时不懂也没关系）</a:t>
             </a:r>
-            <a:r>
-              <a:rPr lang="zh-CN" altLang="en-US" sz="2800" dirty="0" smtClean="0">
-                <a:solidFill>
-                  <a:srgbClr val="F8F8F8"/>
-                </a:solidFill>
-                <a:latin typeface="微软雅黑"/>
-                <a:ea typeface="微软雅黑"/>
-              </a:rPr>
-              <a:t>可否在网上查</a:t>
-            </a:r>
-            <a:r>
-              <a:rPr lang="zh-CN" altLang="en-US" sz="2800" dirty="0" smtClean="0">
-                <a:solidFill>
-                  <a:srgbClr val="F8F8F8"/>
-                </a:solidFill>
-                <a:latin typeface="微软雅黑"/>
-                <a:ea typeface="微软雅黑"/>
-              </a:rPr>
-              <a:t>一下、学一下呢？（暂时不懂也没关系）</a:t>
-            </a:r>
-            <a:endParaRPr lang="zh-CN" altLang="en-US" sz="2800" dirty="0" smtClean="0">
-              <a:solidFill>
-                <a:srgbClr val="F8F8F8"/>
-              </a:solidFill>
-              <a:latin typeface="微软雅黑"/>
-              <a:ea typeface="微软雅黑"/>
-            </a:endParaRPr>
           </a:p>
         </p:txBody>
       </p:sp>
@@ -31626,6 +35566,914 @@
 </file>
 
 <file path=ppt/theme/theme2.xml><?xml version="1.0" encoding="utf-8"?>
+<a:theme xmlns:a="http://schemas.openxmlformats.org/drawingml/2006/main" name="清风素材1 https://12sc.taobao.com/">
+  <a:themeElements>
+    <a:clrScheme name="自定义 1">
+      <a:dk1>
+        <a:srgbClr val="C4261D"/>
+      </a:dk1>
+      <a:lt1>
+        <a:srgbClr val="FF9900"/>
+      </a:lt1>
+      <a:dk2>
+        <a:srgbClr val="4D4D4D"/>
+      </a:dk2>
+      <a:lt2>
+        <a:srgbClr val="C2C1C1"/>
+      </a:lt2>
+      <a:accent1>
+        <a:srgbClr val="080808"/>
+      </a:accent1>
+      <a:accent2>
+        <a:srgbClr val="333333"/>
+      </a:accent2>
+      <a:accent3>
+        <a:srgbClr val="C4261D"/>
+      </a:accent3>
+      <a:accent4>
+        <a:srgbClr val="FF9900"/>
+      </a:accent4>
+      <a:accent5>
+        <a:srgbClr val="4D4D4D"/>
+      </a:accent5>
+      <a:accent6>
+        <a:srgbClr val="999999"/>
+      </a:accent6>
+      <a:hlink>
+        <a:srgbClr val="080808"/>
+      </a:hlink>
+      <a:folHlink>
+        <a:srgbClr val="DEDEDD"/>
+      </a:folHlink>
+    </a:clrScheme>
+    <a:fontScheme name="默认设计模板">
+      <a:majorFont>
+        <a:latin typeface="Arial"/>
+        <a:ea typeface="微软雅黑"/>
+        <a:cs typeface=""/>
+      </a:majorFont>
+      <a:minorFont>
+        <a:latin typeface="Arial"/>
+        <a:ea typeface="微软雅黑"/>
+        <a:cs typeface=""/>
+      </a:minorFont>
+    </a:fontScheme>
+    <a:fmtScheme name="Office">
+      <a:fillStyleLst>
+        <a:solidFill>
+          <a:schemeClr val="phClr"/>
+        </a:solidFill>
+        <a:gradFill rotWithShape="1">
+          <a:gsLst>
+            <a:gs pos="0">
+              <a:schemeClr val="phClr">
+                <a:tint val="50000"/>
+                <a:satMod val="300000"/>
+              </a:schemeClr>
+            </a:gs>
+            <a:gs pos="35000">
+              <a:schemeClr val="phClr">
+                <a:tint val="37000"/>
+                <a:satMod val="300000"/>
+              </a:schemeClr>
+            </a:gs>
+            <a:gs pos="100000">
+              <a:schemeClr val="phClr">
+                <a:tint val="15000"/>
+                <a:satMod val="350000"/>
+              </a:schemeClr>
+            </a:gs>
+          </a:gsLst>
+          <a:lin ang="16200000" scaled="1"/>
+        </a:gradFill>
+        <a:gradFill rotWithShape="1">
+          <a:gsLst>
+            <a:gs pos="0">
+              <a:schemeClr val="phClr">
+                <a:shade val="51000"/>
+                <a:satMod val="130000"/>
+              </a:schemeClr>
+            </a:gs>
+            <a:gs pos="80000">
+              <a:schemeClr val="phClr">
+                <a:shade val="93000"/>
+                <a:satMod val="130000"/>
+              </a:schemeClr>
+            </a:gs>
+            <a:gs pos="100000">
+              <a:schemeClr val="phClr">
+                <a:shade val="94000"/>
+                <a:satMod val="135000"/>
+              </a:schemeClr>
+            </a:gs>
+          </a:gsLst>
+          <a:lin ang="16200000" scaled="0"/>
+        </a:gradFill>
+      </a:fillStyleLst>
+      <a:lnStyleLst>
+        <a:ln w="9525" cap="flat" cmpd="sng" algn="ctr">
+          <a:solidFill>
+            <a:schemeClr val="phClr">
+              <a:shade val="95000"/>
+              <a:satMod val="105000"/>
+            </a:schemeClr>
+          </a:solidFill>
+          <a:prstDash val="solid"/>
+        </a:ln>
+        <a:ln w="25400" cap="flat" cmpd="sng" algn="ctr">
+          <a:solidFill>
+            <a:schemeClr val="phClr"/>
+          </a:solidFill>
+          <a:prstDash val="solid"/>
+        </a:ln>
+        <a:ln w="38100" cap="flat" cmpd="sng" algn="ctr">
+          <a:solidFill>
+            <a:schemeClr val="phClr"/>
+          </a:solidFill>
+          <a:prstDash val="solid"/>
+        </a:ln>
+      </a:lnStyleLst>
+      <a:effectStyleLst>
+        <a:effectStyle>
+          <a:effectLst>
+            <a:outerShdw blurRad="40000" dist="20000" dir="5400000" rotWithShape="0">
+              <a:srgbClr val="000000">
+                <a:alpha val="38000"/>
+              </a:srgbClr>
+            </a:outerShdw>
+          </a:effectLst>
+        </a:effectStyle>
+        <a:effectStyle>
+          <a:effectLst>
+            <a:outerShdw blurRad="40000" dist="23000" dir="5400000" rotWithShape="0">
+              <a:srgbClr val="000000">
+                <a:alpha val="35000"/>
+              </a:srgbClr>
+            </a:outerShdw>
+          </a:effectLst>
+        </a:effectStyle>
+        <a:effectStyle>
+          <a:effectLst>
+            <a:outerShdw blurRad="40000" dist="23000" dir="5400000" rotWithShape="0">
+              <a:srgbClr val="000000">
+                <a:alpha val="35000"/>
+              </a:srgbClr>
+            </a:outerShdw>
+          </a:effectLst>
+          <a:scene3d>
+            <a:camera prst="orthographicFront">
+              <a:rot lat="0" lon="0" rev="0"/>
+            </a:camera>
+            <a:lightRig rig="threePt" dir="t">
+              <a:rot lat="0" lon="0" rev="1200000"/>
+            </a:lightRig>
+          </a:scene3d>
+          <a:sp3d>
+            <a:bevelT w="63500" h="25400"/>
+          </a:sp3d>
+        </a:effectStyle>
+      </a:effectStyleLst>
+      <a:bgFillStyleLst>
+        <a:solidFill>
+          <a:schemeClr val="phClr"/>
+        </a:solidFill>
+        <a:gradFill rotWithShape="1">
+          <a:gsLst>
+            <a:gs pos="0">
+              <a:schemeClr val="phClr">
+                <a:tint val="40000"/>
+                <a:satMod val="350000"/>
+              </a:schemeClr>
+            </a:gs>
+            <a:gs pos="40000">
+              <a:schemeClr val="phClr">
+                <a:tint val="45000"/>
+                <a:shade val="99000"/>
+                <a:satMod val="350000"/>
+              </a:schemeClr>
+            </a:gs>
+            <a:gs pos="100000">
+              <a:schemeClr val="phClr">
+                <a:shade val="20000"/>
+                <a:satMod val="255000"/>
+              </a:schemeClr>
+            </a:gs>
+          </a:gsLst>
+          <a:path path="circle">
+            <a:fillToRect l="50000" t="-80000" r="50000" b="180000"/>
+          </a:path>
+        </a:gradFill>
+        <a:gradFill rotWithShape="1">
+          <a:gsLst>
+            <a:gs pos="0">
+              <a:schemeClr val="phClr">
+                <a:tint val="80000"/>
+                <a:satMod val="300000"/>
+              </a:schemeClr>
+            </a:gs>
+            <a:gs pos="100000">
+              <a:schemeClr val="phClr">
+                <a:shade val="30000"/>
+                <a:satMod val="200000"/>
+              </a:schemeClr>
+            </a:gs>
+          </a:gsLst>
+          <a:path path="circle">
+            <a:fillToRect l="50000" t="50000" r="50000" b="50000"/>
+          </a:path>
+        </a:gradFill>
+      </a:bgFillStyleLst>
+    </a:fmtScheme>
+  </a:themeElements>
+  <a:objectDefaults>
+    <a:spDef>
+      <a:spPr bwMode="auto">
+        <a:xfrm>
+          <a:off x="0" y="0"/>
+          <a:ext cx="1" cy="1"/>
+        </a:xfrm>
+        <a:custGeom>
+          <a:avLst/>
+          <a:gdLst/>
+          <a:ahLst/>
+          <a:cxnLst/>
+          <a:rect l="0" t="0" r="0" b="0"/>
+          <a:pathLst/>
+        </a:custGeom>
+        <a:solidFill>
+          <a:schemeClr val="accent1"/>
+        </a:solidFill>
+        <a:ln w="9525" cap="flat" cmpd="sng" algn="ctr">
+          <a:solidFill>
+            <a:schemeClr val="tx1"/>
+          </a:solidFill>
+          <a:prstDash val="solid"/>
+          <a:round/>
+          <a:headEnd type="none" w="med" len="med"/>
+          <a:tailEnd type="none" w="med" len="med"/>
+        </a:ln>
+        <a:effectLst/>
+        <a:extLst>
+          <a:ext uri="{AF507438-7753-43E0-B8FC-AC1667EBCBE1}">
+            <a14:hiddenEffects xmlns:a14="http://schemas.microsoft.com/office/drawing/2010/main">
+              <a:effectLst>
+                <a:outerShdw dist="35921" dir="2700000" algn="ctr" rotWithShape="0">
+                  <a:schemeClr val="bg2"/>
+                </a:outerShdw>
+              </a:effectLst>
+            </a14:hiddenEffects>
+          </a:ext>
+        </a:extLst>
+      </a:spPr>
+      <a:bodyPr vert="horz" wrap="square" lIns="91440" tIns="45720" rIns="91440" bIns="45720" numCol="1" anchor="t" anchorCtr="0" compatLnSpc="1">
+        <a:prstTxWarp prst="textNoShape">
+          <a:avLst/>
+        </a:prstTxWarp>
+      </a:bodyPr>
+      <a:lstStyle>
+        <a:defPPr marL="0" marR="0" indent="0" algn="l" defTabSz="914400" rtl="0" eaLnBrk="1" fontAlgn="base" latinLnBrk="0" hangingPunct="1">
+          <a:lnSpc>
+            <a:spcPct val="100000"/>
+          </a:lnSpc>
+          <a:spcBef>
+            <a:spcPct val="0"/>
+          </a:spcBef>
+          <a:spcAft>
+            <a:spcPct val="0"/>
+          </a:spcAft>
+          <a:buClrTx/>
+          <a:buSzTx/>
+          <a:buFont typeface="Arial" pitchFamily="34" charset="0"/>
+          <a:buNone/>
+          <a:tabLst/>
+          <a:defRPr kumimoji="0" lang="zh-CN" sz="1800" b="0" i="0" u="none" strike="noStrike" cap="none" normalizeH="0" baseline="0" smtClean="0">
+            <a:ln>
+              <a:noFill/>
+            </a:ln>
+            <a:solidFill>
+              <a:schemeClr val="tx1"/>
+            </a:solidFill>
+            <a:effectLst/>
+            <a:latin typeface="Arial" pitchFamily="34" charset="0"/>
+            <a:ea typeface="宋体" pitchFamily="2" charset="-122"/>
+          </a:defRPr>
+        </a:defPPr>
+      </a:lstStyle>
+    </a:spDef>
+    <a:lnDef>
+      <a:spPr bwMode="auto">
+        <a:xfrm>
+          <a:off x="0" y="0"/>
+          <a:ext cx="1" cy="1"/>
+        </a:xfrm>
+        <a:custGeom>
+          <a:avLst/>
+          <a:gdLst/>
+          <a:ahLst/>
+          <a:cxnLst/>
+          <a:rect l="0" t="0" r="0" b="0"/>
+          <a:pathLst/>
+        </a:custGeom>
+        <a:solidFill>
+          <a:schemeClr val="accent1"/>
+        </a:solidFill>
+        <a:ln w="9525" cap="flat" cmpd="sng" algn="ctr">
+          <a:solidFill>
+            <a:schemeClr val="tx1"/>
+          </a:solidFill>
+          <a:prstDash val="solid"/>
+          <a:round/>
+          <a:headEnd type="none" w="med" len="med"/>
+          <a:tailEnd type="none" w="med" len="med"/>
+        </a:ln>
+        <a:effectLst/>
+        <a:extLst>
+          <a:ext uri="{AF507438-7753-43E0-B8FC-AC1667EBCBE1}">
+            <a14:hiddenEffects xmlns:a14="http://schemas.microsoft.com/office/drawing/2010/main">
+              <a:effectLst>
+                <a:outerShdw dist="35921" dir="2700000" algn="ctr" rotWithShape="0">
+                  <a:schemeClr val="bg2"/>
+                </a:outerShdw>
+              </a:effectLst>
+            </a14:hiddenEffects>
+          </a:ext>
+        </a:extLst>
+      </a:spPr>
+      <a:bodyPr vert="horz" wrap="square" lIns="91440" tIns="45720" rIns="91440" bIns="45720" numCol="1" anchor="t" anchorCtr="0" compatLnSpc="1">
+        <a:prstTxWarp prst="textNoShape">
+          <a:avLst/>
+        </a:prstTxWarp>
+      </a:bodyPr>
+      <a:lstStyle>
+        <a:defPPr marL="0" marR="0" indent="0" algn="l" defTabSz="914400" rtl="0" eaLnBrk="1" fontAlgn="base" latinLnBrk="0" hangingPunct="1">
+          <a:lnSpc>
+            <a:spcPct val="100000"/>
+          </a:lnSpc>
+          <a:spcBef>
+            <a:spcPct val="0"/>
+          </a:spcBef>
+          <a:spcAft>
+            <a:spcPct val="0"/>
+          </a:spcAft>
+          <a:buClrTx/>
+          <a:buSzTx/>
+          <a:buFont typeface="Arial" pitchFamily="34" charset="0"/>
+          <a:buNone/>
+          <a:tabLst/>
+          <a:defRPr kumimoji="0" lang="zh-CN" sz="1800" b="0" i="0" u="none" strike="noStrike" cap="none" normalizeH="0" baseline="0" smtClean="0">
+            <a:ln>
+              <a:noFill/>
+            </a:ln>
+            <a:solidFill>
+              <a:schemeClr val="tx1"/>
+            </a:solidFill>
+            <a:effectLst/>
+            <a:latin typeface="Arial" pitchFamily="34" charset="0"/>
+            <a:ea typeface="宋体" pitchFamily="2" charset="-122"/>
+          </a:defRPr>
+        </a:defPPr>
+      </a:lstStyle>
+    </a:lnDef>
+  </a:objectDefaults>
+  <a:extraClrSchemeLst>
+    <a:extraClrScheme>
+      <a:clrScheme name="默认设计模板 1">
+        <a:dk1>
+          <a:srgbClr val="000000"/>
+        </a:dk1>
+        <a:lt1>
+          <a:srgbClr val="FFFFFF"/>
+        </a:lt1>
+        <a:dk2>
+          <a:srgbClr val="000000"/>
+        </a:dk2>
+        <a:lt2>
+          <a:srgbClr val="808080"/>
+        </a:lt2>
+        <a:accent1>
+          <a:srgbClr val="CFDEF3"/>
+        </a:accent1>
+        <a:accent2>
+          <a:srgbClr val="333399"/>
+        </a:accent2>
+        <a:accent3>
+          <a:srgbClr val="FFFFFF"/>
+        </a:accent3>
+        <a:accent4>
+          <a:srgbClr val="000000"/>
+        </a:accent4>
+        <a:accent5>
+          <a:srgbClr val="E4ECF8"/>
+        </a:accent5>
+        <a:accent6>
+          <a:srgbClr val="2D2D8A"/>
+        </a:accent6>
+        <a:hlink>
+          <a:srgbClr val="009999"/>
+        </a:hlink>
+        <a:folHlink>
+          <a:srgbClr val="99CC00"/>
+        </a:folHlink>
+      </a:clrScheme>
+      <a:clrMap bg1="lt1" tx1="dk1" bg2="lt2" tx2="dk2" accent1="accent1" accent2="accent2" accent3="accent3" accent4="accent4" accent5="accent5" accent6="accent6" hlink="hlink" folHlink="folHlink"/>
+    </a:extraClrScheme>
+    <a:extraClrScheme>
+      <a:clrScheme name="默认设计模板 2">
+        <a:dk1>
+          <a:srgbClr val="000000"/>
+        </a:dk1>
+        <a:lt1>
+          <a:srgbClr val="FFFFFF"/>
+        </a:lt1>
+        <a:dk2>
+          <a:srgbClr val="000000"/>
+        </a:dk2>
+        <a:lt2>
+          <a:srgbClr val="969696"/>
+        </a:lt2>
+        <a:accent1>
+          <a:srgbClr val="FBDF53"/>
+        </a:accent1>
+        <a:accent2>
+          <a:srgbClr val="FF9966"/>
+        </a:accent2>
+        <a:accent3>
+          <a:srgbClr val="FFFFFF"/>
+        </a:accent3>
+        <a:accent4>
+          <a:srgbClr val="000000"/>
+        </a:accent4>
+        <a:accent5>
+          <a:srgbClr val="FDECB3"/>
+        </a:accent5>
+        <a:accent6>
+          <a:srgbClr val="E78A5C"/>
+        </a:accent6>
+        <a:hlink>
+          <a:srgbClr val="CC3300"/>
+        </a:hlink>
+        <a:folHlink>
+          <a:srgbClr val="996600"/>
+        </a:folHlink>
+      </a:clrScheme>
+      <a:clrMap bg1="lt1" tx1="dk1" bg2="lt2" tx2="dk2" accent1="accent1" accent2="accent2" accent3="accent3" accent4="accent4" accent5="accent5" accent6="accent6" hlink="hlink" folHlink="folHlink"/>
+    </a:extraClrScheme>
+    <a:extraClrScheme>
+      <a:clrScheme name="默认设计模板 3">
+        <a:dk1>
+          <a:srgbClr val="000000"/>
+        </a:dk1>
+        <a:lt1>
+          <a:srgbClr val="FFFFFF"/>
+        </a:lt1>
+        <a:dk2>
+          <a:srgbClr val="000000"/>
+        </a:dk2>
+        <a:lt2>
+          <a:srgbClr val="808080"/>
+        </a:lt2>
+        <a:accent1>
+          <a:srgbClr val="97CCFF"/>
+        </a:accent1>
+        <a:accent2>
+          <a:srgbClr val="CCCCFF"/>
+        </a:accent2>
+        <a:accent3>
+          <a:srgbClr val="FFFFFF"/>
+        </a:accent3>
+        <a:accent4>
+          <a:srgbClr val="000000"/>
+        </a:accent4>
+        <a:accent5>
+          <a:srgbClr val="C9E2FF"/>
+        </a:accent5>
+        <a:accent6>
+          <a:srgbClr val="B9B9E7"/>
+        </a:accent6>
+        <a:hlink>
+          <a:srgbClr val="3333CC"/>
+        </a:hlink>
+        <a:folHlink>
+          <a:srgbClr val="AF67FF"/>
+        </a:folHlink>
+      </a:clrScheme>
+      <a:clrMap bg1="lt1" tx1="dk1" bg2="lt2" tx2="dk2" accent1="accent1" accent2="accent2" accent3="accent3" accent4="accent4" accent5="accent5" accent6="accent6" hlink="hlink" folHlink="folHlink"/>
+    </a:extraClrScheme>
+    <a:extraClrScheme>
+      <a:clrScheme name="默认设计模板 4">
+        <a:dk1>
+          <a:srgbClr val="000000"/>
+        </a:dk1>
+        <a:lt1>
+          <a:srgbClr val="DEF6F1"/>
+        </a:lt1>
+        <a:dk2>
+          <a:srgbClr val="000000"/>
+        </a:dk2>
+        <a:lt2>
+          <a:srgbClr val="969696"/>
+        </a:lt2>
+        <a:accent1>
+          <a:srgbClr val="FFFFFF"/>
+        </a:accent1>
+        <a:accent2>
+          <a:srgbClr val="8DC6FF"/>
+        </a:accent2>
+        <a:accent3>
+          <a:srgbClr val="ECFAF7"/>
+        </a:accent3>
+        <a:accent4>
+          <a:srgbClr val="000000"/>
+        </a:accent4>
+        <a:accent5>
+          <a:srgbClr val="FFFFFF"/>
+        </a:accent5>
+        <a:accent6>
+          <a:srgbClr val="7FB3E7"/>
+        </a:accent6>
+        <a:hlink>
+          <a:srgbClr val="0066CC"/>
+        </a:hlink>
+        <a:folHlink>
+          <a:srgbClr val="00A800"/>
+        </a:folHlink>
+      </a:clrScheme>
+      <a:clrMap bg1="lt1" tx1="dk1" bg2="lt2" tx2="dk2" accent1="accent1" accent2="accent2" accent3="accent3" accent4="accent4" accent5="accent5" accent6="accent6" hlink="hlink" folHlink="folHlink"/>
+    </a:extraClrScheme>
+    <a:extraClrScheme>
+      <a:clrScheme name="默认设计模板 5">
+        <a:dk1>
+          <a:srgbClr val="000000"/>
+        </a:dk1>
+        <a:lt1>
+          <a:srgbClr val="FFFFD9"/>
+        </a:lt1>
+        <a:dk2>
+          <a:srgbClr val="000000"/>
+        </a:dk2>
+        <a:lt2>
+          <a:srgbClr val="777777"/>
+        </a:lt2>
+        <a:accent1>
+          <a:srgbClr val="FFFFF7"/>
+        </a:accent1>
+        <a:accent2>
+          <a:srgbClr val="33CCCC"/>
+        </a:accent2>
+        <a:accent3>
+          <a:srgbClr val="FFFFE9"/>
+        </a:accent3>
+        <a:accent4>
+          <a:srgbClr val="000000"/>
+        </a:accent4>
+        <a:accent5>
+          <a:srgbClr val="FFFFFA"/>
+        </a:accent5>
+        <a:accent6>
+          <a:srgbClr val="2DB9B9"/>
+        </a:accent6>
+        <a:hlink>
+          <a:srgbClr val="FF5050"/>
+        </a:hlink>
+        <a:folHlink>
+          <a:srgbClr val="FF9900"/>
+        </a:folHlink>
+      </a:clrScheme>
+      <a:clrMap bg1="lt1" tx1="dk1" bg2="lt2" tx2="dk2" accent1="accent1" accent2="accent2" accent3="accent3" accent4="accent4" accent5="accent5" accent6="accent6" hlink="hlink" folHlink="folHlink"/>
+    </a:extraClrScheme>
+    <a:extraClrScheme>
+      <a:clrScheme name="默认设计模板 6">
+        <a:dk1>
+          <a:srgbClr val="005A58"/>
+        </a:dk1>
+        <a:lt1>
+          <a:srgbClr val="FFFFFF"/>
+        </a:lt1>
+        <a:dk2>
+          <a:srgbClr val="008080"/>
+        </a:dk2>
+        <a:lt2>
+          <a:srgbClr val="FFFF99"/>
+        </a:lt2>
+        <a:accent1>
+          <a:srgbClr val="006462"/>
+        </a:accent1>
+        <a:accent2>
+          <a:srgbClr val="6D6FC7"/>
+        </a:accent2>
+        <a:accent3>
+          <a:srgbClr val="AAC0C0"/>
+        </a:accent3>
+        <a:accent4>
+          <a:srgbClr val="DADADA"/>
+        </a:accent4>
+        <a:accent5>
+          <a:srgbClr val="AAB8B7"/>
+        </a:accent5>
+        <a:accent6>
+          <a:srgbClr val="6264B4"/>
+        </a:accent6>
+        <a:hlink>
+          <a:srgbClr val="00FFFF"/>
+        </a:hlink>
+        <a:folHlink>
+          <a:srgbClr val="00FF00"/>
+        </a:folHlink>
+      </a:clrScheme>
+      <a:clrMap bg1="dk2" tx1="lt1" bg2="dk1" tx2="lt2" accent1="accent1" accent2="accent2" accent3="accent3" accent4="accent4" accent5="accent5" accent6="accent6" hlink="hlink" folHlink="folHlink"/>
+    </a:extraClrScheme>
+    <a:extraClrScheme>
+      <a:clrScheme name="默认设计模板 7">
+        <a:dk1>
+          <a:srgbClr val="5C1F00"/>
+        </a:dk1>
+        <a:lt1>
+          <a:srgbClr val="FFFFFF"/>
+        </a:lt1>
+        <a:dk2>
+          <a:srgbClr val="800000"/>
+        </a:dk2>
+        <a:lt2>
+          <a:srgbClr val="DFD293"/>
+        </a:lt2>
+        <a:accent1>
+          <a:srgbClr val="CC3300"/>
+        </a:accent1>
+        <a:accent2>
+          <a:srgbClr val="BE7960"/>
+        </a:accent2>
+        <a:accent3>
+          <a:srgbClr val="C0AAAA"/>
+        </a:accent3>
+        <a:accent4>
+          <a:srgbClr val="DADADA"/>
+        </a:accent4>
+        <a:accent5>
+          <a:srgbClr val="E2ADAA"/>
+        </a:accent5>
+        <a:accent6>
+          <a:srgbClr val="AC6D56"/>
+        </a:accent6>
+        <a:hlink>
+          <a:srgbClr val="FFFF99"/>
+        </a:hlink>
+        <a:folHlink>
+          <a:srgbClr val="D3A219"/>
+        </a:folHlink>
+      </a:clrScheme>
+      <a:clrMap bg1="dk2" tx1="lt1" bg2="dk1" tx2="lt2" accent1="accent1" accent2="accent2" accent3="accent3" accent4="accent4" accent5="accent5" accent6="accent6" hlink="hlink" folHlink="folHlink"/>
+    </a:extraClrScheme>
+    <a:extraClrScheme>
+      <a:clrScheme name="默认设计模板 8">
+        <a:dk1>
+          <a:srgbClr val="003366"/>
+        </a:dk1>
+        <a:lt1>
+          <a:srgbClr val="FFFFFF"/>
+        </a:lt1>
+        <a:dk2>
+          <a:srgbClr val="000099"/>
+        </a:dk2>
+        <a:lt2>
+          <a:srgbClr val="CCFFFF"/>
+        </a:lt2>
+        <a:accent1>
+          <a:srgbClr val="3366CC"/>
+        </a:accent1>
+        <a:accent2>
+          <a:srgbClr val="00B000"/>
+        </a:accent2>
+        <a:accent3>
+          <a:srgbClr val="AAAACA"/>
+        </a:accent3>
+        <a:accent4>
+          <a:srgbClr val="DADADA"/>
+        </a:accent4>
+        <a:accent5>
+          <a:srgbClr val="ADB8E2"/>
+        </a:accent5>
+        <a:accent6>
+          <a:srgbClr val="009F00"/>
+        </a:accent6>
+        <a:hlink>
+          <a:srgbClr val="66CCFF"/>
+        </a:hlink>
+        <a:folHlink>
+          <a:srgbClr val="FFE701"/>
+        </a:folHlink>
+      </a:clrScheme>
+      <a:clrMap bg1="dk2" tx1="lt1" bg2="dk1" tx2="lt2" accent1="accent1" accent2="accent2" accent3="accent3" accent4="accent4" accent5="accent5" accent6="accent6" hlink="hlink" folHlink="folHlink"/>
+    </a:extraClrScheme>
+    <a:extraClrScheme>
+      <a:clrScheme name="默认设计模板 9">
+        <a:dk1>
+          <a:srgbClr val="336699"/>
+        </a:dk1>
+        <a:lt1>
+          <a:srgbClr val="FFFFFF"/>
+        </a:lt1>
+        <a:dk2>
+          <a:srgbClr val="000000"/>
+        </a:dk2>
+        <a:lt2>
+          <a:srgbClr val="E3EBF1"/>
+        </a:lt2>
+        <a:accent1>
+          <a:srgbClr val="003399"/>
+        </a:accent1>
+        <a:accent2>
+          <a:srgbClr val="468A4B"/>
+        </a:accent2>
+        <a:accent3>
+          <a:srgbClr val="AAAAAA"/>
+        </a:accent3>
+        <a:accent4>
+          <a:srgbClr val="DADADA"/>
+        </a:accent4>
+        <a:accent5>
+          <a:srgbClr val="AAADCA"/>
+        </a:accent5>
+        <a:accent6>
+          <a:srgbClr val="3F7D43"/>
+        </a:accent6>
+        <a:hlink>
+          <a:srgbClr val="66CCFF"/>
+        </a:hlink>
+        <a:folHlink>
+          <a:srgbClr val="F0E500"/>
+        </a:folHlink>
+      </a:clrScheme>
+      <a:clrMap bg1="dk2" tx1="lt1" bg2="dk1" tx2="lt2" accent1="accent1" accent2="accent2" accent3="accent3" accent4="accent4" accent5="accent5" accent6="accent6" hlink="hlink" folHlink="folHlink"/>
+    </a:extraClrScheme>
+    <a:extraClrScheme>
+      <a:clrScheme name="默认设计模板 10">
+        <a:dk1>
+          <a:srgbClr val="777777"/>
+        </a:dk1>
+        <a:lt1>
+          <a:srgbClr val="FFFFFF"/>
+        </a:lt1>
+        <a:dk2>
+          <a:srgbClr val="686B5D"/>
+        </a:dk2>
+        <a:lt2>
+          <a:srgbClr val="D1D1CB"/>
+        </a:lt2>
+        <a:accent1>
+          <a:srgbClr val="909082"/>
+        </a:accent1>
+        <a:accent2>
+          <a:srgbClr val="809EA8"/>
+        </a:accent2>
+        <a:accent3>
+          <a:srgbClr val="B9BAB6"/>
+        </a:accent3>
+        <a:accent4>
+          <a:srgbClr val="DADADA"/>
+        </a:accent4>
+        <a:accent5>
+          <a:srgbClr val="C6C6C1"/>
+        </a:accent5>
+        <a:accent6>
+          <a:srgbClr val="738F98"/>
+        </a:accent6>
+        <a:hlink>
+          <a:srgbClr val="FFCC66"/>
+        </a:hlink>
+        <a:folHlink>
+          <a:srgbClr val="E9DCB9"/>
+        </a:folHlink>
+      </a:clrScheme>
+      <a:clrMap bg1="dk2" tx1="lt1" bg2="dk1" tx2="lt2" accent1="accent1" accent2="accent2" accent3="accent3" accent4="accent4" accent5="accent5" accent6="accent6" hlink="hlink" folHlink="folHlink"/>
+    </a:extraClrScheme>
+    <a:extraClrScheme>
+      <a:clrScheme name="默认设计模板 11">
+        <a:dk1>
+          <a:srgbClr val="3E3E5C"/>
+        </a:dk1>
+        <a:lt1>
+          <a:srgbClr val="FFFFFF"/>
+        </a:lt1>
+        <a:dk2>
+          <a:srgbClr val="666699"/>
+        </a:dk2>
+        <a:lt2>
+          <a:srgbClr val="FFFFFF"/>
+        </a:lt2>
+        <a:accent1>
+          <a:srgbClr val="60597B"/>
+        </a:accent1>
+        <a:accent2>
+          <a:srgbClr val="6666FF"/>
+        </a:accent2>
+        <a:accent3>
+          <a:srgbClr val="B8B8CA"/>
+        </a:accent3>
+        <a:accent4>
+          <a:srgbClr val="DADADA"/>
+        </a:accent4>
+        <a:accent5>
+          <a:srgbClr val="B6B5BF"/>
+        </a:accent5>
+        <a:accent6>
+          <a:srgbClr val="5C5CE7"/>
+        </a:accent6>
+        <a:hlink>
+          <a:srgbClr val="99CCFF"/>
+        </a:hlink>
+        <a:folHlink>
+          <a:srgbClr val="FFFF99"/>
+        </a:folHlink>
+      </a:clrScheme>
+      <a:clrMap bg1="dk2" tx1="lt1" bg2="dk1" tx2="lt2" accent1="accent1" accent2="accent2" accent3="accent3" accent4="accent4" accent5="accent5" accent6="accent6" hlink="hlink" folHlink="folHlink"/>
+    </a:extraClrScheme>
+    <a:extraClrScheme>
+      <a:clrScheme name="默认设计模板 12">
+        <a:dk1>
+          <a:srgbClr val="2D2015"/>
+        </a:dk1>
+        <a:lt1>
+          <a:srgbClr val="FFFFFF"/>
+        </a:lt1>
+        <a:dk2>
+          <a:srgbClr val="523E26"/>
+        </a:dk2>
+        <a:lt2>
+          <a:srgbClr val="DFC08D"/>
+        </a:lt2>
+        <a:accent1>
+          <a:srgbClr val="8C7B70"/>
+        </a:accent1>
+        <a:accent2>
+          <a:srgbClr val="8F5F2F"/>
+        </a:accent2>
+        <a:accent3>
+          <a:srgbClr val="B3AFAC"/>
+        </a:accent3>
+        <a:accent4>
+          <a:srgbClr val="DADADA"/>
+        </a:accent4>
+        <a:accent5>
+          <a:srgbClr val="C5BFBB"/>
+        </a:accent5>
+        <a:accent6>
+          <a:srgbClr val="81552A"/>
+        </a:accent6>
+        <a:hlink>
+          <a:srgbClr val="CCB400"/>
+        </a:hlink>
+        <a:folHlink>
+          <a:srgbClr val="8C9EA0"/>
+        </a:folHlink>
+      </a:clrScheme>
+      <a:clrMap bg1="dk2" tx1="lt1" bg2="dk1" tx2="lt2" accent1="accent1" accent2="accent2" accent3="accent3" accent4="accent4" accent5="accent5" accent6="accent6" hlink="hlink" folHlink="folHlink"/>
+    </a:extraClrScheme>
+    <a:extraClrScheme>
+      <a:clrScheme name="默认设计模板 13">
+        <a:dk1>
+          <a:srgbClr val="000000"/>
+        </a:dk1>
+        <a:lt1>
+          <a:srgbClr val="FFFFD9"/>
+        </a:lt1>
+        <a:dk2>
+          <a:srgbClr val="2B2E30"/>
+        </a:dk2>
+        <a:lt2>
+          <a:srgbClr val="777777"/>
+        </a:lt2>
+        <a:accent1>
+          <a:srgbClr val="7FBA00"/>
+        </a:accent1>
+        <a:accent2>
+          <a:srgbClr val="FCDB00"/>
+        </a:accent2>
+        <a:accent3>
+          <a:srgbClr val="FFFFE9"/>
+        </a:accent3>
+        <a:accent4>
+          <a:srgbClr val="000000"/>
+        </a:accent4>
+        <a:accent5>
+          <a:srgbClr val="C0D9AA"/>
+        </a:accent5>
+        <a:accent6>
+          <a:srgbClr val="E4C600"/>
+        </a:accent6>
+        <a:hlink>
+          <a:srgbClr val="21A3D0"/>
+        </a:hlink>
+        <a:folHlink>
+          <a:srgbClr val="DA251D"/>
+        </a:folHlink>
+      </a:clrScheme>
+      <a:clrMap bg1="lt1" tx1="dk1" bg2="lt2" tx2="dk2" accent1="accent1" accent2="accent2" accent3="accent3" accent4="accent4" accent5="accent5" accent6="accent6" hlink="hlink" folHlink="folHlink"/>
+    </a:extraClrScheme>
+  </a:extraClrSchemeLst>
+</a:theme>
+</file>
+
+<file path=ppt/theme/theme3.xml><?xml version="1.0" encoding="utf-8"?>
 <a:theme xmlns:a="http://schemas.openxmlformats.org/drawingml/2006/main" name="Office 主题​​">
   <a:themeElements>
     <a:clrScheme name="">
@@ -31910,7 +36758,7 @@
 </a:theme>
 </file>
 
-<file path=ppt/theme/theme3.xml><?xml version="1.0" encoding="utf-8"?>
+<file path=ppt/theme/theme4.xml><?xml version="1.0" encoding="utf-8"?>
 <a:theme xmlns:a="http://schemas.openxmlformats.org/drawingml/2006/main" name="Office 主题​​">
   <a:themeElements>
     <a:clrScheme name="Office">
